--- a/Föreläsningar/F04 - Webbteknik.pptx
+++ b/Föreläsningar/F04 - Webbteknik.pptx
@@ -5,10 +5,10 @@
     <p:sldMasterId id="2147483648" r:id="rId1"/>
   </p:sldMasterIdLst>
   <p:notesMasterIdLst>
-    <p:notesMasterId r:id="rId37"/>
+    <p:notesMasterId r:id="rId35"/>
   </p:notesMasterIdLst>
   <p:handoutMasterIdLst>
-    <p:handoutMasterId r:id="rId38"/>
+    <p:handoutMasterId r:id="rId36"/>
   </p:handoutMasterIdLst>
   <p:sldIdLst>
     <p:sldId id="473" r:id="rId2"/>
@@ -20,32 +20,30 @@
     <p:sldId id="340" r:id="rId8"/>
     <p:sldId id="341" r:id="rId9"/>
     <p:sldId id="343" r:id="rId10"/>
-    <p:sldId id="349" r:id="rId11"/>
-    <p:sldId id="342" r:id="rId12"/>
-    <p:sldId id="345" r:id="rId13"/>
-    <p:sldId id="346" r:id="rId14"/>
-    <p:sldId id="348" r:id="rId15"/>
-    <p:sldId id="474" r:id="rId16"/>
-    <p:sldId id="475" r:id="rId17"/>
-    <p:sldId id="476" r:id="rId18"/>
-    <p:sldId id="477" r:id="rId19"/>
-    <p:sldId id="478" r:id="rId20"/>
-    <p:sldId id="479" r:id="rId21"/>
-    <p:sldId id="480" r:id="rId22"/>
-    <p:sldId id="481" r:id="rId23"/>
-    <p:sldId id="482" r:id="rId24"/>
-    <p:sldId id="483" r:id="rId25"/>
-    <p:sldId id="484" r:id="rId26"/>
-    <p:sldId id="485" r:id="rId27"/>
-    <p:sldId id="486" r:id="rId28"/>
-    <p:sldId id="487" r:id="rId29"/>
-    <p:sldId id="488" r:id="rId30"/>
-    <p:sldId id="489" r:id="rId31"/>
-    <p:sldId id="490" r:id="rId32"/>
-    <p:sldId id="491" r:id="rId33"/>
-    <p:sldId id="492" r:id="rId34"/>
-    <p:sldId id="493" r:id="rId35"/>
-    <p:sldId id="494" r:id="rId36"/>
+    <p:sldId id="342" r:id="rId11"/>
+    <p:sldId id="345" r:id="rId12"/>
+    <p:sldId id="346" r:id="rId13"/>
+    <p:sldId id="348" r:id="rId14"/>
+    <p:sldId id="474" r:id="rId15"/>
+    <p:sldId id="475" r:id="rId16"/>
+    <p:sldId id="476" r:id="rId17"/>
+    <p:sldId id="477" r:id="rId18"/>
+    <p:sldId id="478" r:id="rId19"/>
+    <p:sldId id="479" r:id="rId20"/>
+    <p:sldId id="480" r:id="rId21"/>
+    <p:sldId id="481" r:id="rId22"/>
+    <p:sldId id="482" r:id="rId23"/>
+    <p:sldId id="483" r:id="rId24"/>
+    <p:sldId id="484" r:id="rId25"/>
+    <p:sldId id="485" r:id="rId26"/>
+    <p:sldId id="486" r:id="rId27"/>
+    <p:sldId id="487" r:id="rId28"/>
+    <p:sldId id="488" r:id="rId29"/>
+    <p:sldId id="489" r:id="rId30"/>
+    <p:sldId id="490" r:id="rId31"/>
+    <p:sldId id="491" r:id="rId32"/>
+    <p:sldId id="492" r:id="rId33"/>
+    <p:sldId id="493" r:id="rId34"/>
   </p:sldIdLst>
   <p:sldSz cx="9144000" cy="5715000" type="screen16x10"/>
   <p:notesSz cx="7099300" cy="10234613"/>
@@ -963,7 +961,7 @@
             <a:fld id="{87A2DC32-3504-46EA-A4CB-95ED6A325EDF}" type="slidenum">
               <a:rPr lang="sv-SE" smtClean="0"/>
               <a:pPr/>
-              <a:t>13</a:t>
+              <a:t>12</a:t>
             </a:fld>
             <a:endParaRPr lang="sv-SE"/>
           </a:p>
@@ -1107,7 +1105,7 @@
             <a:fld id="{87A2DC32-3504-46EA-A4CB-95ED6A325EDF}" type="slidenum">
               <a:rPr lang="sv-SE" smtClean="0"/>
               <a:pPr/>
-              <a:t>16</a:t>
+              <a:t>15</a:t>
             </a:fld>
             <a:endParaRPr lang="sv-SE"/>
           </a:p>
@@ -1218,7 +1216,7 @@
             <a:fld id="{87A2DC32-3504-46EA-A4CB-95ED6A325EDF}" type="slidenum">
               <a:rPr lang="sv-SE" smtClean="0"/>
               <a:pPr/>
-              <a:t>18</a:t>
+              <a:t>17</a:t>
             </a:fld>
             <a:endParaRPr lang="sv-SE"/>
           </a:p>
@@ -7629,7 +7627,11 @@
           <a:p>
             <a:r>
               <a:rPr lang="sv-SE" b="1" dirty="0" smtClean="0"/>
-              <a:t>F04 – Servrar/klienter</a:t>
+              <a:t>F04 – </a:t>
+            </a:r>
+            <a:r>
+              <a:rPr lang="sv-SE" b="1" dirty="0" smtClean="0"/>
+              <a:t>Webbteknik</a:t>
             </a:r>
             <a:endParaRPr lang="sv-SE" b="1" dirty="0"/>
           </a:p>
@@ -7644,7 +7646,7 @@
         <p:spPr>
           <a:xfrm>
             <a:off x="395536" y="1201316"/>
-            <a:ext cx="3950120" cy="954107"/>
+            <a:ext cx="3996131" cy="954107"/>
           </a:xfrm>
           <a:prstGeom prst="rect">
             <a:avLst/>
@@ -7661,61 +7663,26 @@
               <a:rPr lang="sv-SE" sz="2800" b="1" dirty="0" smtClean="0">
                 <a:latin typeface="Minya Nouvelle" pitchFamily="2" charset="0"/>
               </a:rPr>
-              <a:t>Föreläsning 4, HT2011</a:t>
-            </a:r>
+              <a:t>Föreläsning 4, </a:t>
+            </a:r>
+            <a:r>
+              <a:rPr lang="sv-SE" sz="2800" b="1" dirty="0" smtClean="0">
+                <a:latin typeface="Minya Nouvelle" pitchFamily="2" charset="0"/>
+              </a:rPr>
+              <a:t>HT2013</a:t>
+            </a:r>
+            <a:endParaRPr lang="sv-SE" sz="2800" b="1" dirty="0" smtClean="0">
+              <a:latin typeface="Minya Nouvelle" pitchFamily="2" charset="0"/>
+            </a:endParaRPr>
           </a:p>
           <a:p>
             <a:r>
               <a:rPr lang="sv-SE" sz="2800" dirty="0" smtClean="0">
                 <a:latin typeface="Minya Nouvelle" pitchFamily="2" charset="0"/>
               </a:rPr>
-              <a:t>Servrar och klienter</a:t>
-            </a:r>
-          </a:p>
-        </p:txBody>
-      </p:sp>
-      <p:sp>
-        <p:nvSpPr>
-          <p:cNvPr id="3" name="Rectangle 2"/>
-          <p:cNvSpPr/>
-          <p:nvPr/>
-        </p:nvSpPr>
-        <p:spPr>
-          <a:xfrm>
-            <a:off x="179512" y="4585692"/>
-            <a:ext cx="4572000" cy="646331"/>
-          </a:xfrm>
-          <a:prstGeom prst="rect">
-            <a:avLst/>
-          </a:prstGeom>
-        </p:spPr>
-        <p:txBody>
-          <a:bodyPr>
-            <a:spAutoFit/>
-          </a:bodyPr>
-          <a:lstStyle/>
-          <a:p>
-            <a:r>
-              <a:rPr lang="sv-SE" b="1" dirty="0">
-                <a:latin typeface="Minya Nouvelle" pitchFamily="2" charset="0"/>
-              </a:rPr>
-              <a:t>Kurser:</a:t>
-            </a:r>
-          </a:p>
-          <a:p>
-            <a:r>
-              <a:rPr lang="sv-SE" dirty="0">
-                <a:latin typeface="Minya Nouvelle" pitchFamily="2" charset="0"/>
-              </a:rPr>
-              <a:t>Webbteknisk introduktion </a:t>
-            </a:r>
-            <a:r>
-              <a:rPr lang="sv-SE" dirty="0" smtClean="0">
-                <a:latin typeface="Minya Nouvelle" pitchFamily="2" charset="0"/>
-              </a:rPr>
-              <a:t>1IK415</a:t>
-            </a:r>
-            <a:endParaRPr lang="sv-SE" dirty="0">
+              <a:t>Webbteknik</a:t>
+            </a:r>
+            <a:endParaRPr lang="sv-SE" sz="2800" dirty="0" smtClean="0">
               <a:latin typeface="Minya Nouvelle" pitchFamily="2" charset="0"/>
             </a:endParaRPr>
           </a:p>
@@ -7815,681 +7782,6 @@
 </file>
 
 <file path=ppt/slides/slide10.xml><?xml version="1.0" encoding="utf-8"?>
-<p:sld xmlns:a="http://schemas.openxmlformats.org/drawingml/2006/main" xmlns:r="http://schemas.openxmlformats.org/officeDocument/2006/relationships" xmlns:p="http://schemas.openxmlformats.org/presentationml/2006/main">
-  <p:cSld>
-    <p:spTree>
-      <p:nvGrpSpPr>
-        <p:cNvPr id="1" name=""/>
-        <p:cNvGrpSpPr/>
-        <p:nvPr/>
-      </p:nvGrpSpPr>
-      <p:grpSpPr>
-        <a:xfrm>
-          <a:off x="0" y="0"/>
-          <a:ext cx="0" cy="0"/>
-          <a:chOff x="0" y="0"/>
-          <a:chExt cx="0" cy="0"/>
-        </a:xfrm>
-      </p:grpSpPr>
-      <p:sp>
-        <p:nvSpPr>
-          <p:cNvPr id="2" name="Title 1"/>
-          <p:cNvSpPr>
-            <a:spLocks noGrp="1"/>
-          </p:cNvSpPr>
-          <p:nvPr>
-            <p:ph type="ctrTitle"/>
-          </p:nvPr>
-        </p:nvSpPr>
-        <p:spPr/>
-        <p:txBody>
-          <a:bodyPr/>
-          <a:lstStyle/>
-          <a:p>
-            <a:r>
-              <a:rPr lang="sv-SE" dirty="0" smtClean="0"/>
-              <a:t>Vilka ska supporteras?</a:t>
-            </a:r>
-            <a:endParaRPr lang="sv-SE" dirty="0"/>
-          </a:p>
-        </p:txBody>
-      </p:sp>
-      <p:graphicFrame>
-        <p:nvGraphicFramePr>
-          <p:cNvPr id="4" name="Table 3"/>
-          <p:cNvGraphicFramePr>
-            <a:graphicFrameLocks noGrp="1"/>
-          </p:cNvGraphicFramePr>
-          <p:nvPr>
-            <p:extLst>
-              <p:ext uri="{D42A27DB-BD31-4B8C-83A1-F6EECF244321}">
-                <p14:modId xmlns:p14="http://schemas.microsoft.com/office/powerpoint/2010/main" val="384419603"/>
-              </p:ext>
-            </p:extLst>
-          </p:nvPr>
-        </p:nvGraphicFramePr>
-        <p:xfrm>
-          <a:off x="611560" y="1417340"/>
-          <a:ext cx="7696073" cy="2219960"/>
-        </p:xfrm>
-        <a:graphic>
-          <a:graphicData uri="http://schemas.openxmlformats.org/drawingml/2006/table">
-            <a:tbl>
-              <a:tblPr firstRow="1" bandRow="1">
-                <a:tableStyleId>{93296810-A885-4BE3-A3E7-6D5BEEA58F35}</a:tableStyleId>
-              </a:tblPr>
-              <a:tblGrid>
-                <a:gridCol w="1843913"/>
-                <a:gridCol w="1612471"/>
-                <a:gridCol w="1313609"/>
-                <a:gridCol w="1463040"/>
-                <a:gridCol w="1463040"/>
-              </a:tblGrid>
-              <a:tr h="370840">
-                <a:tc>
-                  <a:txBody>
-                    <a:bodyPr/>
-                    <a:lstStyle/>
-                    <a:p>
-                      <a:r>
-                        <a:rPr lang="sv-SE" dirty="0" smtClean="0"/>
-                        <a:t>Internet Explorer</a:t>
-                      </a:r>
-                      <a:endParaRPr lang="sv-SE" dirty="0"/>
-                    </a:p>
-                  </a:txBody>
-                  <a:tcPr/>
-                </a:tc>
-                <a:tc>
-                  <a:txBody>
-                    <a:bodyPr/>
-                    <a:lstStyle/>
-                    <a:p>
-                      <a:r>
-                        <a:rPr lang="sv-SE" dirty="0" err="1" smtClean="0"/>
-                        <a:t>FireFox</a:t>
-                      </a:r>
-                      <a:endParaRPr lang="sv-SE" dirty="0"/>
-                    </a:p>
-                  </a:txBody>
-                  <a:tcPr/>
-                </a:tc>
-                <a:tc>
-                  <a:txBody>
-                    <a:bodyPr/>
-                    <a:lstStyle/>
-                    <a:p>
-                      <a:r>
-                        <a:rPr lang="sv-SE" dirty="0" err="1" smtClean="0"/>
-                        <a:t>Chrome</a:t>
-                      </a:r>
-                      <a:endParaRPr lang="sv-SE" dirty="0"/>
-                    </a:p>
-                  </a:txBody>
-                  <a:tcPr/>
-                </a:tc>
-                <a:tc>
-                  <a:txBody>
-                    <a:bodyPr/>
-                    <a:lstStyle/>
-                    <a:p>
-                      <a:r>
-                        <a:rPr lang="sv-SE" dirty="0" smtClean="0"/>
-                        <a:t>Safari</a:t>
-                      </a:r>
-                      <a:endParaRPr lang="sv-SE" dirty="0"/>
-                    </a:p>
-                  </a:txBody>
-                  <a:tcPr/>
-                </a:tc>
-                <a:tc>
-                  <a:txBody>
-                    <a:bodyPr/>
-                    <a:lstStyle/>
-                    <a:p>
-                      <a:r>
-                        <a:rPr lang="sv-SE" dirty="0" smtClean="0"/>
-                        <a:t>Opera</a:t>
-                      </a:r>
-                      <a:endParaRPr lang="sv-SE" dirty="0"/>
-                    </a:p>
-                  </a:txBody>
-                  <a:tcPr/>
-                </a:tc>
-              </a:tr>
-              <a:tr h="370840">
-                <a:tc>
-                  <a:txBody>
-                    <a:bodyPr/>
-                    <a:lstStyle/>
-                    <a:p>
-                      <a:r>
-                        <a:rPr lang="sv-SE" dirty="0" smtClean="0"/>
-                        <a:t>IE9</a:t>
-                      </a:r>
-                      <a:endParaRPr lang="sv-SE" dirty="0"/>
-                    </a:p>
-                  </a:txBody>
-                  <a:tcPr>
-                    <a:solidFill>
-                      <a:srgbClr val="8AB091"/>
-                    </a:solidFill>
-                  </a:tcPr>
-                </a:tc>
-                <a:tc>
-                  <a:txBody>
-                    <a:bodyPr/>
-                    <a:lstStyle/>
-                    <a:p>
-                      <a:r>
-                        <a:rPr lang="sv-SE" dirty="0" smtClean="0"/>
-                        <a:t>15</a:t>
-                      </a:r>
-                      <a:endParaRPr lang="sv-SE" dirty="0"/>
-                    </a:p>
-                  </a:txBody>
-                  <a:tcPr>
-                    <a:solidFill>
-                      <a:srgbClr val="8AB091"/>
-                    </a:solidFill>
-                  </a:tcPr>
-                </a:tc>
-                <a:tc>
-                  <a:txBody>
-                    <a:bodyPr/>
-                    <a:lstStyle/>
-                    <a:p>
-                      <a:r>
-                        <a:rPr lang="sv-SE" dirty="0" smtClean="0"/>
-                        <a:t>21</a:t>
-                      </a:r>
-                      <a:endParaRPr lang="sv-SE" dirty="0"/>
-                    </a:p>
-                  </a:txBody>
-                  <a:tcPr>
-                    <a:solidFill>
-                      <a:srgbClr val="8AB091"/>
-                    </a:solidFill>
-                  </a:tcPr>
-                </a:tc>
-                <a:tc>
-                  <a:txBody>
-                    <a:bodyPr/>
-                    <a:lstStyle/>
-                    <a:p>
-                      <a:r>
-                        <a:rPr lang="sv-SE" dirty="0" smtClean="0"/>
-                        <a:t>5</a:t>
-                      </a:r>
-                      <a:endParaRPr lang="sv-SE" dirty="0"/>
-                    </a:p>
-                  </a:txBody>
-                  <a:tcPr>
-                    <a:solidFill>
-                      <a:srgbClr val="8AB091"/>
-                    </a:solidFill>
-                  </a:tcPr>
-                </a:tc>
-                <a:tc>
-                  <a:txBody>
-                    <a:bodyPr/>
-                    <a:lstStyle/>
-                    <a:p>
-                      <a:r>
-                        <a:rPr lang="sv-SE" dirty="0" smtClean="0"/>
-                        <a:t>12...11</a:t>
-                      </a:r>
-                      <a:endParaRPr lang="sv-SE" dirty="0"/>
-                    </a:p>
-                  </a:txBody>
-                  <a:tcPr>
-                    <a:solidFill>
-                      <a:srgbClr val="8AB091"/>
-                    </a:solidFill>
-                  </a:tcPr>
-                </a:tc>
-              </a:tr>
-              <a:tr h="338440">
-                <a:tc>
-                  <a:txBody>
-                    <a:bodyPr/>
-                    <a:lstStyle/>
-                    <a:p>
-                      <a:r>
-                        <a:rPr lang="sv-SE" dirty="0" smtClean="0"/>
-                        <a:t>IE8</a:t>
-                      </a:r>
-                      <a:endParaRPr lang="sv-SE" dirty="0"/>
-                    </a:p>
-                  </a:txBody>
-                  <a:tcPr>
-                    <a:solidFill>
-                      <a:srgbClr val="8AB091"/>
-                    </a:solidFill>
-                  </a:tcPr>
-                </a:tc>
-                <a:tc>
-                  <a:txBody>
-                    <a:bodyPr/>
-                    <a:lstStyle/>
-                    <a:p>
-                      <a:r>
-                        <a:rPr lang="sv-SE" dirty="0" smtClean="0"/>
-                        <a:t>3.6</a:t>
-                      </a:r>
-                      <a:endParaRPr lang="sv-SE" dirty="0"/>
-                    </a:p>
-                  </a:txBody>
-                  <a:tcPr>
-                    <a:solidFill>
-                      <a:srgbClr val="8AB091"/>
-                    </a:solidFill>
-                  </a:tcPr>
-                </a:tc>
-                <a:tc>
-                  <a:txBody>
-                    <a:bodyPr/>
-                    <a:lstStyle/>
-                    <a:p>
-                      <a:r>
-                        <a:rPr lang="sv-SE" dirty="0" smtClean="0"/>
-                        <a:t>11</a:t>
-                      </a:r>
-                      <a:endParaRPr lang="sv-SE" dirty="0"/>
-                    </a:p>
-                  </a:txBody>
-                  <a:tcPr>
-                    <a:solidFill>
-                      <a:srgbClr val="8AB091"/>
-                    </a:solidFill>
-                  </a:tcPr>
-                </a:tc>
-                <a:tc>
-                  <a:txBody>
-                    <a:bodyPr/>
-                    <a:lstStyle/>
-                    <a:p>
-                      <a:r>
-                        <a:rPr lang="sv-SE" dirty="0" smtClean="0"/>
-                        <a:t>4</a:t>
-                      </a:r>
-                      <a:endParaRPr lang="sv-SE" dirty="0"/>
-                    </a:p>
-                  </a:txBody>
-                  <a:tcPr>
-                    <a:solidFill>
-                      <a:schemeClr val="accent4">
-                        <a:lumMod val="60000"/>
-                        <a:lumOff val="40000"/>
-                      </a:schemeClr>
-                    </a:solidFill>
-                  </a:tcPr>
-                </a:tc>
-                <a:tc>
-                  <a:txBody>
-                    <a:bodyPr/>
-                    <a:lstStyle/>
-                    <a:p>
-                      <a:r>
-                        <a:rPr lang="sv-SE" dirty="0" smtClean="0"/>
-                        <a:t>10</a:t>
-                      </a:r>
-                      <a:endParaRPr lang="sv-SE" dirty="0"/>
-                    </a:p>
-                  </a:txBody>
-                  <a:tcPr>
-                    <a:solidFill>
-                      <a:schemeClr val="accent3">
-                        <a:lumMod val="60000"/>
-                        <a:lumOff val="40000"/>
-                      </a:schemeClr>
-                    </a:solidFill>
-                  </a:tcPr>
-                </a:tc>
-              </a:tr>
-              <a:tr h="370840">
-                <a:tc>
-                  <a:txBody>
-                    <a:bodyPr/>
-                    <a:lstStyle/>
-                    <a:p>
-                      <a:r>
-                        <a:rPr lang="sv-SE" dirty="0" smtClean="0"/>
-                        <a:t>IE7</a:t>
-                      </a:r>
-                      <a:endParaRPr lang="sv-SE" dirty="0"/>
-                    </a:p>
-                  </a:txBody>
-                  <a:tcPr>
-                    <a:solidFill>
-                      <a:srgbClr val="8AB091"/>
-                    </a:solidFill>
-                  </a:tcPr>
-                </a:tc>
-                <a:tc>
-                  <a:txBody>
-                    <a:bodyPr/>
-                    <a:lstStyle/>
-                    <a:p>
-                      <a:r>
-                        <a:rPr lang="sv-SE" dirty="0" smtClean="0"/>
-                        <a:t>3.5</a:t>
-                      </a:r>
-                      <a:endParaRPr lang="sv-SE" dirty="0"/>
-                    </a:p>
-                  </a:txBody>
-                  <a:tcPr>
-                    <a:solidFill>
-                      <a:schemeClr val="accent4">
-                        <a:lumMod val="60000"/>
-                        <a:lumOff val="40000"/>
-                      </a:schemeClr>
-                    </a:solidFill>
-                  </a:tcPr>
-                </a:tc>
-                <a:tc>
-                  <a:txBody>
-                    <a:bodyPr/>
-                    <a:lstStyle/>
-                    <a:p>
-                      <a:r>
-                        <a:rPr lang="sv-SE" dirty="0" smtClean="0"/>
-                        <a:t>10</a:t>
-                      </a:r>
-                      <a:endParaRPr lang="sv-SE" dirty="0"/>
-                    </a:p>
-                  </a:txBody>
-                  <a:tcPr>
-                    <a:solidFill>
-                      <a:schemeClr val="accent4">
-                        <a:lumMod val="60000"/>
-                        <a:lumOff val="40000"/>
-                      </a:schemeClr>
-                    </a:solidFill>
-                  </a:tcPr>
-                </a:tc>
-                <a:tc>
-                  <a:txBody>
-                    <a:bodyPr/>
-                    <a:lstStyle/>
-                    <a:p>
-                      <a:r>
-                        <a:rPr lang="sv-SE" dirty="0" smtClean="0"/>
-                        <a:t>3</a:t>
-                      </a:r>
-                      <a:endParaRPr lang="sv-SE" dirty="0"/>
-                    </a:p>
-                  </a:txBody>
-                  <a:tcPr>
-                    <a:solidFill>
-                      <a:schemeClr val="accent3">
-                        <a:lumMod val="60000"/>
-                        <a:lumOff val="40000"/>
-                      </a:schemeClr>
-                    </a:solidFill>
-                  </a:tcPr>
-                </a:tc>
-                <a:tc>
-                  <a:txBody>
-                    <a:bodyPr/>
-                    <a:lstStyle/>
-                    <a:p>
-                      <a:r>
-                        <a:rPr lang="sv-SE" dirty="0" smtClean="0"/>
-                        <a:t>9</a:t>
-                      </a:r>
-                      <a:endParaRPr lang="sv-SE" dirty="0"/>
-                    </a:p>
-                  </a:txBody>
-                  <a:tcPr>
-                    <a:solidFill>
-                      <a:schemeClr val="accent3">
-                        <a:lumMod val="60000"/>
-                        <a:lumOff val="40000"/>
-                      </a:schemeClr>
-                    </a:solidFill>
-                  </a:tcPr>
-                </a:tc>
-              </a:tr>
-              <a:tr h="370840">
-                <a:tc>
-                  <a:txBody>
-                    <a:bodyPr/>
-                    <a:lstStyle/>
-                    <a:p>
-                      <a:r>
-                        <a:rPr lang="sv-SE" dirty="0" smtClean="0"/>
-                        <a:t>IE6</a:t>
-                      </a:r>
-                      <a:endParaRPr lang="sv-SE" dirty="0"/>
-                    </a:p>
-                  </a:txBody>
-                  <a:tcPr>
-                    <a:solidFill>
-                      <a:schemeClr val="accent4">
-                        <a:lumMod val="60000"/>
-                        <a:lumOff val="40000"/>
-                      </a:schemeClr>
-                    </a:solidFill>
-                  </a:tcPr>
-                </a:tc>
-                <a:tc>
-                  <a:txBody>
-                    <a:bodyPr/>
-                    <a:lstStyle/>
-                    <a:p>
-                      <a:r>
-                        <a:rPr lang="sv-SE" dirty="0" smtClean="0"/>
-                        <a:t>3.0</a:t>
-                      </a:r>
-                      <a:endParaRPr lang="sv-SE" dirty="0"/>
-                    </a:p>
-                  </a:txBody>
-                  <a:tcPr>
-                    <a:solidFill>
-                      <a:schemeClr val="accent4">
-                        <a:lumMod val="60000"/>
-                        <a:lumOff val="40000"/>
-                      </a:schemeClr>
-                    </a:solidFill>
-                  </a:tcPr>
-                </a:tc>
-                <a:tc>
-                  <a:txBody>
-                    <a:bodyPr/>
-                    <a:lstStyle/>
-                    <a:p>
-                      <a:r>
-                        <a:rPr lang="sv-SE" smtClean="0"/>
-                        <a:t>9</a:t>
-                      </a:r>
-                      <a:endParaRPr lang="sv-SE" dirty="0"/>
-                    </a:p>
-                  </a:txBody>
-                  <a:tcPr>
-                    <a:solidFill>
-                      <a:schemeClr val="accent3">
-                        <a:lumMod val="60000"/>
-                        <a:lumOff val="40000"/>
-                      </a:schemeClr>
-                    </a:solidFill>
-                  </a:tcPr>
-                </a:tc>
-                <a:tc>
-                  <a:txBody>
-                    <a:bodyPr/>
-                    <a:lstStyle/>
-                    <a:p>
-                      <a:r>
-                        <a:rPr lang="sv-SE" dirty="0" smtClean="0"/>
-                        <a:t>2</a:t>
-                      </a:r>
-                      <a:endParaRPr lang="sv-SE" dirty="0"/>
-                    </a:p>
-                  </a:txBody>
-                  <a:tcPr>
-                    <a:solidFill>
-                      <a:schemeClr val="accent3">
-                        <a:lumMod val="60000"/>
-                        <a:lumOff val="40000"/>
-                      </a:schemeClr>
-                    </a:solidFill>
-                  </a:tcPr>
-                </a:tc>
-                <a:tc>
-                  <a:txBody>
-                    <a:bodyPr/>
-                    <a:lstStyle/>
-                    <a:p>
-                      <a:r>
-                        <a:rPr lang="sv-SE" dirty="0" smtClean="0"/>
-                        <a:t>8</a:t>
-                      </a:r>
-                      <a:endParaRPr lang="sv-SE" dirty="0"/>
-                    </a:p>
-                  </a:txBody>
-                  <a:tcPr>
-                    <a:solidFill>
-                      <a:schemeClr val="accent3">
-                        <a:lumMod val="60000"/>
-                        <a:lumOff val="40000"/>
-                      </a:schemeClr>
-                    </a:solidFill>
-                  </a:tcPr>
-                </a:tc>
-              </a:tr>
-              <a:tr h="370840">
-                <a:tc>
-                  <a:txBody>
-                    <a:bodyPr/>
-                    <a:lstStyle/>
-                    <a:p>
-                      <a:r>
-                        <a:rPr lang="sv-SE" dirty="0" smtClean="0"/>
-                        <a:t>&lt; IE5</a:t>
-                      </a:r>
-                      <a:endParaRPr lang="sv-SE" dirty="0"/>
-                    </a:p>
-                  </a:txBody>
-                  <a:tcPr>
-                    <a:solidFill>
-                      <a:schemeClr val="accent3">
-                        <a:lumMod val="60000"/>
-                        <a:lumOff val="40000"/>
-                      </a:schemeClr>
-                    </a:solidFill>
-                  </a:tcPr>
-                </a:tc>
-                <a:tc>
-                  <a:txBody>
-                    <a:bodyPr/>
-                    <a:lstStyle/>
-                    <a:p>
-                      <a:r>
-                        <a:rPr lang="sv-SE" dirty="0" smtClean="0"/>
-                        <a:t>&lt; 2.0</a:t>
-                      </a:r>
-                      <a:endParaRPr lang="sv-SE" dirty="0"/>
-                    </a:p>
-                  </a:txBody>
-                  <a:tcPr>
-                    <a:solidFill>
-                      <a:schemeClr val="accent3">
-                        <a:lumMod val="60000"/>
-                        <a:lumOff val="40000"/>
-                      </a:schemeClr>
-                    </a:solidFill>
-                  </a:tcPr>
-                </a:tc>
-                <a:tc>
-                  <a:txBody>
-                    <a:bodyPr/>
-                    <a:lstStyle/>
-                    <a:p>
-                      <a:r>
-                        <a:rPr lang="sv-SE" dirty="0" smtClean="0"/>
-                        <a:t>8</a:t>
-                      </a:r>
-                      <a:endParaRPr lang="sv-SE" dirty="0"/>
-                    </a:p>
-                  </a:txBody>
-                  <a:tcPr>
-                    <a:solidFill>
-                      <a:schemeClr val="accent3">
-                        <a:lumMod val="60000"/>
-                        <a:lumOff val="40000"/>
-                      </a:schemeClr>
-                    </a:solidFill>
-                  </a:tcPr>
-                </a:tc>
-                <a:tc>
-                  <a:txBody>
-                    <a:bodyPr/>
-                    <a:lstStyle/>
-                    <a:p>
-                      <a:r>
-                        <a:rPr lang="sv-SE" dirty="0" smtClean="0"/>
-                        <a:t>1</a:t>
-                      </a:r>
-                      <a:endParaRPr lang="sv-SE" dirty="0"/>
-                    </a:p>
-                  </a:txBody>
-                  <a:tcPr>
-                    <a:solidFill>
-                      <a:schemeClr val="accent3">
-                        <a:lumMod val="60000"/>
-                        <a:lumOff val="40000"/>
-                      </a:schemeClr>
-                    </a:solidFill>
-                  </a:tcPr>
-                </a:tc>
-                <a:tc>
-                  <a:txBody>
-                    <a:bodyPr/>
-                    <a:lstStyle/>
-                    <a:p>
-                      <a:r>
-                        <a:rPr lang="sv-SE" dirty="0" smtClean="0"/>
-                        <a:t>7</a:t>
-                      </a:r>
-                      <a:endParaRPr lang="sv-SE" dirty="0"/>
-                    </a:p>
-                  </a:txBody>
-                  <a:tcPr>
-                    <a:solidFill>
-                      <a:schemeClr val="accent3">
-                        <a:lumMod val="60000"/>
-                        <a:lumOff val="40000"/>
-                      </a:schemeClr>
-                    </a:solidFill>
-                  </a:tcPr>
-                </a:tc>
-              </a:tr>
-            </a:tbl>
-          </a:graphicData>
-        </a:graphic>
-      </p:graphicFrame>
-    </p:spTree>
-    <p:extLst>
-      <p:ext uri="{BB962C8B-B14F-4D97-AF65-F5344CB8AC3E}">
-        <p14:creationId xmlns:p14="http://schemas.microsoft.com/office/powerpoint/2010/main" val="1626960258"/>
-      </p:ext>
-    </p:extLst>
-  </p:cSld>
-  <p:clrMapOvr>
-    <a:masterClrMapping/>
-  </p:clrMapOvr>
-  <p:timing>
-    <p:tnLst>
-      <p:par>
-        <p:cTn xmlns:p14="http://schemas.microsoft.com/office/powerpoint/2010/main" id="1" dur="indefinite" restart="never" nodeType="tmRoot"/>
-      </p:par>
-    </p:tnLst>
-  </p:timing>
-</p:sld>
-</file>
-
-<file path=ppt/slides/slide11.xml><?xml version="1.0" encoding="utf-8"?>
 <p:sld xmlns:a="http://schemas.openxmlformats.org/drawingml/2006/main" xmlns:r="http://schemas.openxmlformats.org/officeDocument/2006/relationships" xmlns:p="http://schemas.openxmlformats.org/presentationml/2006/main">
   <p:cSld>
     <p:spTree>
@@ -8882,8 +8174,17 @@
             <a:pPr algn="r"/>
             <a:r>
               <a:rPr lang="sv-SE" dirty="0"/>
-              <a:t>http://goo.gl/Tep4H</a:t>
-            </a:r>
+              <a:t>http://</a:t>
+            </a:r>
+            <a:r>
+              <a:rPr lang="sv-SE" dirty="0" err="1"/>
+              <a:t>goo.gl</a:t>
+            </a:r>
+            <a:r>
+              <a:rPr lang="sv-SE" dirty="0"/>
+              <a:t>/L1xeOj</a:t>
+            </a:r>
+            <a:endParaRPr lang="sv-SE" dirty="0"/>
           </a:p>
         </p:txBody>
       </p:sp>
@@ -8967,7 +8268,7 @@
 </p:sld>
 </file>
 
-<file path=ppt/slides/slide12.xml><?xml version="1.0" encoding="utf-8"?>
+<file path=ppt/slides/slide11.xml><?xml version="1.0" encoding="utf-8"?>
 <p:sld xmlns:a="http://schemas.openxmlformats.org/drawingml/2006/main" xmlns:r="http://schemas.openxmlformats.org/officeDocument/2006/relationships" xmlns:p="http://schemas.openxmlformats.org/presentationml/2006/main">
   <p:cSld>
     <p:spTree>
@@ -9134,7 +8435,7 @@
 </p:sld>
 </file>
 
-<file path=ppt/slides/slide13.xml><?xml version="1.0" encoding="utf-8"?>
+<file path=ppt/slides/slide12.xml><?xml version="1.0" encoding="utf-8"?>
 <p:sld xmlns:a="http://schemas.openxmlformats.org/drawingml/2006/main" xmlns:r="http://schemas.openxmlformats.org/officeDocument/2006/relationships" xmlns:p="http://schemas.openxmlformats.org/presentationml/2006/main">
   <p:cSld>
     <p:spTree>
@@ -9457,7 +8758,7 @@
 </p:sld>
 </file>
 
-<file path=ppt/slides/slide14.xml><?xml version="1.0" encoding="utf-8"?>
+<file path=ppt/slides/slide13.xml><?xml version="1.0" encoding="utf-8"?>
 <p:sld xmlns:a="http://schemas.openxmlformats.org/drawingml/2006/main" xmlns:r="http://schemas.openxmlformats.org/officeDocument/2006/relationships" xmlns:p="http://schemas.openxmlformats.org/presentationml/2006/main">
   <p:cSld>
     <p:spTree>
@@ -10862,7 +10163,7 @@
 </p:sld>
 </file>
 
-<file path=ppt/slides/slide15.xml><?xml version="1.0" encoding="utf-8"?>
+<file path=ppt/slides/slide14.xml><?xml version="1.0" encoding="utf-8"?>
 <p:sld xmlns:a="http://schemas.openxmlformats.org/drawingml/2006/main" xmlns:r="http://schemas.openxmlformats.org/officeDocument/2006/relationships" xmlns:p="http://schemas.openxmlformats.org/presentationml/2006/main">
   <p:cSld>
     <p:spTree>
@@ -10896,7 +10197,7 @@
           <a:p>
             <a:r>
               <a:rPr lang="sv-SE" sz="2800" b="1" dirty="0" smtClean="0"/>
-              <a:t>F15 – Tillgänglighet/</a:t>
+              <a:t>Tillgänglighet/</a:t>
             </a:r>
             <a:r>
               <a:rPr lang="sv-SE" sz="2800" b="1" dirty="0" err="1" smtClean="0"/>
@@ -10913,218 +10214,9 @@
           </a:p>
         </p:txBody>
       </p:sp>
-      <p:sp>
-        <p:nvSpPr>
-          <p:cNvPr id="15" name="TextBox 14"/>
-          <p:cNvSpPr txBox="1"/>
-          <p:nvPr/>
-        </p:nvSpPr>
-        <p:spPr>
-          <a:xfrm>
-            <a:off x="1403648" y="1378601"/>
-            <a:ext cx="2489784" cy="5109091"/>
-          </a:xfrm>
-          <a:prstGeom prst="rect">
-            <a:avLst/>
-          </a:prstGeom>
-          <a:noFill/>
-        </p:spPr>
-        <p:txBody>
-          <a:bodyPr wrap="none" rtlCol="0">
-            <a:spAutoFit/>
-          </a:bodyPr>
-          <a:lstStyle/>
-          <a:p>
-            <a:r>
-              <a:rPr lang="sv-SE" sz="2800" b="1" dirty="0" smtClean="0">
-                <a:latin typeface="Times New Roman" pitchFamily="18" charset="0"/>
-                <a:cs typeface="Times New Roman" pitchFamily="18" charset="0"/>
-              </a:rPr>
-              <a:t>Dagens agenda</a:t>
-            </a:r>
-          </a:p>
-          <a:p>
-            <a:endParaRPr lang="sv-SE" sz="2800" dirty="0" smtClean="0">
-              <a:latin typeface="Times New Roman" pitchFamily="18" charset="0"/>
-              <a:cs typeface="Times New Roman" pitchFamily="18" charset="0"/>
-            </a:endParaRPr>
-          </a:p>
-          <a:p>
-            <a:pPr marL="285750" indent="-285750">
-              <a:buFont typeface="Arial" charset="0"/>
-              <a:buChar char="•"/>
-            </a:pPr>
-            <a:r>
-              <a:rPr lang="sv-SE" dirty="0" smtClean="0">
-                <a:latin typeface="Times New Roman" pitchFamily="18" charset="0"/>
-                <a:cs typeface="Times New Roman" pitchFamily="18" charset="0"/>
-              </a:rPr>
-              <a:t>Varför bry sig?</a:t>
-            </a:r>
-          </a:p>
-          <a:p>
-            <a:pPr marL="285750" indent="-285750">
-              <a:buFont typeface="Arial" charset="0"/>
-              <a:buChar char="•"/>
-            </a:pPr>
-            <a:r>
-              <a:rPr lang="sv-SE" dirty="0" smtClean="0">
-                <a:latin typeface="Times New Roman" pitchFamily="18" charset="0"/>
-                <a:cs typeface="Times New Roman" pitchFamily="18" charset="0"/>
-              </a:rPr>
-              <a:t>Vad tjänar jag?</a:t>
-            </a:r>
-          </a:p>
-          <a:p>
-            <a:pPr marL="285750" indent="-285750">
-              <a:buFont typeface="Arial" charset="0"/>
-              <a:buChar char="•"/>
-            </a:pPr>
-            <a:r>
-              <a:rPr lang="sv-SE" dirty="0" smtClean="0">
-                <a:latin typeface="Times New Roman" pitchFamily="18" charset="0"/>
-                <a:cs typeface="Times New Roman" pitchFamily="18" charset="0"/>
-              </a:rPr>
-              <a:t>WAI</a:t>
-            </a:r>
-          </a:p>
-          <a:p>
-            <a:pPr marL="285750" indent="-285750">
-              <a:buFont typeface="Arial" charset="0"/>
-              <a:buChar char="•"/>
-            </a:pPr>
-            <a:r>
-              <a:rPr lang="sv-SE" dirty="0" smtClean="0">
-                <a:latin typeface="Times New Roman" pitchFamily="18" charset="0"/>
-                <a:cs typeface="Times New Roman" pitchFamily="18" charset="0"/>
-              </a:rPr>
-              <a:t>Funka Nu</a:t>
-            </a:r>
-          </a:p>
-          <a:p>
-            <a:pPr marL="285750" indent="-285750">
-              <a:buFont typeface="Arial" charset="0"/>
-              <a:buChar char="•"/>
-            </a:pPr>
-            <a:r>
-              <a:rPr lang="sv-SE" dirty="0" smtClean="0">
-                <a:latin typeface="Times New Roman" pitchFamily="18" charset="0"/>
-                <a:cs typeface="Times New Roman" pitchFamily="18" charset="0"/>
-              </a:rPr>
-              <a:t>WCAG 1, 2</a:t>
-            </a:r>
-          </a:p>
-          <a:p>
-            <a:pPr marL="285750" indent="-285750">
-              <a:buFont typeface="Arial" charset="0"/>
-              <a:buChar char="•"/>
-            </a:pPr>
-            <a:r>
-              <a:rPr lang="sv-SE" dirty="0" smtClean="0">
-                <a:latin typeface="Times New Roman" pitchFamily="18" charset="0"/>
-                <a:cs typeface="Times New Roman" pitchFamily="18" charset="0"/>
-              </a:rPr>
-              <a:t>Hjälpmedel</a:t>
-            </a:r>
-          </a:p>
-          <a:p>
-            <a:pPr marL="285750" indent="-285750">
-              <a:buFont typeface="Arial" charset="0"/>
-              <a:buChar char="•"/>
-            </a:pPr>
-            <a:r>
-              <a:rPr lang="sv-SE" dirty="0" smtClean="0">
-                <a:latin typeface="Times New Roman" pitchFamily="18" charset="0"/>
-                <a:cs typeface="Times New Roman" pitchFamily="18" charset="0"/>
-              </a:rPr>
-              <a:t>Prolog</a:t>
-            </a:r>
-          </a:p>
-          <a:p>
-            <a:pPr marL="285750" indent="-285750">
-              <a:buFont typeface="Arial" charset="0"/>
-              <a:buChar char="•"/>
-            </a:pPr>
-            <a:endParaRPr lang="sv-SE" dirty="0" smtClean="0">
-              <a:latin typeface="Times New Roman" pitchFamily="18" charset="0"/>
-              <a:cs typeface="Times New Roman" pitchFamily="18" charset="0"/>
-            </a:endParaRPr>
-          </a:p>
-          <a:p>
-            <a:pPr marL="285750" indent="-285750">
-              <a:buFont typeface="Arial" charset="0"/>
-              <a:buChar char="•"/>
-            </a:pPr>
-            <a:endParaRPr lang="sv-SE" dirty="0" smtClean="0">
-              <a:latin typeface="Times New Roman" pitchFamily="18" charset="0"/>
-              <a:cs typeface="Times New Roman" pitchFamily="18" charset="0"/>
-            </a:endParaRPr>
-          </a:p>
-          <a:p>
-            <a:pPr marL="285750" indent="-285750">
-              <a:buFont typeface="Arial" charset="0"/>
-              <a:buChar char="•"/>
-            </a:pPr>
-            <a:endParaRPr lang="sv-SE" dirty="0" smtClean="0">
-              <a:latin typeface="Times New Roman" pitchFamily="18" charset="0"/>
-              <a:cs typeface="Times New Roman" pitchFamily="18" charset="0"/>
-            </a:endParaRPr>
-          </a:p>
-          <a:p>
-            <a:pPr marL="285750" indent="-285750">
-              <a:buFont typeface="Arial" charset="0"/>
-              <a:buChar char="•"/>
-            </a:pPr>
-            <a:endParaRPr lang="sv-SE" dirty="0" smtClean="0">
-              <a:latin typeface="Times New Roman" pitchFamily="18" charset="0"/>
-              <a:cs typeface="Times New Roman" pitchFamily="18" charset="0"/>
-            </a:endParaRPr>
-          </a:p>
-          <a:p>
-            <a:pPr marL="285750" indent="-285750">
-              <a:buFont typeface="Arial" charset="0"/>
-              <a:buChar char="•"/>
-            </a:pPr>
-            <a:endParaRPr lang="sv-SE" dirty="0" smtClean="0">
-              <a:latin typeface="Times New Roman" pitchFamily="18" charset="0"/>
-              <a:cs typeface="Times New Roman" pitchFamily="18" charset="0"/>
-            </a:endParaRPr>
-          </a:p>
-          <a:p>
-            <a:pPr marL="285750" indent="-285750">
-              <a:buFont typeface="Arial" charset="0"/>
-              <a:buChar char="•"/>
-            </a:pPr>
-            <a:endParaRPr lang="sv-SE" dirty="0" smtClean="0">
-              <a:latin typeface="Times New Roman" pitchFamily="18" charset="0"/>
-              <a:cs typeface="Times New Roman" pitchFamily="18" charset="0"/>
-            </a:endParaRPr>
-          </a:p>
-          <a:p>
-            <a:pPr marL="285750" indent="-285750">
-              <a:buFont typeface="Arial" charset="0"/>
-              <a:buChar char="•"/>
-            </a:pPr>
-            <a:endParaRPr lang="sv-SE" dirty="0" smtClean="0">
-              <a:latin typeface="Times New Roman" pitchFamily="18" charset="0"/>
-              <a:cs typeface="Times New Roman" pitchFamily="18" charset="0"/>
-            </a:endParaRPr>
-          </a:p>
-          <a:p>
-            <a:pPr marL="285750" indent="-285750">
-              <a:buFont typeface="Arial" charset="0"/>
-              <a:buChar char="•"/>
-            </a:pPr>
-            <a:endParaRPr lang="sv-SE" dirty="0" smtClean="0">
-              <a:latin typeface="Times New Roman" pitchFamily="18" charset="0"/>
-              <a:cs typeface="Times New Roman" pitchFamily="18" charset="0"/>
-            </a:endParaRPr>
-          </a:p>
-        </p:txBody>
-      </p:sp>
       <p:pic>
         <p:nvPicPr>
-          <p:cNvPr id="5" name="Picture 4" descr="S:\dfm\info\icons\v-collections\v_collections_png\basic_foundation\256x256\shadow\scroll_preferences.png"/>
+          <p:cNvPr id="112642" name="Picture 2" descr="S:\dfm\info\icons\v-collections\v_collections_png\business_finance_data\256x256\shadow\hand_present.png"/>
           <p:cNvPicPr>
             <a:picLocks noChangeAspect="1" noChangeArrowheads="1"/>
           </p:cNvPicPr>
@@ -11145,49 +10237,8 @@
         </p:blipFill>
         <p:spPr bwMode="auto">
           <a:xfrm>
-            <a:off x="7236296" y="265212"/>
-            <a:ext cx="1656184" cy="1656184"/>
-          </a:xfrm>
-          <a:prstGeom prst="rect">
-            <a:avLst/>
-          </a:prstGeom>
-          <a:noFill/>
-          <a:extLst>
-            <a:ext uri="{909E8E84-426E-40dd-AFC4-6F175D3DCCD1}">
-              <a14:hiddenFill xmlns:a14="http://schemas.microsoft.com/office/drawing/2010/main">
-                <a:solidFill>
-                  <a:srgbClr val="FFFFFF"/>
-                </a:solidFill>
-              </a14:hiddenFill>
-            </a:ext>
-          </a:extLst>
-        </p:spPr>
-      </p:pic>
-      <p:pic>
-        <p:nvPicPr>
-          <p:cNvPr id="112642" name="Picture 2" descr="S:\dfm\info\icons\v-collections\v_collections_png\business_finance_data\256x256\shadow\hand_present.png"/>
-          <p:cNvPicPr>
-            <a:picLocks noChangeAspect="1" noChangeArrowheads="1"/>
-          </p:cNvPicPr>
-          <p:nvPr/>
-        </p:nvPicPr>
-        <p:blipFill>
-          <a:blip r:embed="rId3">
-            <a:extLst>
-              <a:ext uri="{28A0092B-C50C-407E-A947-70E740481C1C}">
-                <a14:useLocalDpi xmlns:a14="http://schemas.microsoft.com/office/drawing/2010/main" val="0"/>
-              </a:ext>
-            </a:extLst>
-          </a:blip>
-          <a:srcRect/>
-          <a:stretch>
-            <a:fillRect/>
-          </a:stretch>
-        </p:blipFill>
-        <p:spPr bwMode="auto">
-          <a:xfrm>
-            <a:off x="5220072" y="2353444"/>
-            <a:ext cx="2438400" cy="2438400"/>
+            <a:off x="2843808" y="1561356"/>
+            <a:ext cx="3528392" cy="3528392"/>
           </a:xfrm>
           <a:prstGeom prst="rect">
             <a:avLst/>
@@ -11224,7 +10275,7 @@
 </p:sld>
 </file>
 
-<file path=ppt/slides/slide16.xml><?xml version="1.0" encoding="utf-8"?>
+<file path=ppt/slides/slide15.xml><?xml version="1.0" encoding="utf-8"?>
 <p:sld xmlns:a="http://schemas.openxmlformats.org/drawingml/2006/main" xmlns:r="http://schemas.openxmlformats.org/officeDocument/2006/relationships" xmlns:p="http://schemas.openxmlformats.org/presentationml/2006/main">
   <p:cSld>
     <p:spTree>
@@ -11335,7 +10386,21 @@
                 <a:latin typeface="Times New Roman" pitchFamily="18" charset="0"/>
                 <a:cs typeface="Times New Roman" pitchFamily="18" charset="0"/>
               </a:rPr>
-              <a:t>	Hörselskador (~800 000)</a:t>
+              <a:t>	Hörselskador (</a:t>
+            </a:r>
+            <a:r>
+              <a:rPr lang="sv-SE" sz="1600" dirty="0" smtClean="0">
+                <a:latin typeface="Times New Roman" pitchFamily="18" charset="0"/>
+                <a:cs typeface="Times New Roman" pitchFamily="18" charset="0"/>
+              </a:rPr>
+              <a:t>~600 </a:t>
+            </a:r>
+            <a:r>
+              <a:rPr lang="sv-SE" sz="1600" dirty="0" smtClean="0">
+                <a:latin typeface="Times New Roman" pitchFamily="18" charset="0"/>
+                <a:cs typeface="Times New Roman" pitchFamily="18" charset="0"/>
+              </a:rPr>
+              <a:t>000)</a:t>
             </a:r>
             <a:r>
               <a:rPr lang="sv-SE" sz="1600" dirty="0">
@@ -11380,7 +10445,21 @@
                 <a:latin typeface="Times New Roman" pitchFamily="18" charset="0"/>
                 <a:cs typeface="Times New Roman" pitchFamily="18" charset="0"/>
               </a:rPr>
-              <a:t>) (~175 000)</a:t>
+              <a:t>) (~</a:t>
+            </a:r>
+            <a:r>
+              <a:rPr lang="sv-SE" sz="1600" dirty="0" smtClean="0">
+                <a:latin typeface="Times New Roman" pitchFamily="18" charset="0"/>
+                <a:cs typeface="Times New Roman" pitchFamily="18" charset="0"/>
+              </a:rPr>
+              <a:t>120 </a:t>
+            </a:r>
+            <a:r>
+              <a:rPr lang="sv-SE" sz="1600" dirty="0" smtClean="0">
+                <a:latin typeface="Times New Roman" pitchFamily="18" charset="0"/>
+                <a:cs typeface="Times New Roman" pitchFamily="18" charset="0"/>
+              </a:rPr>
+              <a:t>000)</a:t>
             </a:r>
             <a:r>
               <a:rPr lang="sv-SE" sz="1600" dirty="0">
@@ -11411,7 +10490,21 @@
                 <a:latin typeface="Times New Roman" pitchFamily="18" charset="0"/>
                 <a:cs typeface="Times New Roman" pitchFamily="18" charset="0"/>
               </a:rPr>
-              <a:t>	Rörelsehinder (~600 000)</a:t>
+              <a:t>	Rörelsehinder (</a:t>
+            </a:r>
+            <a:r>
+              <a:rPr lang="sv-SE" sz="1600" dirty="0" smtClean="0">
+                <a:latin typeface="Times New Roman" pitchFamily="18" charset="0"/>
+                <a:cs typeface="Times New Roman" pitchFamily="18" charset="0"/>
+              </a:rPr>
+              <a:t>~1 330 </a:t>
+            </a:r>
+            <a:r>
+              <a:rPr lang="sv-SE" sz="1600" dirty="0" smtClean="0">
+                <a:latin typeface="Times New Roman" pitchFamily="18" charset="0"/>
+                <a:cs typeface="Times New Roman" pitchFamily="18" charset="0"/>
+              </a:rPr>
+              <a:t>000)</a:t>
             </a:r>
             <a:endParaRPr lang="sv-SE" sz="1600" dirty="0">
               <a:latin typeface="Times New Roman" pitchFamily="18" charset="0"/>
@@ -11758,7 +10851,7 @@
 </p:sld>
 </file>
 
-<file path=ppt/slides/slide17.xml><?xml version="1.0" encoding="utf-8"?>
+<file path=ppt/slides/slide16.xml><?xml version="1.0" encoding="utf-8"?>
 <p:sld xmlns:a="http://schemas.openxmlformats.org/drawingml/2006/main" xmlns:r="http://schemas.openxmlformats.org/officeDocument/2006/relationships" xmlns:p="http://schemas.openxmlformats.org/presentationml/2006/main">
   <p:cSld>
     <p:spTree>
@@ -11822,8 +10915,33 @@
             <a:pPr algn="r"/>
             <a:r>
               <a:rPr lang="sv-SE" sz="1600" i="1" dirty="0"/>
-              <a:t>http://www.funkanu.se/sv/Design-for-alla/Tillganglighet/Tjana-pa-tillganglighet/</a:t>
-            </a:r>
+              <a:t>http://</a:t>
+            </a:r>
+            <a:r>
+              <a:rPr lang="sv-SE" sz="1600" i="1" dirty="0" err="1"/>
+              <a:t>www.funkanu.com</a:t>
+            </a:r>
+            <a:r>
+              <a:rPr lang="sv-SE" sz="1600" i="1" dirty="0"/>
+              <a:t>/</a:t>
+            </a:r>
+            <a:r>
+              <a:rPr lang="sv-SE" sz="1600" i="1" dirty="0" err="1"/>
+              <a:t>sv</a:t>
+            </a:r>
+            <a:r>
+              <a:rPr lang="sv-SE" sz="1600" i="1" dirty="0"/>
+              <a:t>/Design-for-alla/Information-webb-och-IT/</a:t>
+            </a:r>
+            <a:r>
+              <a:rPr lang="sv-SE" sz="1600" i="1" dirty="0" err="1"/>
+              <a:t>Tjana-pa-tillganglighet</a:t>
+            </a:r>
+            <a:r>
+              <a:rPr lang="sv-SE" sz="1600" i="1" dirty="0"/>
+              <a:t>/</a:t>
+            </a:r>
+            <a:endParaRPr lang="sv-SE" sz="1600" i="1" dirty="0"/>
           </a:p>
         </p:txBody>
       </p:sp>
@@ -12051,7 +11169,7 @@
 </p:sld>
 </file>
 
-<file path=ppt/slides/slide18.xml><?xml version="1.0" encoding="utf-8"?>
+<file path=ppt/slides/slide17.xml><?xml version="1.0" encoding="utf-8"?>
 <p:sld xmlns:a="http://schemas.openxmlformats.org/drawingml/2006/main" xmlns:r="http://schemas.openxmlformats.org/officeDocument/2006/relationships" xmlns:p="http://schemas.openxmlformats.org/presentationml/2006/main">
   <p:cSld>
     <p:spTree>
@@ -12451,7 +11569,7 @@
 </p:sld>
 </file>
 
-<file path=ppt/slides/slide19.xml><?xml version="1.0" encoding="utf-8"?>
+<file path=ppt/slides/slide18.xml><?xml version="1.0" encoding="utf-8"?>
 <p:sld xmlns:a="http://schemas.openxmlformats.org/drawingml/2006/main" xmlns:r="http://schemas.openxmlformats.org/officeDocument/2006/relationships" xmlns:p="http://schemas.openxmlformats.org/presentationml/2006/main">
   <p:cSld>
     <p:spTree>
@@ -12727,445 +11845,7 @@
 </p:sld>
 </file>
 
-<file path=ppt/slides/slide2.xml><?xml version="1.0" encoding="utf-8"?>
-<p:sld xmlns:a="http://schemas.openxmlformats.org/drawingml/2006/main" xmlns:r="http://schemas.openxmlformats.org/officeDocument/2006/relationships" xmlns:p="http://schemas.openxmlformats.org/presentationml/2006/main">
-  <p:cSld>
-    <p:spTree>
-      <p:nvGrpSpPr>
-        <p:cNvPr id="1" name=""/>
-        <p:cNvGrpSpPr/>
-        <p:nvPr/>
-      </p:nvGrpSpPr>
-      <p:grpSpPr>
-        <a:xfrm>
-          <a:off x="0" y="0"/>
-          <a:ext cx="0" cy="0"/>
-          <a:chOff x="0" y="0"/>
-          <a:chExt cx="0" cy="0"/>
-        </a:xfrm>
-      </p:grpSpPr>
-      <p:sp>
-        <p:nvSpPr>
-          <p:cNvPr id="2" name="Title 1"/>
-          <p:cNvSpPr>
-            <a:spLocks noGrp="1"/>
-          </p:cNvSpPr>
-          <p:nvPr>
-            <p:ph type="ctrTitle"/>
-          </p:nvPr>
-        </p:nvSpPr>
-        <p:spPr/>
-        <p:txBody>
-          <a:bodyPr/>
-          <a:lstStyle/>
-          <a:p>
-            <a:r>
-              <a:rPr lang="sv-SE" b="1" dirty="0" smtClean="0"/>
-              <a:t>F04 – Servrar/klienter</a:t>
-            </a:r>
-            <a:endParaRPr lang="sv-SE" b="1" dirty="0"/>
-          </a:p>
-        </p:txBody>
-      </p:sp>
-      <p:sp>
-        <p:nvSpPr>
-          <p:cNvPr id="15" name="TextBox 14"/>
-          <p:cNvSpPr txBox="1"/>
-          <p:nvPr/>
-        </p:nvSpPr>
-        <p:spPr>
-          <a:xfrm>
-            <a:off x="1403648" y="1378601"/>
-            <a:ext cx="3917226" cy="5940088"/>
-          </a:xfrm>
-          <a:prstGeom prst="rect">
-            <a:avLst/>
-          </a:prstGeom>
-          <a:noFill/>
-        </p:spPr>
-        <p:txBody>
-          <a:bodyPr wrap="none" rtlCol="0">
-            <a:spAutoFit/>
-          </a:bodyPr>
-          <a:lstStyle/>
-          <a:p>
-            <a:r>
-              <a:rPr lang="sv-SE" sz="2800" b="1" dirty="0" smtClean="0">
-                <a:latin typeface="Minya Nouvelle" pitchFamily="2" charset="0"/>
-              </a:rPr>
-              <a:t>Dagens agenda</a:t>
-            </a:r>
-          </a:p>
-          <a:p>
-            <a:endParaRPr lang="sv-SE" sz="2800" dirty="0" smtClean="0">
-              <a:latin typeface="Minya Nouvelle" pitchFamily="2" charset="0"/>
-            </a:endParaRPr>
-          </a:p>
-          <a:p>
-            <a:pPr marL="285750" indent="-285750">
-              <a:buFont typeface="Arial" charset="0"/>
-              <a:buChar char="•"/>
-            </a:pPr>
-            <a:r>
-              <a:rPr lang="sv-SE" dirty="0" smtClean="0">
-                <a:latin typeface="Minya Nouvelle" pitchFamily="2" charset="0"/>
-              </a:rPr>
-              <a:t>Från klient till server till klient</a:t>
-            </a:r>
-          </a:p>
-          <a:p>
-            <a:pPr marL="285750" indent="-285750">
-              <a:buFont typeface="Arial" charset="0"/>
-              <a:buChar char="•"/>
-            </a:pPr>
-            <a:r>
-              <a:rPr lang="sv-SE" dirty="0" smtClean="0">
-                <a:latin typeface="Minya Nouvelle" pitchFamily="2" charset="0"/>
-              </a:rPr>
-              <a:t>URL</a:t>
-            </a:r>
-            <a:br>
-              <a:rPr lang="sv-SE" dirty="0" smtClean="0">
-                <a:latin typeface="Minya Nouvelle" pitchFamily="2" charset="0"/>
-              </a:rPr>
-            </a:br>
-            <a:r>
-              <a:rPr lang="sv-SE" dirty="0" smtClean="0">
-                <a:latin typeface="Minya Nouvelle" pitchFamily="2" charset="0"/>
-              </a:rPr>
-              <a:t>- Absoluta </a:t>
-            </a:r>
-            <a:r>
-              <a:rPr lang="sv-SE" dirty="0" err="1" smtClean="0">
-                <a:latin typeface="Minya Nouvelle" pitchFamily="2" charset="0"/>
-              </a:rPr>
-              <a:t>URLr</a:t>
-            </a:r>
-            <a:r>
-              <a:rPr lang="sv-SE" dirty="0" smtClean="0">
-                <a:latin typeface="Minya Nouvelle" pitchFamily="2" charset="0"/>
-              </a:rPr>
-              <a:t/>
-            </a:r>
-            <a:br>
-              <a:rPr lang="sv-SE" dirty="0" smtClean="0">
-                <a:latin typeface="Minya Nouvelle" pitchFamily="2" charset="0"/>
-              </a:rPr>
-            </a:br>
-            <a:r>
-              <a:rPr lang="sv-SE" dirty="0" smtClean="0">
-                <a:latin typeface="Minya Nouvelle" pitchFamily="2" charset="0"/>
-              </a:rPr>
-              <a:t>- Relativa </a:t>
-            </a:r>
-            <a:r>
-              <a:rPr lang="sv-SE" dirty="0" err="1" smtClean="0">
-                <a:latin typeface="Minya Nouvelle" pitchFamily="2" charset="0"/>
-              </a:rPr>
-              <a:t>URLr</a:t>
-            </a:r>
-            <a:endParaRPr lang="sv-SE" dirty="0" smtClean="0">
-              <a:latin typeface="Minya Nouvelle" pitchFamily="2" charset="0"/>
-            </a:endParaRPr>
-          </a:p>
-          <a:p>
-            <a:pPr marL="285750" indent="-285750">
-              <a:buFont typeface="Arial" charset="0"/>
-              <a:buChar char="•"/>
-            </a:pPr>
-            <a:r>
-              <a:rPr lang="sv-SE" dirty="0" smtClean="0">
-                <a:latin typeface="Minya Nouvelle" pitchFamily="2" charset="0"/>
-              </a:rPr>
-              <a:t>Port 80</a:t>
-            </a:r>
-          </a:p>
-          <a:p>
-            <a:pPr marL="285750" indent="-285750">
-              <a:buFont typeface="Arial" charset="0"/>
-              <a:buChar char="•"/>
-            </a:pPr>
-            <a:r>
-              <a:rPr lang="sv-SE" dirty="0" smtClean="0">
-                <a:latin typeface="Minya Nouvelle" pitchFamily="2" charset="0"/>
-              </a:rPr>
-              <a:t>Webbservrar</a:t>
-            </a:r>
-          </a:p>
-          <a:p>
-            <a:pPr marL="285750" indent="-285750">
-              <a:buFont typeface="Arial" charset="0"/>
-              <a:buChar char="•"/>
-            </a:pPr>
-            <a:r>
-              <a:rPr lang="sv-SE" dirty="0" smtClean="0">
-                <a:latin typeface="Minya Nouvelle" pitchFamily="2" charset="0"/>
-              </a:rPr>
-              <a:t>Webbläsare</a:t>
-            </a:r>
-            <a:br>
-              <a:rPr lang="sv-SE" dirty="0" smtClean="0">
-                <a:latin typeface="Minya Nouvelle" pitchFamily="2" charset="0"/>
-              </a:rPr>
-            </a:br>
-            <a:r>
-              <a:rPr lang="sv-SE" dirty="0" smtClean="0">
-                <a:latin typeface="Minya Nouvelle" pitchFamily="2" charset="0"/>
-              </a:rPr>
-              <a:t>- </a:t>
-            </a:r>
-            <a:r>
-              <a:rPr lang="sv-SE" dirty="0" err="1" smtClean="0">
-                <a:latin typeface="Minya Nouvelle" pitchFamily="2" charset="0"/>
-              </a:rPr>
-              <a:t>Rendreringsmotorer</a:t>
-            </a:r>
-            <a:endParaRPr lang="sv-SE" dirty="0" smtClean="0">
-              <a:latin typeface="Minya Nouvelle" pitchFamily="2" charset="0"/>
-            </a:endParaRPr>
-          </a:p>
-          <a:p>
-            <a:pPr marL="285750" indent="-285750">
-              <a:buFont typeface="Arial" charset="0"/>
-              <a:buChar char="•"/>
-            </a:pPr>
-            <a:r>
-              <a:rPr lang="sv-SE" dirty="0" smtClean="0">
-                <a:latin typeface="Minya Nouvelle" pitchFamily="2" charset="0"/>
-              </a:rPr>
-              <a:t>Standarder på webben, W3C</a:t>
-            </a:r>
-          </a:p>
-          <a:p>
-            <a:pPr marL="285750" indent="-285750">
-              <a:buFont typeface="Arial" charset="0"/>
-              <a:buChar char="•"/>
-            </a:pPr>
-            <a:r>
-              <a:rPr lang="sv-SE" dirty="0" smtClean="0">
-                <a:latin typeface="Minya Nouvelle" pitchFamily="2" charset="0"/>
-              </a:rPr>
-              <a:t>Från SGML till HTML5</a:t>
-            </a:r>
-          </a:p>
-          <a:p>
-            <a:pPr marL="285750" indent="-285750">
-              <a:buFont typeface="Arial" charset="0"/>
-              <a:buChar char="•"/>
-            </a:pPr>
-            <a:endParaRPr lang="sv-SE" dirty="0" smtClean="0">
-              <a:latin typeface="Minya Nouvelle" pitchFamily="2" charset="0"/>
-            </a:endParaRPr>
-          </a:p>
-          <a:p>
-            <a:pPr marL="285750" indent="-285750">
-              <a:buFont typeface="Arial" charset="0"/>
-              <a:buChar char="•"/>
-            </a:pPr>
-            <a:endParaRPr lang="sv-SE" dirty="0" smtClean="0">
-              <a:latin typeface="Minya Nouvelle" pitchFamily="2" charset="0"/>
-            </a:endParaRPr>
-          </a:p>
-          <a:p>
-            <a:pPr marL="285750" indent="-285750">
-              <a:buFont typeface="Arial" charset="0"/>
-              <a:buChar char="•"/>
-            </a:pPr>
-            <a:endParaRPr lang="sv-SE" dirty="0" smtClean="0">
-              <a:latin typeface="Minya Nouvelle" pitchFamily="2" charset="0"/>
-            </a:endParaRPr>
-          </a:p>
-          <a:p>
-            <a:pPr marL="285750" indent="-285750">
-              <a:buFont typeface="Arial" charset="0"/>
-              <a:buChar char="•"/>
-            </a:pPr>
-            <a:endParaRPr lang="sv-SE" dirty="0" smtClean="0">
-              <a:latin typeface="Minya Nouvelle" pitchFamily="2" charset="0"/>
-            </a:endParaRPr>
-          </a:p>
-          <a:p>
-            <a:pPr marL="285750" indent="-285750">
-              <a:buFont typeface="Arial" charset="0"/>
-              <a:buChar char="•"/>
-            </a:pPr>
-            <a:endParaRPr lang="sv-SE" dirty="0" smtClean="0">
-              <a:latin typeface="Minya Nouvelle" pitchFamily="2" charset="0"/>
-            </a:endParaRPr>
-          </a:p>
-          <a:p>
-            <a:pPr marL="285750" indent="-285750">
-              <a:buFont typeface="Arial" charset="0"/>
-              <a:buChar char="•"/>
-            </a:pPr>
-            <a:endParaRPr lang="sv-SE" dirty="0" smtClean="0">
-              <a:latin typeface="Minya Nouvelle" pitchFamily="2" charset="0"/>
-            </a:endParaRPr>
-          </a:p>
-          <a:p>
-            <a:pPr marL="285750" indent="-285750">
-              <a:buFont typeface="Arial" charset="0"/>
-              <a:buChar char="•"/>
-            </a:pPr>
-            <a:endParaRPr lang="sv-SE" dirty="0" smtClean="0">
-              <a:latin typeface="Minya Nouvelle" pitchFamily="2" charset="0"/>
-            </a:endParaRPr>
-          </a:p>
-          <a:p>
-            <a:pPr marL="285750" indent="-285750">
-              <a:buFont typeface="Arial" charset="0"/>
-              <a:buChar char="•"/>
-            </a:pPr>
-            <a:endParaRPr lang="sv-SE" dirty="0" smtClean="0">
-              <a:latin typeface="Minya Nouvelle" pitchFamily="2" charset="0"/>
-            </a:endParaRPr>
-          </a:p>
-        </p:txBody>
-      </p:sp>
-      <p:pic>
-        <p:nvPicPr>
-          <p:cNvPr id="5" name="Picture 4" descr="S:\dfm\info\icons\v-collections\v_collections_png\basic_foundation\256x256\shadow\scroll_preferences.png"/>
-          <p:cNvPicPr>
-            <a:picLocks noChangeAspect="1" noChangeArrowheads="1"/>
-          </p:cNvPicPr>
-          <p:nvPr/>
-        </p:nvPicPr>
-        <p:blipFill>
-          <a:blip r:embed="rId2">
-            <a:extLst>
-              <a:ext uri="{28A0092B-C50C-407E-A947-70E740481C1C}">
-                <a14:useLocalDpi xmlns:a14="http://schemas.microsoft.com/office/drawing/2010/main" val="0"/>
-              </a:ext>
-            </a:extLst>
-          </a:blip>
-          <a:srcRect/>
-          <a:stretch>
-            <a:fillRect/>
-          </a:stretch>
-        </p:blipFill>
-        <p:spPr bwMode="auto">
-          <a:xfrm>
-            <a:off x="7236296" y="841276"/>
-            <a:ext cx="1656184" cy="1656184"/>
-          </a:xfrm>
-          <a:prstGeom prst="rect">
-            <a:avLst/>
-          </a:prstGeom>
-          <a:noFill/>
-          <a:extLst>
-            <a:ext uri="{909E8E84-426E-40dd-AFC4-6F175D3DCCD1}">
-              <a14:hiddenFill xmlns:a14="http://schemas.microsoft.com/office/drawing/2010/main">
-                <a:solidFill>
-                  <a:srgbClr val="FFFFFF"/>
-                </a:solidFill>
-              </a14:hiddenFill>
-            </a:ext>
-          </a:extLst>
-        </p:spPr>
-      </p:pic>
-      <p:pic>
-        <p:nvPicPr>
-          <p:cNvPr id="32770" name="Picture 2" descr="S:\dfm\info\icons\v-collections\v_collections_png\computer_network_security\256x256\shadow\server_network.png"/>
-          <p:cNvPicPr>
-            <a:picLocks noChangeAspect="1" noChangeArrowheads="1"/>
-          </p:cNvPicPr>
-          <p:nvPr/>
-        </p:nvPicPr>
-        <p:blipFill>
-          <a:blip r:embed="rId3">
-            <a:extLst>
-              <a:ext uri="{28A0092B-C50C-407E-A947-70E740481C1C}">
-                <a14:useLocalDpi xmlns:a14="http://schemas.microsoft.com/office/drawing/2010/main" val="0"/>
-              </a:ext>
-            </a:extLst>
-          </a:blip>
-          <a:srcRect/>
-          <a:stretch>
-            <a:fillRect/>
-          </a:stretch>
-        </p:blipFill>
-        <p:spPr bwMode="auto">
-          <a:xfrm>
-            <a:off x="5076056" y="1993404"/>
-            <a:ext cx="2438400" cy="2438400"/>
-          </a:xfrm>
-          <a:prstGeom prst="rect">
-            <a:avLst/>
-          </a:prstGeom>
-          <a:noFill/>
-          <a:extLst>
-            <a:ext uri="{909E8E84-426E-40dd-AFC4-6F175D3DCCD1}">
-              <a14:hiddenFill xmlns:a14="http://schemas.microsoft.com/office/drawing/2010/main">
-                <a:solidFill>
-                  <a:srgbClr val="FFFFFF"/>
-                </a:solidFill>
-              </a14:hiddenFill>
-            </a:ext>
-          </a:extLst>
-        </p:spPr>
-      </p:pic>
-      <p:pic>
-        <p:nvPicPr>
-          <p:cNvPr id="32772" name="Picture 4" descr="S:\dfm\info\icons\v-collections\v_collections_png\computer_network_security\128x128\shadow\workplace2.png"/>
-          <p:cNvPicPr>
-            <a:picLocks noChangeAspect="1" noChangeArrowheads="1"/>
-          </p:cNvPicPr>
-          <p:nvPr/>
-        </p:nvPicPr>
-        <p:blipFill>
-          <a:blip r:embed="rId4">
-            <a:extLst>
-              <a:ext uri="{28A0092B-C50C-407E-A947-70E740481C1C}">
-                <a14:useLocalDpi xmlns:a14="http://schemas.microsoft.com/office/drawing/2010/main" val="0"/>
-              </a:ext>
-            </a:extLst>
-          </a:blip>
-          <a:srcRect/>
-          <a:stretch>
-            <a:fillRect/>
-          </a:stretch>
-        </p:blipFill>
-        <p:spPr bwMode="auto">
-          <a:xfrm>
-            <a:off x="6444208" y="3649588"/>
-            <a:ext cx="1219200" cy="1219201"/>
-          </a:xfrm>
-          <a:prstGeom prst="rect">
-            <a:avLst/>
-          </a:prstGeom>
-          <a:noFill/>
-          <a:extLst>
-            <a:ext uri="{909E8E84-426E-40dd-AFC4-6F175D3DCCD1}">
-              <a14:hiddenFill xmlns:a14="http://schemas.microsoft.com/office/drawing/2010/main">
-                <a:solidFill>
-                  <a:srgbClr val="FFFFFF"/>
-                </a:solidFill>
-              </a14:hiddenFill>
-            </a:ext>
-          </a:extLst>
-        </p:spPr>
-      </p:pic>
-    </p:spTree>
-    <p:extLst>
-      <p:ext uri="{BB962C8B-B14F-4D97-AF65-F5344CB8AC3E}">
-        <p14:creationId xmlns:p14="http://schemas.microsoft.com/office/powerpoint/2010/main" val="3597437468"/>
-      </p:ext>
-    </p:extLst>
-  </p:cSld>
-  <p:clrMapOvr>
-    <a:masterClrMapping/>
-  </p:clrMapOvr>
-  <p:timing>
-    <p:tnLst>
-      <p:par>
-        <p:cTn xmlns:p14="http://schemas.microsoft.com/office/powerpoint/2010/main" id="1" dur="indefinite" restart="never" nodeType="tmRoot"/>
-      </p:par>
-    </p:tnLst>
-  </p:timing>
-</p:sld>
-</file>
-
-<file path=ppt/slides/slide20.xml><?xml version="1.0" encoding="utf-8"?>
+<file path=ppt/slides/slide19.xml><?xml version="1.0" encoding="utf-8"?>
 <p:sld xmlns:a="http://schemas.openxmlformats.org/drawingml/2006/main" xmlns:r="http://schemas.openxmlformats.org/officeDocument/2006/relationships" xmlns:p="http://schemas.openxmlformats.org/presentationml/2006/main">
   <p:cSld>
     <p:spTree>
@@ -13358,7 +12038,418 @@
 </p:sld>
 </file>
 
-<file path=ppt/slides/slide21.xml><?xml version="1.0" encoding="utf-8"?>
+<file path=ppt/slides/slide2.xml><?xml version="1.0" encoding="utf-8"?>
+<p:sld xmlns:a="http://schemas.openxmlformats.org/drawingml/2006/main" xmlns:r="http://schemas.openxmlformats.org/officeDocument/2006/relationships" xmlns:p="http://schemas.openxmlformats.org/presentationml/2006/main">
+  <p:cSld>
+    <p:spTree>
+      <p:nvGrpSpPr>
+        <p:cNvPr id="1" name=""/>
+        <p:cNvGrpSpPr/>
+        <p:nvPr/>
+      </p:nvGrpSpPr>
+      <p:grpSpPr>
+        <a:xfrm>
+          <a:off x="0" y="0"/>
+          <a:ext cx="0" cy="0"/>
+          <a:chOff x="0" y="0"/>
+          <a:chExt cx="0" cy="0"/>
+        </a:xfrm>
+      </p:grpSpPr>
+      <p:sp>
+        <p:nvSpPr>
+          <p:cNvPr id="2" name="Title 1"/>
+          <p:cNvSpPr>
+            <a:spLocks noGrp="1"/>
+          </p:cNvSpPr>
+          <p:nvPr>
+            <p:ph type="ctrTitle"/>
+          </p:nvPr>
+        </p:nvSpPr>
+        <p:spPr/>
+        <p:txBody>
+          <a:bodyPr/>
+          <a:lstStyle/>
+          <a:p>
+            <a:r>
+              <a:rPr lang="sv-SE" b="1" dirty="0" smtClean="0"/>
+              <a:t>F04 </a:t>
+            </a:r>
+            <a:r>
+              <a:rPr lang="sv-SE" b="1" dirty="0" smtClean="0"/>
+              <a:t>–Webbteknik</a:t>
+            </a:r>
+            <a:endParaRPr lang="sv-SE" b="1" dirty="0"/>
+          </a:p>
+        </p:txBody>
+      </p:sp>
+      <p:sp>
+        <p:nvSpPr>
+          <p:cNvPr id="15" name="TextBox 14"/>
+          <p:cNvSpPr txBox="1"/>
+          <p:nvPr/>
+        </p:nvSpPr>
+        <p:spPr>
+          <a:xfrm>
+            <a:off x="1403648" y="1378601"/>
+            <a:ext cx="3441968" cy="5386091"/>
+          </a:xfrm>
+          <a:prstGeom prst="rect">
+            <a:avLst/>
+          </a:prstGeom>
+          <a:noFill/>
+        </p:spPr>
+        <p:txBody>
+          <a:bodyPr wrap="none" rtlCol="0">
+            <a:spAutoFit/>
+          </a:bodyPr>
+          <a:lstStyle/>
+          <a:p>
+            <a:r>
+              <a:rPr lang="sv-SE" sz="2800" b="1" dirty="0" smtClean="0">
+                <a:latin typeface="Minya Nouvelle" pitchFamily="2" charset="0"/>
+              </a:rPr>
+              <a:t>Dagens agenda</a:t>
+            </a:r>
+          </a:p>
+          <a:p>
+            <a:endParaRPr lang="sv-SE" sz="2800" dirty="0" smtClean="0">
+              <a:latin typeface="Minya Nouvelle" pitchFamily="2" charset="0"/>
+            </a:endParaRPr>
+          </a:p>
+          <a:p>
+            <a:pPr marL="285750" indent="-285750">
+              <a:buFont typeface="Arial" charset="0"/>
+              <a:buChar char="•"/>
+            </a:pPr>
+            <a:r>
+              <a:rPr lang="sv-SE" dirty="0" smtClean="0">
+                <a:latin typeface="Minya Nouvelle" pitchFamily="2" charset="0"/>
+              </a:rPr>
+              <a:t>Från klient till server till klient</a:t>
+            </a:r>
+          </a:p>
+          <a:p>
+            <a:pPr marL="285750" indent="-285750">
+              <a:buFont typeface="Arial" charset="0"/>
+              <a:buChar char="•"/>
+            </a:pPr>
+            <a:r>
+              <a:rPr lang="sv-SE" dirty="0" smtClean="0">
+                <a:latin typeface="Minya Nouvelle" pitchFamily="2" charset="0"/>
+              </a:rPr>
+              <a:t>Port </a:t>
+            </a:r>
+            <a:r>
+              <a:rPr lang="sv-SE" dirty="0" smtClean="0">
+                <a:latin typeface="Minya Nouvelle" pitchFamily="2" charset="0"/>
+              </a:rPr>
+              <a:t>80</a:t>
+            </a:r>
+          </a:p>
+          <a:p>
+            <a:pPr marL="285750" indent="-285750">
+              <a:buFont typeface="Arial" charset="0"/>
+              <a:buChar char="•"/>
+            </a:pPr>
+            <a:r>
+              <a:rPr lang="sv-SE" dirty="0" smtClean="0">
+                <a:latin typeface="Minya Nouvelle" pitchFamily="2" charset="0"/>
+              </a:rPr>
+              <a:t>Webbservrar</a:t>
+            </a:r>
+          </a:p>
+          <a:p>
+            <a:pPr marL="285750" indent="-285750">
+              <a:buFont typeface="Arial" charset="0"/>
+              <a:buChar char="•"/>
+            </a:pPr>
+            <a:r>
+              <a:rPr lang="sv-SE" dirty="0" smtClean="0">
+                <a:latin typeface="Minya Nouvelle" pitchFamily="2" charset="0"/>
+              </a:rPr>
+              <a:t>Webbläsare</a:t>
+            </a:r>
+            <a:br>
+              <a:rPr lang="sv-SE" dirty="0" smtClean="0">
+                <a:latin typeface="Minya Nouvelle" pitchFamily="2" charset="0"/>
+              </a:rPr>
+            </a:br>
+            <a:r>
+              <a:rPr lang="sv-SE" dirty="0" smtClean="0">
+                <a:latin typeface="Minya Nouvelle" pitchFamily="2" charset="0"/>
+              </a:rPr>
+              <a:t>- </a:t>
+            </a:r>
+            <a:r>
+              <a:rPr lang="sv-SE" dirty="0" err="1" smtClean="0">
+                <a:latin typeface="Minya Nouvelle" pitchFamily="2" charset="0"/>
+              </a:rPr>
+              <a:t>Rendreringsmotorer</a:t>
+            </a:r>
+            <a:endParaRPr lang="sv-SE" dirty="0" smtClean="0">
+              <a:latin typeface="Minya Nouvelle" pitchFamily="2" charset="0"/>
+            </a:endParaRPr>
+          </a:p>
+          <a:p>
+            <a:pPr marL="285750" indent="-285750">
+              <a:buFont typeface="Arial" charset="0"/>
+              <a:buChar char="•"/>
+            </a:pPr>
+            <a:r>
+              <a:rPr lang="sv-SE" dirty="0" smtClean="0">
+                <a:latin typeface="Minya Nouvelle" pitchFamily="2" charset="0"/>
+              </a:rPr>
+              <a:t>Standarder på webben, W3C</a:t>
+            </a:r>
+          </a:p>
+          <a:p>
+            <a:pPr marL="285750" indent="-285750">
+              <a:buFont typeface="Arial" charset="0"/>
+              <a:buChar char="•"/>
+            </a:pPr>
+            <a:r>
+              <a:rPr lang="sv-SE" dirty="0" smtClean="0">
+                <a:latin typeface="Minya Nouvelle" pitchFamily="2" charset="0"/>
+              </a:rPr>
+              <a:t>Från SGML till </a:t>
+            </a:r>
+            <a:r>
+              <a:rPr lang="sv-SE" dirty="0" smtClean="0">
+                <a:latin typeface="Minya Nouvelle" pitchFamily="2" charset="0"/>
+              </a:rPr>
+              <a:t>HTML5</a:t>
+            </a:r>
+          </a:p>
+          <a:p>
+            <a:pPr marL="285750" indent="-285750">
+              <a:buFont typeface="Arial" charset="0"/>
+              <a:buChar char="•"/>
+            </a:pPr>
+            <a:r>
+              <a:rPr lang="sv-SE" dirty="0" smtClean="0">
+                <a:latin typeface="Minya Nouvelle" pitchFamily="2" charset="0"/>
+              </a:rPr>
+              <a:t>Tillgänglighet</a:t>
+            </a:r>
+          </a:p>
+          <a:p>
+            <a:pPr marL="285750" indent="-285750">
+              <a:buFont typeface="Arial" charset="0"/>
+              <a:buChar char="•"/>
+            </a:pPr>
+            <a:endParaRPr lang="sv-SE" dirty="0" smtClean="0">
+              <a:latin typeface="Minya Nouvelle" pitchFamily="2" charset="0"/>
+            </a:endParaRPr>
+          </a:p>
+          <a:p>
+            <a:pPr marL="285750" indent="-285750">
+              <a:buFont typeface="Arial" charset="0"/>
+              <a:buChar char="•"/>
+            </a:pPr>
+            <a:endParaRPr lang="sv-SE" dirty="0" smtClean="0">
+              <a:latin typeface="Minya Nouvelle" pitchFamily="2" charset="0"/>
+            </a:endParaRPr>
+          </a:p>
+          <a:p>
+            <a:pPr marL="285750" indent="-285750">
+              <a:buFont typeface="Arial" charset="0"/>
+              <a:buChar char="•"/>
+            </a:pPr>
+            <a:endParaRPr lang="sv-SE" dirty="0" smtClean="0">
+              <a:latin typeface="Minya Nouvelle" pitchFamily="2" charset="0"/>
+            </a:endParaRPr>
+          </a:p>
+          <a:p>
+            <a:pPr marL="285750" indent="-285750">
+              <a:buFont typeface="Arial" charset="0"/>
+              <a:buChar char="•"/>
+            </a:pPr>
+            <a:endParaRPr lang="sv-SE" dirty="0" smtClean="0">
+              <a:latin typeface="Minya Nouvelle" pitchFamily="2" charset="0"/>
+            </a:endParaRPr>
+          </a:p>
+          <a:p>
+            <a:pPr marL="285750" indent="-285750">
+              <a:buFont typeface="Arial" charset="0"/>
+              <a:buChar char="•"/>
+            </a:pPr>
+            <a:endParaRPr lang="sv-SE" dirty="0" smtClean="0">
+              <a:latin typeface="Minya Nouvelle" pitchFamily="2" charset="0"/>
+            </a:endParaRPr>
+          </a:p>
+          <a:p>
+            <a:pPr marL="285750" indent="-285750">
+              <a:buFont typeface="Arial" charset="0"/>
+              <a:buChar char="•"/>
+            </a:pPr>
+            <a:endParaRPr lang="sv-SE" dirty="0" smtClean="0">
+              <a:latin typeface="Minya Nouvelle" pitchFamily="2" charset="0"/>
+            </a:endParaRPr>
+          </a:p>
+          <a:p>
+            <a:pPr marL="285750" indent="-285750">
+              <a:buFont typeface="Arial" charset="0"/>
+              <a:buChar char="•"/>
+            </a:pPr>
+            <a:endParaRPr lang="sv-SE" dirty="0" smtClean="0">
+              <a:latin typeface="Minya Nouvelle" pitchFamily="2" charset="0"/>
+            </a:endParaRPr>
+          </a:p>
+          <a:p>
+            <a:pPr marL="285750" indent="-285750">
+              <a:buFont typeface="Arial" charset="0"/>
+              <a:buChar char="•"/>
+            </a:pPr>
+            <a:endParaRPr lang="sv-SE" dirty="0" smtClean="0">
+              <a:latin typeface="Minya Nouvelle" pitchFamily="2" charset="0"/>
+            </a:endParaRPr>
+          </a:p>
+        </p:txBody>
+      </p:sp>
+      <p:pic>
+        <p:nvPicPr>
+          <p:cNvPr id="5" name="Picture 4" descr="S:\dfm\info\icons\v-collections\v_collections_png\basic_foundation\256x256\shadow\scroll_preferences.png"/>
+          <p:cNvPicPr>
+            <a:picLocks noChangeAspect="1" noChangeArrowheads="1"/>
+          </p:cNvPicPr>
+          <p:nvPr/>
+        </p:nvPicPr>
+        <p:blipFill>
+          <a:blip r:embed="rId2">
+            <a:extLst>
+              <a:ext uri="{28A0092B-C50C-407E-A947-70E740481C1C}">
+                <a14:useLocalDpi xmlns:a14="http://schemas.microsoft.com/office/drawing/2010/main" val="0"/>
+              </a:ext>
+            </a:extLst>
+          </a:blip>
+          <a:srcRect/>
+          <a:stretch>
+            <a:fillRect/>
+          </a:stretch>
+        </p:blipFill>
+        <p:spPr bwMode="auto">
+          <a:xfrm>
+            <a:off x="7236296" y="841276"/>
+            <a:ext cx="1656184" cy="1656184"/>
+          </a:xfrm>
+          <a:prstGeom prst="rect">
+            <a:avLst/>
+          </a:prstGeom>
+          <a:noFill/>
+          <a:extLst>
+            <a:ext uri="{909E8E84-426E-40dd-AFC4-6F175D3DCCD1}">
+              <a14:hiddenFill xmlns:a14="http://schemas.microsoft.com/office/drawing/2010/main">
+                <a:solidFill>
+                  <a:srgbClr val="FFFFFF"/>
+                </a:solidFill>
+              </a14:hiddenFill>
+            </a:ext>
+          </a:extLst>
+        </p:spPr>
+      </p:pic>
+      <p:pic>
+        <p:nvPicPr>
+          <p:cNvPr id="32770" name="Picture 2" descr="S:\dfm\info\icons\v-collections\v_collections_png\computer_network_security\256x256\shadow\server_network.png"/>
+          <p:cNvPicPr>
+            <a:picLocks noChangeAspect="1" noChangeArrowheads="1"/>
+          </p:cNvPicPr>
+          <p:nvPr/>
+        </p:nvPicPr>
+        <p:blipFill>
+          <a:blip r:embed="rId3">
+            <a:extLst>
+              <a:ext uri="{28A0092B-C50C-407E-A947-70E740481C1C}">
+                <a14:useLocalDpi xmlns:a14="http://schemas.microsoft.com/office/drawing/2010/main" val="0"/>
+              </a:ext>
+            </a:extLst>
+          </a:blip>
+          <a:srcRect/>
+          <a:stretch>
+            <a:fillRect/>
+          </a:stretch>
+        </p:blipFill>
+        <p:spPr bwMode="auto">
+          <a:xfrm>
+            <a:off x="5076056" y="1993404"/>
+            <a:ext cx="2438400" cy="2438400"/>
+          </a:xfrm>
+          <a:prstGeom prst="rect">
+            <a:avLst/>
+          </a:prstGeom>
+          <a:noFill/>
+          <a:extLst>
+            <a:ext uri="{909E8E84-426E-40dd-AFC4-6F175D3DCCD1}">
+              <a14:hiddenFill xmlns:a14="http://schemas.microsoft.com/office/drawing/2010/main">
+                <a:solidFill>
+                  <a:srgbClr val="FFFFFF"/>
+                </a:solidFill>
+              </a14:hiddenFill>
+            </a:ext>
+          </a:extLst>
+        </p:spPr>
+      </p:pic>
+      <p:pic>
+        <p:nvPicPr>
+          <p:cNvPr id="8" name="Picture 2" descr="S:\dfm\info\icons\v-collections\v_collections_png\business_finance_data\256x256\shadow\hand_present.png"/>
+          <p:cNvPicPr>
+            <a:picLocks noChangeAspect="1" noChangeArrowheads="1"/>
+          </p:cNvPicPr>
+          <p:nvPr/>
+        </p:nvPicPr>
+        <p:blipFill>
+          <a:blip r:embed="rId4">
+            <a:extLst>
+              <a:ext uri="{28A0092B-C50C-407E-A947-70E740481C1C}">
+                <a14:useLocalDpi xmlns:a14="http://schemas.microsoft.com/office/drawing/2010/main" val="0"/>
+              </a:ext>
+            </a:extLst>
+          </a:blip>
+          <a:srcRect/>
+          <a:stretch>
+            <a:fillRect/>
+          </a:stretch>
+        </p:blipFill>
+        <p:spPr bwMode="auto">
+          <a:xfrm>
+            <a:off x="6300192" y="3001516"/>
+            <a:ext cx="2438400" cy="2438400"/>
+          </a:xfrm>
+          <a:prstGeom prst="rect">
+            <a:avLst/>
+          </a:prstGeom>
+          <a:noFill/>
+          <a:extLst>
+            <a:ext uri="{909E8E84-426E-40dd-AFC4-6F175D3DCCD1}">
+              <a14:hiddenFill xmlns:a14="http://schemas.microsoft.com/office/drawing/2010/main">
+                <a:solidFill>
+                  <a:srgbClr val="FFFFFF"/>
+                </a:solidFill>
+              </a14:hiddenFill>
+            </a:ext>
+          </a:extLst>
+        </p:spPr>
+      </p:pic>
+    </p:spTree>
+    <p:extLst>
+      <p:ext uri="{BB962C8B-B14F-4D97-AF65-F5344CB8AC3E}">
+        <p14:creationId xmlns:p14="http://schemas.microsoft.com/office/powerpoint/2010/main" val="3597437468"/>
+      </p:ext>
+    </p:extLst>
+  </p:cSld>
+  <p:clrMapOvr>
+    <a:masterClrMapping/>
+  </p:clrMapOvr>
+  <p:timing>
+    <p:tnLst>
+      <p:par>
+        <p:cTn xmlns:p14="http://schemas.microsoft.com/office/powerpoint/2010/main" id="1" dur="indefinite" restart="never" nodeType="tmRoot"/>
+      </p:par>
+    </p:tnLst>
+  </p:timing>
+</p:sld>
+</file>
+
+<file path=ppt/slides/slide20.xml><?xml version="1.0" encoding="utf-8"?>
 <p:sld xmlns:a="http://schemas.openxmlformats.org/drawingml/2006/main" xmlns:r="http://schemas.openxmlformats.org/officeDocument/2006/relationships" xmlns:p="http://schemas.openxmlformats.org/presentationml/2006/main">
   <p:cSld>
     <p:spTree>
@@ -13587,7 +12678,7 @@
 </p:sld>
 </file>
 
-<file path=ppt/slides/slide22.xml><?xml version="1.0" encoding="utf-8"?>
+<file path=ppt/slides/slide21.xml><?xml version="1.0" encoding="utf-8"?>
 <p:sld xmlns:a="http://schemas.openxmlformats.org/drawingml/2006/main" xmlns:r="http://schemas.openxmlformats.org/officeDocument/2006/relationships" xmlns:p="http://schemas.openxmlformats.org/presentationml/2006/main">
   <p:cSld>
     <p:spTree>
@@ -13868,7 +12959,7 @@
         </p:nvSpPr>
         <p:spPr>
           <a:xfrm>
-            <a:off x="4946440" y="625251"/>
+            <a:off x="6084168" y="625252"/>
             <a:ext cx="1188132" cy="461665"/>
           </a:xfrm>
           <a:prstGeom prst="rect">
@@ -13911,7 +13002,7 @@
 </p:sld>
 </file>
 
-<file path=ppt/slides/slide23.xml><?xml version="1.0" encoding="utf-8"?>
+<file path=ppt/slides/slide22.xml><?xml version="1.0" encoding="utf-8"?>
 <p:sld xmlns:a="http://schemas.openxmlformats.org/drawingml/2006/main" xmlns:r="http://schemas.openxmlformats.org/officeDocument/2006/relationships" xmlns:p="http://schemas.openxmlformats.org/presentationml/2006/main">
   <p:cSld>
     <p:spTree>
@@ -13944,18 +13035,54 @@
           <a:lstStyle/>
           <a:p>
             <a:r>
-              <a:rPr lang="sv-SE" b="1" dirty="0" smtClean="0"/>
-              <a:t>24-timmarswebben</a:t>
-            </a:r>
-            <a:endParaRPr lang="sv-SE" b="1" dirty="0"/>
+              <a:rPr lang="sv-SE" sz="4000" b="1" dirty="0" smtClean="0"/>
+              <a:t>Vägledning för Webbutveckling</a:t>
+            </a:r>
+            <a:endParaRPr lang="sv-SE" sz="4000" b="1" dirty="0"/>
+          </a:p>
+        </p:txBody>
+      </p:sp>
+      <p:sp>
+        <p:nvSpPr>
+          <p:cNvPr id="4" name="Rectangle 3"/>
+          <p:cNvSpPr/>
+          <p:nvPr/>
+        </p:nvSpPr>
+        <p:spPr>
+          <a:xfrm>
+            <a:off x="4716016" y="2065412"/>
+            <a:ext cx="3035469" cy="369332"/>
+          </a:xfrm>
+          <a:prstGeom prst="rect">
+            <a:avLst/>
+          </a:prstGeom>
+        </p:spPr>
+        <p:txBody>
+          <a:bodyPr wrap="none">
+            <a:spAutoFit/>
+          </a:bodyPr>
+          <a:lstStyle/>
+          <a:p>
+            <a:r>
+              <a:rPr lang="en-US" dirty="0"/>
+              <a:t>http://</a:t>
+            </a:r>
+            <a:r>
+              <a:rPr lang="en-US" dirty="0" err="1"/>
+              <a:t>www.webbriktlinjer.se</a:t>
+            </a:r>
+            <a:r>
+              <a:rPr lang="en-US" dirty="0"/>
+              <a:t>/</a:t>
+            </a:r>
           </a:p>
         </p:txBody>
       </p:sp>
       <p:pic>
         <p:nvPicPr>
-          <p:cNvPr id="180226" name="Picture 2"/>
+          <p:cNvPr id="6" name="Picture 5" descr="Skärmavbild 2013-09-24 kl. 14.46.42.png"/>
           <p:cNvPicPr>
-            <a:picLocks noChangeAspect="1" noChangeArrowheads="1"/>
+            <a:picLocks noChangeAspect="1"/>
           </p:cNvPicPr>
           <p:nvPr/>
         </p:nvPicPr>
@@ -13967,131 +13094,30 @@
               </a:ext>
             </a:extLst>
           </a:blip>
-          <a:srcRect/>
           <a:stretch>
             <a:fillRect/>
           </a:stretch>
         </p:blipFill>
-        <p:spPr bwMode="auto">
-          <a:xfrm>
-            <a:off x="395536" y="1180097"/>
-            <a:ext cx="2744647" cy="4015805"/>
-          </a:xfrm>
-          <a:prstGeom prst="rect">
-            <a:avLst/>
-          </a:prstGeom>
-          <a:noFill/>
-          <a:ln>
-            <a:noFill/>
-          </a:ln>
-          <a:effectLst/>
-          <a:extLst>
-            <a:ext uri="{909E8E84-426E-40dd-AFC4-6F175D3DCCD1}">
-              <a14:hiddenFill xmlns:a14="http://schemas.microsoft.com/office/drawing/2010/main">
-                <a:solidFill>
-                  <a:schemeClr val="accent1"/>
-                </a:solidFill>
-              </a14:hiddenFill>
-            </a:ext>
-            <a:ext uri="{91240B29-F687-4f45-9708-019B960494DF}">
-              <a14:hiddenLine xmlns:a14="http://schemas.microsoft.com/office/drawing/2010/main" w="9525">
-                <a:solidFill>
-                  <a:schemeClr val="tx1"/>
-                </a:solidFill>
-                <a:miter lim="800000"/>
-                <a:headEnd/>
-                <a:tailEnd/>
-              </a14:hiddenLine>
-            </a:ext>
-            <a:ext uri="{AF507438-7753-43e0-B8FC-AC1667EBCBE1}">
-              <a14:hiddenEffects xmlns:a14="http://schemas.microsoft.com/office/drawing/2010/main">
-                <a:effectLst>
-                  <a:outerShdw dist="35921" dir="2700000" algn="ctr" rotWithShape="0">
-                    <a:schemeClr val="bg2"/>
-                  </a:outerShdw>
-                </a:effectLst>
-              </a14:hiddenEffects>
-            </a:ext>
-          </a:extLst>
-        </p:spPr>
-      </p:pic>
-      <p:sp>
-        <p:nvSpPr>
-          <p:cNvPr id="5" name="Rectangle 4"/>
-          <p:cNvSpPr/>
-          <p:nvPr/>
-        </p:nvSpPr>
         <p:spPr>
           <a:xfrm>
-            <a:off x="3347864" y="3718574"/>
-            <a:ext cx="5544616" cy="1477328"/>
+            <a:off x="395536" y="1345332"/>
+            <a:ext cx="3915304" cy="3890795"/>
           </a:xfrm>
           <a:prstGeom prst="rect">
             <a:avLst/>
           </a:prstGeom>
         </p:spPr>
-        <p:txBody>
-          <a:bodyPr wrap="square">
-            <a:spAutoFit/>
-          </a:bodyPr>
-          <a:lstStyle/>
-          <a:p>
-            <a:r>
-              <a:rPr lang="sv-SE" i="1" dirty="0">
-                <a:latin typeface="Times New Roman" pitchFamily="18" charset="0"/>
-                <a:cs typeface="Times New Roman" pitchFamily="18" charset="0"/>
-              </a:rPr>
-              <a:t>http://</a:t>
-            </a:r>
-            <a:r>
-              <a:rPr lang="sv-SE" i="1" dirty="0" smtClean="0">
-                <a:latin typeface="Times New Roman" pitchFamily="18" charset="0"/>
-                <a:cs typeface="Times New Roman" pitchFamily="18" charset="0"/>
-              </a:rPr>
-              <a:t>www.funkanu.se/Global/Filer/design_for_alla/regler_och_riktlinjer/vagledningen-24-timmarswebben-2006-05.pdf</a:t>
-            </a:r>
-          </a:p>
-          <a:p>
-            <a:endParaRPr lang="sv-SE" i="1" dirty="0">
-              <a:latin typeface="Times New Roman" pitchFamily="18" charset="0"/>
-              <a:cs typeface="Times New Roman" pitchFamily="18" charset="0"/>
-            </a:endParaRPr>
-          </a:p>
-          <a:p>
-            <a:r>
-              <a:rPr lang="sv-SE" b="1" i="1" dirty="0" smtClean="0">
-                <a:latin typeface="Times New Roman" pitchFamily="18" charset="0"/>
-                <a:cs typeface="Times New Roman" pitchFamily="18" charset="0"/>
-              </a:rPr>
-              <a:t>Alt: </a:t>
-            </a:r>
-            <a:r>
-              <a:rPr lang="sv-SE" i="1" dirty="0" smtClean="0">
-                <a:latin typeface="Times New Roman" pitchFamily="18" charset="0"/>
-                <a:cs typeface="Times New Roman" pitchFamily="18" charset="0"/>
-              </a:rPr>
-              <a:t>http</a:t>
-            </a:r>
-            <a:r>
-              <a:rPr lang="sv-SE" i="1" dirty="0">
-                <a:latin typeface="Times New Roman" pitchFamily="18" charset="0"/>
-                <a:cs typeface="Times New Roman" pitchFamily="18" charset="0"/>
-              </a:rPr>
-              <a:t>://goo.gl/QIgav</a:t>
-            </a:r>
-          </a:p>
-        </p:txBody>
-      </p:sp>
+      </p:pic>
       <p:sp>
         <p:nvSpPr>
-          <p:cNvPr id="3" name="TextBox 2"/>
+          <p:cNvPr id="7" name="TextBox 6"/>
           <p:cNvSpPr txBox="1"/>
           <p:nvPr/>
         </p:nvSpPr>
         <p:spPr>
           <a:xfrm>
-            <a:off x="3563888" y="1633364"/>
-            <a:ext cx="4616970" cy="1200329"/>
+            <a:off x="4788024" y="1561356"/>
+            <a:ext cx="3123046" cy="369332"/>
           </a:xfrm>
           <a:prstGeom prst="rect">
             <a:avLst/>
@@ -14104,85 +13130,39 @@
           </a:bodyPr>
           <a:lstStyle/>
           <a:p>
-            <a:pPr marL="457200" indent="-457200">
-              <a:buFont typeface="Arial" charset="0"/>
-              <a:buChar char="•"/>
-            </a:pPr>
-            <a:r>
-              <a:rPr lang="sv-SE" sz="2400" dirty="0" smtClean="0">
-                <a:latin typeface="Times New Roman" pitchFamily="18" charset="0"/>
-                <a:cs typeface="Times New Roman" pitchFamily="18" charset="0"/>
-              </a:rPr>
-              <a:t>Vägledning </a:t>
-            </a:r>
-            <a:r>
-              <a:rPr lang="sv-SE" sz="2400" dirty="0">
-                <a:latin typeface="Times New Roman" pitchFamily="18" charset="0"/>
-                <a:cs typeface="Times New Roman" pitchFamily="18" charset="0"/>
-              </a:rPr>
-              <a:t>för </a:t>
-            </a:r>
-            <a:r>
-              <a:rPr lang="sv-SE" sz="2400" dirty="0" smtClean="0">
-                <a:latin typeface="Times New Roman" pitchFamily="18" charset="0"/>
-                <a:cs typeface="Times New Roman" pitchFamily="18" charset="0"/>
-              </a:rPr>
-              <a:t>webbutvecklare.</a:t>
-            </a:r>
-          </a:p>
-          <a:p>
-            <a:pPr marL="457200" indent="-457200">
-              <a:buFont typeface="Arial" charset="0"/>
-              <a:buChar char="•"/>
-            </a:pPr>
-            <a:r>
-              <a:rPr lang="sv-SE" sz="2400" dirty="0" smtClean="0">
-                <a:latin typeface="Times New Roman" pitchFamily="18" charset="0"/>
-                <a:cs typeface="Times New Roman" pitchFamily="18" charset="0"/>
-              </a:rPr>
-              <a:t>Baserar </a:t>
-            </a:r>
-            <a:r>
-              <a:rPr lang="sv-SE" sz="2400" dirty="0">
-                <a:latin typeface="Times New Roman" pitchFamily="18" charset="0"/>
-                <a:cs typeface="Times New Roman" pitchFamily="18" charset="0"/>
-              </a:rPr>
-              <a:t>sig på </a:t>
-            </a:r>
-            <a:r>
-              <a:rPr lang="sv-SE" sz="2400" dirty="0" smtClean="0">
-                <a:latin typeface="Times New Roman" pitchFamily="18" charset="0"/>
-                <a:cs typeface="Times New Roman" pitchFamily="18" charset="0"/>
-              </a:rPr>
-              <a:t>WCAG1.</a:t>
-            </a:r>
-          </a:p>
-          <a:p>
-            <a:pPr marL="457200" indent="-457200">
-              <a:buFont typeface="Arial" charset="0"/>
-              <a:buChar char="•"/>
-            </a:pPr>
-            <a:r>
-              <a:rPr lang="sv-SE" sz="2400" dirty="0" err="1" smtClean="0">
-                <a:latin typeface="Times New Roman" pitchFamily="18" charset="0"/>
-                <a:cs typeface="Times New Roman" pitchFamily="18" charset="0"/>
-              </a:rPr>
-              <a:t>Verva</a:t>
-            </a:r>
-            <a:r>
-              <a:rPr lang="sv-SE" sz="2400" dirty="0" smtClean="0">
-                <a:latin typeface="Times New Roman" pitchFamily="18" charset="0"/>
-                <a:cs typeface="Times New Roman" pitchFamily="18" charset="0"/>
+            <a:r>
+              <a:rPr lang="en-US" dirty="0" err="1" smtClean="0">
+                <a:latin typeface="Minya Nouvelle" pitchFamily="2" charset="0"/>
+              </a:rPr>
+              <a:t>Riktlinjer</a:t>
+            </a:r>
+            <a:r>
+              <a:rPr lang="en-US" dirty="0" smtClean="0">
+                <a:latin typeface="Minya Nouvelle" pitchFamily="2" charset="0"/>
               </a:rPr>
               <a:t> </a:t>
             </a:r>
             <a:r>
-              <a:rPr lang="sv-SE" sz="2400" dirty="0">
-                <a:latin typeface="Times New Roman" pitchFamily="18" charset="0"/>
-                <a:cs typeface="Times New Roman" pitchFamily="18" charset="0"/>
-              </a:rPr>
-              <a:t>lades ned 2008/2009 </a:t>
-            </a:r>
+              <a:rPr lang="en-US" dirty="0" err="1" smtClean="0">
+                <a:latin typeface="Minya Nouvelle" pitchFamily="2" charset="0"/>
+              </a:rPr>
+              <a:t>från</a:t>
+            </a:r>
+            <a:r>
+              <a:rPr lang="en-US" dirty="0" smtClean="0">
+                <a:latin typeface="Minya Nouvelle" pitchFamily="2" charset="0"/>
+              </a:rPr>
+              <a:t> e-</a:t>
+            </a:r>
+            <a:r>
+              <a:rPr lang="en-US" dirty="0" err="1" smtClean="0">
+                <a:latin typeface="Minya Nouvelle" pitchFamily="2" charset="0"/>
+              </a:rPr>
+              <a:t>delegationen</a:t>
+            </a:r>
+            <a:endParaRPr lang="en-US" dirty="0" smtClean="0">
+              <a:latin typeface="Minya Nouvelle" pitchFamily="2" charset="0"/>
+            </a:endParaRPr>
           </a:p>
         </p:txBody>
       </p:sp>
@@ -14206,7 +13186,7 @@
 </p:sld>
 </file>
 
-<file path=ppt/slides/slide24.xml><?xml version="1.0" encoding="utf-8"?>
+<file path=ppt/slides/slide23.xml><?xml version="1.0" encoding="utf-8"?>
 <p:sld xmlns:a="http://schemas.openxmlformats.org/drawingml/2006/main" xmlns:r="http://schemas.openxmlformats.org/officeDocument/2006/relationships" xmlns:p="http://schemas.openxmlformats.org/presentationml/2006/main">
   <p:cSld>
     <p:spTree>
@@ -14493,7 +13473,7 @@
 </p:sld>
 </file>
 
-<file path=ppt/slides/slide25.xml><?xml version="1.0" encoding="utf-8"?>
+<file path=ppt/slides/slide24.xml><?xml version="1.0" encoding="utf-8"?>
 <p:sld xmlns:a="http://schemas.openxmlformats.org/drawingml/2006/main" xmlns:r="http://schemas.openxmlformats.org/officeDocument/2006/relationships" xmlns:p="http://schemas.openxmlformats.org/presentationml/2006/main">
   <p:cSld>
     <p:spTree>
@@ -14660,7 +13640,7 @@
 </p:sld>
 </file>
 
-<file path=ppt/slides/slide26.xml><?xml version="1.0" encoding="utf-8"?>
+<file path=ppt/slides/slide25.xml><?xml version="1.0" encoding="utf-8"?>
 <p:sld xmlns:a="http://schemas.openxmlformats.org/drawingml/2006/main" xmlns:r="http://schemas.openxmlformats.org/officeDocument/2006/relationships" xmlns:p="http://schemas.openxmlformats.org/presentationml/2006/main">
   <p:cSld>
     <p:spTree>
@@ -14992,7 +13972,7 @@
 </p:sld>
 </file>
 
-<file path=ppt/slides/slide27.xml><?xml version="1.0" encoding="utf-8"?>
+<file path=ppt/slides/slide26.xml><?xml version="1.0" encoding="utf-8"?>
 <p:sld xmlns:a="http://schemas.openxmlformats.org/drawingml/2006/main" xmlns:r="http://schemas.openxmlformats.org/officeDocument/2006/relationships" xmlns:p="http://schemas.openxmlformats.org/presentationml/2006/main">
   <p:cSld>
     <p:spTree>
@@ -15330,7 +14310,7 @@
 </p:sld>
 </file>
 
-<file path=ppt/slides/slide28.xml><?xml version="1.0" encoding="utf-8"?>
+<file path=ppt/slides/slide27.xml><?xml version="1.0" encoding="utf-8"?>
 <p:sld xmlns:a="http://schemas.openxmlformats.org/drawingml/2006/main" xmlns:r="http://schemas.openxmlformats.org/officeDocument/2006/relationships" xmlns:p="http://schemas.openxmlformats.org/presentationml/2006/main">
   <p:cSld>
     <p:spTree>
@@ -16092,7 +15072,7 @@
 </p:sld>
 </file>
 
-<file path=ppt/slides/slide29.xml><?xml version="1.0" encoding="utf-8"?>
+<file path=ppt/slides/slide28.xml><?xml version="1.0" encoding="utf-8"?>
 <p:sld xmlns:a="http://schemas.openxmlformats.org/drawingml/2006/main" xmlns:r="http://schemas.openxmlformats.org/officeDocument/2006/relationships" xmlns:p="http://schemas.openxmlformats.org/presentationml/2006/main">
   <p:cSld>
     <p:spTree>
@@ -16412,6 +15392,305 @@
     <p:extLst>
       <p:ext uri="{BB962C8B-B14F-4D97-AF65-F5344CB8AC3E}">
         <p14:creationId xmlns:p14="http://schemas.microsoft.com/office/powerpoint/2010/main" val="684536896"/>
+      </p:ext>
+    </p:extLst>
+  </p:cSld>
+  <p:clrMapOvr>
+    <a:masterClrMapping/>
+  </p:clrMapOvr>
+  <p:timing>
+    <p:tnLst>
+      <p:par>
+        <p:cTn xmlns:p14="http://schemas.microsoft.com/office/powerpoint/2010/main" id="1" dur="indefinite" restart="never" nodeType="tmRoot"/>
+      </p:par>
+    </p:tnLst>
+  </p:timing>
+</p:sld>
+</file>
+
+<file path=ppt/slides/slide29.xml><?xml version="1.0" encoding="utf-8"?>
+<p:sld xmlns:a="http://schemas.openxmlformats.org/drawingml/2006/main" xmlns:r="http://schemas.openxmlformats.org/officeDocument/2006/relationships" xmlns:p="http://schemas.openxmlformats.org/presentationml/2006/main">
+  <p:cSld>
+    <p:spTree>
+      <p:nvGrpSpPr>
+        <p:cNvPr id="1" name=""/>
+        <p:cNvGrpSpPr/>
+        <p:nvPr/>
+      </p:nvGrpSpPr>
+      <p:grpSpPr>
+        <a:xfrm>
+          <a:off x="0" y="0"/>
+          <a:ext cx="0" cy="0"/>
+          <a:chOff x="0" y="0"/>
+          <a:chExt cx="0" cy="0"/>
+        </a:xfrm>
+      </p:grpSpPr>
+      <p:sp>
+        <p:nvSpPr>
+          <p:cNvPr id="2" name="Title 1"/>
+          <p:cNvSpPr>
+            <a:spLocks noGrp="1"/>
+          </p:cNvSpPr>
+          <p:nvPr>
+            <p:ph type="ctrTitle"/>
+          </p:nvPr>
+        </p:nvSpPr>
+        <p:spPr/>
+        <p:txBody>
+          <a:bodyPr/>
+          <a:lstStyle/>
+          <a:p>
+            <a:r>
+              <a:rPr lang="sv-SE" sz="2800" b="1" dirty="0" smtClean="0"/>
+              <a:t>Princip 3: Begriplig</a:t>
+            </a:r>
+            <a:endParaRPr lang="sv-SE" sz="2800" b="1" dirty="0"/>
+          </a:p>
+        </p:txBody>
+      </p:sp>
+      <p:sp>
+        <p:nvSpPr>
+          <p:cNvPr id="4" name="TextBox 3"/>
+          <p:cNvSpPr txBox="1"/>
+          <p:nvPr/>
+        </p:nvSpPr>
+        <p:spPr>
+          <a:xfrm>
+            <a:off x="609600" y="1143000"/>
+            <a:ext cx="7595028" cy="3693319"/>
+          </a:xfrm>
+          <a:prstGeom prst="rect">
+            <a:avLst/>
+          </a:prstGeom>
+          <a:noFill/>
+        </p:spPr>
+        <p:txBody>
+          <a:bodyPr wrap="none" rtlCol="0">
+            <a:spAutoFit/>
+          </a:bodyPr>
+          <a:lstStyle/>
+          <a:p>
+            <a:pPr marL="450850" indent="-450850"/>
+            <a:r>
+              <a:rPr lang="sv-SE" b="1" dirty="0" smtClean="0">
+                <a:latin typeface="Times New Roman" pitchFamily="18" charset="0"/>
+                <a:cs typeface="Times New Roman" pitchFamily="18" charset="0"/>
+              </a:rPr>
+              <a:t>3.1 ) Läsbart</a:t>
+            </a:r>
+            <a:br>
+              <a:rPr lang="sv-SE" b="1" dirty="0" smtClean="0">
+                <a:latin typeface="Times New Roman" pitchFamily="18" charset="0"/>
+                <a:cs typeface="Times New Roman" pitchFamily="18" charset="0"/>
+              </a:rPr>
+            </a:br>
+            <a:r>
+              <a:rPr lang="sv-SE" dirty="0" smtClean="0">
+                <a:latin typeface="Times New Roman" pitchFamily="18" charset="0"/>
+                <a:cs typeface="Times New Roman" pitchFamily="18" charset="0"/>
+              </a:rPr>
+              <a:t>Skriv texter så att de är läsbara och enkla att förstå.</a:t>
+            </a:r>
+            <a:br>
+              <a:rPr lang="sv-SE" dirty="0" smtClean="0">
+                <a:latin typeface="Times New Roman" pitchFamily="18" charset="0"/>
+                <a:cs typeface="Times New Roman" pitchFamily="18" charset="0"/>
+              </a:rPr>
+            </a:br>
+            <a:r>
+              <a:rPr lang="sv-SE" dirty="0" smtClean="0">
+                <a:latin typeface="Times New Roman" pitchFamily="18" charset="0"/>
+                <a:cs typeface="Times New Roman" pitchFamily="18" charset="0"/>
+              </a:rPr>
+              <a:t>Det är lätt att avgöra vilket språk som används (&lt;html </a:t>
+            </a:r>
+            <a:r>
+              <a:rPr lang="sv-SE" dirty="0" err="1" smtClean="0">
+                <a:latin typeface="Times New Roman" pitchFamily="18" charset="0"/>
+                <a:cs typeface="Times New Roman" pitchFamily="18" charset="0"/>
+              </a:rPr>
+              <a:t>lang</a:t>
+            </a:r>
+            <a:r>
+              <a:rPr lang="sv-SE" dirty="0" smtClean="0">
+                <a:latin typeface="Times New Roman" pitchFamily="18" charset="0"/>
+                <a:cs typeface="Times New Roman" pitchFamily="18" charset="0"/>
+              </a:rPr>
+              <a:t>=”</a:t>
+            </a:r>
+            <a:r>
+              <a:rPr lang="sv-SE" dirty="0" err="1" smtClean="0">
+                <a:latin typeface="Times New Roman" pitchFamily="18" charset="0"/>
+                <a:cs typeface="Times New Roman" pitchFamily="18" charset="0"/>
+              </a:rPr>
+              <a:t>sv</a:t>
+            </a:r>
+            <a:r>
+              <a:rPr lang="sv-SE" dirty="0" smtClean="0">
+                <a:latin typeface="Times New Roman" pitchFamily="18" charset="0"/>
+                <a:cs typeface="Times New Roman" pitchFamily="18" charset="0"/>
+              </a:rPr>
+              <a:t>”&gt;)</a:t>
+            </a:r>
+            <a:br>
+              <a:rPr lang="sv-SE" dirty="0" smtClean="0">
+                <a:latin typeface="Times New Roman" pitchFamily="18" charset="0"/>
+                <a:cs typeface="Times New Roman" pitchFamily="18" charset="0"/>
+              </a:rPr>
+            </a:br>
+            <a:r>
+              <a:rPr lang="sv-SE" dirty="0" smtClean="0">
+                <a:latin typeface="Times New Roman" pitchFamily="18" charset="0"/>
+                <a:cs typeface="Times New Roman" pitchFamily="18" charset="0"/>
+              </a:rPr>
+              <a:t>Delar av sidan som är på olika språk går att utläsa. (&lt;p </a:t>
+            </a:r>
+            <a:r>
+              <a:rPr lang="sv-SE" dirty="0" err="1" smtClean="0">
+                <a:latin typeface="Times New Roman" pitchFamily="18" charset="0"/>
+                <a:cs typeface="Times New Roman" pitchFamily="18" charset="0"/>
+              </a:rPr>
+              <a:t>lang</a:t>
+            </a:r>
+            <a:r>
+              <a:rPr lang="sv-SE" dirty="0" smtClean="0">
+                <a:latin typeface="Times New Roman" pitchFamily="18" charset="0"/>
+                <a:cs typeface="Times New Roman" pitchFamily="18" charset="0"/>
+              </a:rPr>
+              <a:t>=”en”&gt;)</a:t>
+            </a:r>
+          </a:p>
+          <a:p>
+            <a:endParaRPr lang="sv-SE" b="1" dirty="0" smtClean="0">
+              <a:latin typeface="Times New Roman" pitchFamily="18" charset="0"/>
+              <a:cs typeface="Times New Roman" pitchFamily="18" charset="0"/>
+            </a:endParaRPr>
+          </a:p>
+          <a:p>
+            <a:r>
+              <a:rPr lang="sv-SE" b="1" dirty="0" smtClean="0">
+                <a:latin typeface="Times New Roman" pitchFamily="18" charset="0"/>
+                <a:cs typeface="Times New Roman" pitchFamily="18" charset="0"/>
+              </a:rPr>
+              <a:t>3.2 ) Förutsägbart</a:t>
+            </a:r>
+            <a:endParaRPr lang="sv-SE" dirty="0" smtClean="0">
+              <a:latin typeface="Times New Roman" pitchFamily="18" charset="0"/>
+              <a:cs typeface="Times New Roman" pitchFamily="18" charset="0"/>
+            </a:endParaRPr>
+          </a:p>
+          <a:p>
+            <a:pPr marL="450850"/>
+            <a:r>
+              <a:rPr lang="sv-SE" dirty="0" smtClean="0">
+                <a:latin typeface="Times New Roman" pitchFamily="18" charset="0"/>
+                <a:cs typeface="Times New Roman" pitchFamily="18" charset="0"/>
+              </a:rPr>
+              <a:t>Webbsidor uppför sig på, för användaren, förväntat sätt.</a:t>
+            </a:r>
+            <a:br>
+              <a:rPr lang="sv-SE" dirty="0" smtClean="0">
+                <a:latin typeface="Times New Roman" pitchFamily="18" charset="0"/>
+                <a:cs typeface="Times New Roman" pitchFamily="18" charset="0"/>
+              </a:rPr>
+            </a:br>
+            <a:r>
+              <a:rPr lang="sv-SE" dirty="0" smtClean="0">
+                <a:latin typeface="Times New Roman" pitchFamily="18" charset="0"/>
+                <a:cs typeface="Times New Roman" pitchFamily="18" charset="0"/>
+              </a:rPr>
+              <a:t>Konsistent navigation.</a:t>
+            </a:r>
+          </a:p>
+          <a:p>
+            <a:endParaRPr lang="sv-SE" b="1" dirty="0" smtClean="0">
+              <a:latin typeface="Times New Roman" pitchFamily="18" charset="0"/>
+              <a:cs typeface="Times New Roman" pitchFamily="18" charset="0"/>
+            </a:endParaRPr>
+          </a:p>
+          <a:p>
+            <a:r>
+              <a:rPr lang="sv-SE" b="1" dirty="0" smtClean="0">
+                <a:latin typeface="Times New Roman" pitchFamily="18" charset="0"/>
+                <a:cs typeface="Times New Roman" pitchFamily="18" charset="0"/>
+              </a:rPr>
+              <a:t>3.3 ) Inmatningshjälp</a:t>
+            </a:r>
+            <a:endParaRPr lang="sv-SE" dirty="0" smtClean="0">
+              <a:latin typeface="Times New Roman" pitchFamily="18" charset="0"/>
+              <a:cs typeface="Times New Roman" pitchFamily="18" charset="0"/>
+            </a:endParaRPr>
+          </a:p>
+          <a:p>
+            <a:pPr marL="450850"/>
+            <a:r>
+              <a:rPr lang="sv-SE" dirty="0" smtClean="0">
+                <a:latin typeface="Times New Roman" pitchFamily="18" charset="0"/>
+                <a:cs typeface="Times New Roman" pitchFamily="18" charset="0"/>
+              </a:rPr>
+              <a:t>Om användaren matar in en felaktighet så presenteras felaktigheten i text.</a:t>
+            </a:r>
+            <a:br>
+              <a:rPr lang="sv-SE" dirty="0" smtClean="0">
+                <a:latin typeface="Times New Roman" pitchFamily="18" charset="0"/>
+                <a:cs typeface="Times New Roman" pitchFamily="18" charset="0"/>
+              </a:rPr>
+            </a:br>
+            <a:r>
+              <a:rPr lang="sv-SE" dirty="0" err="1" smtClean="0">
+                <a:latin typeface="Times New Roman" pitchFamily="18" charset="0"/>
+                <a:cs typeface="Times New Roman" pitchFamily="18" charset="0"/>
+              </a:rPr>
+              <a:t>Labels</a:t>
+            </a:r>
+            <a:r>
+              <a:rPr lang="sv-SE" dirty="0" smtClean="0">
+                <a:latin typeface="Times New Roman" pitchFamily="18" charset="0"/>
+                <a:cs typeface="Times New Roman" pitchFamily="18" charset="0"/>
+              </a:rPr>
+              <a:t> används vid formulärkontroller.</a:t>
+            </a:r>
+          </a:p>
+          <a:p>
+            <a:endParaRPr lang="sv-SE" dirty="0">
+              <a:latin typeface="Times New Roman" pitchFamily="18" charset="0"/>
+              <a:cs typeface="Times New Roman" pitchFamily="18" charset="0"/>
+            </a:endParaRPr>
+          </a:p>
+        </p:txBody>
+      </p:sp>
+      <p:sp>
+        <p:nvSpPr>
+          <p:cNvPr id="5" name="Rectangle 4"/>
+          <p:cNvSpPr/>
+          <p:nvPr/>
+        </p:nvSpPr>
+        <p:spPr>
+          <a:xfrm>
+            <a:off x="6026928" y="663136"/>
+            <a:ext cx="3117072" cy="369332"/>
+          </a:xfrm>
+          <a:prstGeom prst="rect">
+            <a:avLst/>
+          </a:prstGeom>
+        </p:spPr>
+        <p:txBody>
+          <a:bodyPr wrap="none">
+            <a:spAutoFit/>
+          </a:bodyPr>
+          <a:lstStyle/>
+          <a:p>
+            <a:r>
+              <a:rPr lang="sv-SE" i="1" dirty="0"/>
+              <a:t>http://www.w3.org/TR/WCAG/</a:t>
+            </a:r>
+          </a:p>
+        </p:txBody>
+      </p:sp>
+    </p:spTree>
+    <p:extLst>
+      <p:ext uri="{BB962C8B-B14F-4D97-AF65-F5344CB8AC3E}">
+        <p14:creationId xmlns:p14="http://schemas.microsoft.com/office/powerpoint/2010/main" val="2567260818"/>
       </p:ext>
     </p:extLst>
   </p:cSld>
@@ -16931,305 +16210,6 @@
           <a:lstStyle/>
           <a:p>
             <a:r>
-              <a:rPr lang="sv-SE" sz="2800" b="1" dirty="0" smtClean="0"/>
-              <a:t>Princip 3: Begriplig</a:t>
-            </a:r>
-            <a:endParaRPr lang="sv-SE" sz="2800" b="1" dirty="0"/>
-          </a:p>
-        </p:txBody>
-      </p:sp>
-      <p:sp>
-        <p:nvSpPr>
-          <p:cNvPr id="4" name="TextBox 3"/>
-          <p:cNvSpPr txBox="1"/>
-          <p:nvPr/>
-        </p:nvSpPr>
-        <p:spPr>
-          <a:xfrm>
-            <a:off x="609600" y="1143000"/>
-            <a:ext cx="7595028" cy="3693319"/>
-          </a:xfrm>
-          <a:prstGeom prst="rect">
-            <a:avLst/>
-          </a:prstGeom>
-          <a:noFill/>
-        </p:spPr>
-        <p:txBody>
-          <a:bodyPr wrap="none" rtlCol="0">
-            <a:spAutoFit/>
-          </a:bodyPr>
-          <a:lstStyle/>
-          <a:p>
-            <a:pPr marL="450850" indent="-450850"/>
-            <a:r>
-              <a:rPr lang="sv-SE" b="1" dirty="0" smtClean="0">
-                <a:latin typeface="Times New Roman" pitchFamily="18" charset="0"/>
-                <a:cs typeface="Times New Roman" pitchFamily="18" charset="0"/>
-              </a:rPr>
-              <a:t>3.1 ) Läsbart</a:t>
-            </a:r>
-            <a:br>
-              <a:rPr lang="sv-SE" b="1" dirty="0" smtClean="0">
-                <a:latin typeface="Times New Roman" pitchFamily="18" charset="0"/>
-                <a:cs typeface="Times New Roman" pitchFamily="18" charset="0"/>
-              </a:rPr>
-            </a:br>
-            <a:r>
-              <a:rPr lang="sv-SE" dirty="0" smtClean="0">
-                <a:latin typeface="Times New Roman" pitchFamily="18" charset="0"/>
-                <a:cs typeface="Times New Roman" pitchFamily="18" charset="0"/>
-              </a:rPr>
-              <a:t>Skriv texter så att de är läsbara och enkla att förstå.</a:t>
-            </a:r>
-            <a:br>
-              <a:rPr lang="sv-SE" dirty="0" smtClean="0">
-                <a:latin typeface="Times New Roman" pitchFamily="18" charset="0"/>
-                <a:cs typeface="Times New Roman" pitchFamily="18" charset="0"/>
-              </a:rPr>
-            </a:br>
-            <a:r>
-              <a:rPr lang="sv-SE" dirty="0" smtClean="0">
-                <a:latin typeface="Times New Roman" pitchFamily="18" charset="0"/>
-                <a:cs typeface="Times New Roman" pitchFamily="18" charset="0"/>
-              </a:rPr>
-              <a:t>Det är lätt att avgöra vilket språk som används (&lt;html </a:t>
-            </a:r>
-            <a:r>
-              <a:rPr lang="sv-SE" dirty="0" err="1" smtClean="0">
-                <a:latin typeface="Times New Roman" pitchFamily="18" charset="0"/>
-                <a:cs typeface="Times New Roman" pitchFamily="18" charset="0"/>
-              </a:rPr>
-              <a:t>lang</a:t>
-            </a:r>
-            <a:r>
-              <a:rPr lang="sv-SE" dirty="0" smtClean="0">
-                <a:latin typeface="Times New Roman" pitchFamily="18" charset="0"/>
-                <a:cs typeface="Times New Roman" pitchFamily="18" charset="0"/>
-              </a:rPr>
-              <a:t>=”</a:t>
-            </a:r>
-            <a:r>
-              <a:rPr lang="sv-SE" dirty="0" err="1" smtClean="0">
-                <a:latin typeface="Times New Roman" pitchFamily="18" charset="0"/>
-                <a:cs typeface="Times New Roman" pitchFamily="18" charset="0"/>
-              </a:rPr>
-              <a:t>sv</a:t>
-            </a:r>
-            <a:r>
-              <a:rPr lang="sv-SE" dirty="0" smtClean="0">
-                <a:latin typeface="Times New Roman" pitchFamily="18" charset="0"/>
-                <a:cs typeface="Times New Roman" pitchFamily="18" charset="0"/>
-              </a:rPr>
-              <a:t>”&gt;)</a:t>
-            </a:r>
-            <a:br>
-              <a:rPr lang="sv-SE" dirty="0" smtClean="0">
-                <a:latin typeface="Times New Roman" pitchFamily="18" charset="0"/>
-                <a:cs typeface="Times New Roman" pitchFamily="18" charset="0"/>
-              </a:rPr>
-            </a:br>
-            <a:r>
-              <a:rPr lang="sv-SE" dirty="0" smtClean="0">
-                <a:latin typeface="Times New Roman" pitchFamily="18" charset="0"/>
-                <a:cs typeface="Times New Roman" pitchFamily="18" charset="0"/>
-              </a:rPr>
-              <a:t>Delar av sidan som är på olika språk går att utläsa. (&lt;p </a:t>
-            </a:r>
-            <a:r>
-              <a:rPr lang="sv-SE" dirty="0" err="1" smtClean="0">
-                <a:latin typeface="Times New Roman" pitchFamily="18" charset="0"/>
-                <a:cs typeface="Times New Roman" pitchFamily="18" charset="0"/>
-              </a:rPr>
-              <a:t>lang</a:t>
-            </a:r>
-            <a:r>
-              <a:rPr lang="sv-SE" dirty="0" smtClean="0">
-                <a:latin typeface="Times New Roman" pitchFamily="18" charset="0"/>
-                <a:cs typeface="Times New Roman" pitchFamily="18" charset="0"/>
-              </a:rPr>
-              <a:t>=”en”&gt;)</a:t>
-            </a:r>
-          </a:p>
-          <a:p>
-            <a:endParaRPr lang="sv-SE" b="1" dirty="0" smtClean="0">
-              <a:latin typeface="Times New Roman" pitchFamily="18" charset="0"/>
-              <a:cs typeface="Times New Roman" pitchFamily="18" charset="0"/>
-            </a:endParaRPr>
-          </a:p>
-          <a:p>
-            <a:r>
-              <a:rPr lang="sv-SE" b="1" dirty="0" smtClean="0">
-                <a:latin typeface="Times New Roman" pitchFamily="18" charset="0"/>
-                <a:cs typeface="Times New Roman" pitchFamily="18" charset="0"/>
-              </a:rPr>
-              <a:t>3.2 ) Förutsägbart</a:t>
-            </a:r>
-            <a:endParaRPr lang="sv-SE" dirty="0" smtClean="0">
-              <a:latin typeface="Times New Roman" pitchFamily="18" charset="0"/>
-              <a:cs typeface="Times New Roman" pitchFamily="18" charset="0"/>
-            </a:endParaRPr>
-          </a:p>
-          <a:p>
-            <a:pPr marL="450850"/>
-            <a:r>
-              <a:rPr lang="sv-SE" dirty="0" smtClean="0">
-                <a:latin typeface="Times New Roman" pitchFamily="18" charset="0"/>
-                <a:cs typeface="Times New Roman" pitchFamily="18" charset="0"/>
-              </a:rPr>
-              <a:t>Webbsidor uppför sig på, för användaren, förväntat sätt.</a:t>
-            </a:r>
-            <a:br>
-              <a:rPr lang="sv-SE" dirty="0" smtClean="0">
-                <a:latin typeface="Times New Roman" pitchFamily="18" charset="0"/>
-                <a:cs typeface="Times New Roman" pitchFamily="18" charset="0"/>
-              </a:rPr>
-            </a:br>
-            <a:r>
-              <a:rPr lang="sv-SE" dirty="0" smtClean="0">
-                <a:latin typeface="Times New Roman" pitchFamily="18" charset="0"/>
-                <a:cs typeface="Times New Roman" pitchFamily="18" charset="0"/>
-              </a:rPr>
-              <a:t>Konsistent navigation.</a:t>
-            </a:r>
-          </a:p>
-          <a:p>
-            <a:endParaRPr lang="sv-SE" b="1" dirty="0" smtClean="0">
-              <a:latin typeface="Times New Roman" pitchFamily="18" charset="0"/>
-              <a:cs typeface="Times New Roman" pitchFamily="18" charset="0"/>
-            </a:endParaRPr>
-          </a:p>
-          <a:p>
-            <a:r>
-              <a:rPr lang="sv-SE" b="1" dirty="0" smtClean="0">
-                <a:latin typeface="Times New Roman" pitchFamily="18" charset="0"/>
-                <a:cs typeface="Times New Roman" pitchFamily="18" charset="0"/>
-              </a:rPr>
-              <a:t>3.3 ) Inmatningshjälp</a:t>
-            </a:r>
-            <a:endParaRPr lang="sv-SE" dirty="0" smtClean="0">
-              <a:latin typeface="Times New Roman" pitchFamily="18" charset="0"/>
-              <a:cs typeface="Times New Roman" pitchFamily="18" charset="0"/>
-            </a:endParaRPr>
-          </a:p>
-          <a:p>
-            <a:pPr marL="450850"/>
-            <a:r>
-              <a:rPr lang="sv-SE" dirty="0" smtClean="0">
-                <a:latin typeface="Times New Roman" pitchFamily="18" charset="0"/>
-                <a:cs typeface="Times New Roman" pitchFamily="18" charset="0"/>
-              </a:rPr>
-              <a:t>Om användaren matar in en felaktighet så presenteras felaktigheten i text.</a:t>
-            </a:r>
-            <a:br>
-              <a:rPr lang="sv-SE" dirty="0" smtClean="0">
-                <a:latin typeface="Times New Roman" pitchFamily="18" charset="0"/>
-                <a:cs typeface="Times New Roman" pitchFamily="18" charset="0"/>
-              </a:rPr>
-            </a:br>
-            <a:r>
-              <a:rPr lang="sv-SE" dirty="0" err="1" smtClean="0">
-                <a:latin typeface="Times New Roman" pitchFamily="18" charset="0"/>
-                <a:cs typeface="Times New Roman" pitchFamily="18" charset="0"/>
-              </a:rPr>
-              <a:t>Labels</a:t>
-            </a:r>
-            <a:r>
-              <a:rPr lang="sv-SE" dirty="0" smtClean="0">
-                <a:latin typeface="Times New Roman" pitchFamily="18" charset="0"/>
-                <a:cs typeface="Times New Roman" pitchFamily="18" charset="0"/>
-              </a:rPr>
-              <a:t> används vid formulärkontroller.</a:t>
-            </a:r>
-          </a:p>
-          <a:p>
-            <a:endParaRPr lang="sv-SE" dirty="0">
-              <a:latin typeface="Times New Roman" pitchFamily="18" charset="0"/>
-              <a:cs typeface="Times New Roman" pitchFamily="18" charset="0"/>
-            </a:endParaRPr>
-          </a:p>
-        </p:txBody>
-      </p:sp>
-      <p:sp>
-        <p:nvSpPr>
-          <p:cNvPr id="5" name="Rectangle 4"/>
-          <p:cNvSpPr/>
-          <p:nvPr/>
-        </p:nvSpPr>
-        <p:spPr>
-          <a:xfrm>
-            <a:off x="6026928" y="663136"/>
-            <a:ext cx="3117072" cy="369332"/>
-          </a:xfrm>
-          <a:prstGeom prst="rect">
-            <a:avLst/>
-          </a:prstGeom>
-        </p:spPr>
-        <p:txBody>
-          <a:bodyPr wrap="none">
-            <a:spAutoFit/>
-          </a:bodyPr>
-          <a:lstStyle/>
-          <a:p>
-            <a:r>
-              <a:rPr lang="sv-SE" i="1" dirty="0"/>
-              <a:t>http://www.w3.org/TR/WCAG/</a:t>
-            </a:r>
-          </a:p>
-        </p:txBody>
-      </p:sp>
-    </p:spTree>
-    <p:extLst>
-      <p:ext uri="{BB962C8B-B14F-4D97-AF65-F5344CB8AC3E}">
-        <p14:creationId xmlns:p14="http://schemas.microsoft.com/office/powerpoint/2010/main" val="2567260818"/>
-      </p:ext>
-    </p:extLst>
-  </p:cSld>
-  <p:clrMapOvr>
-    <a:masterClrMapping/>
-  </p:clrMapOvr>
-  <p:timing>
-    <p:tnLst>
-      <p:par>
-        <p:cTn xmlns:p14="http://schemas.microsoft.com/office/powerpoint/2010/main" id="1" dur="indefinite" restart="never" nodeType="tmRoot"/>
-      </p:par>
-    </p:tnLst>
-  </p:timing>
-</p:sld>
-</file>
-
-<file path=ppt/slides/slide31.xml><?xml version="1.0" encoding="utf-8"?>
-<p:sld xmlns:a="http://schemas.openxmlformats.org/drawingml/2006/main" xmlns:r="http://schemas.openxmlformats.org/officeDocument/2006/relationships" xmlns:p="http://schemas.openxmlformats.org/presentationml/2006/main">
-  <p:cSld>
-    <p:spTree>
-      <p:nvGrpSpPr>
-        <p:cNvPr id="1" name=""/>
-        <p:cNvGrpSpPr/>
-        <p:nvPr/>
-      </p:nvGrpSpPr>
-      <p:grpSpPr>
-        <a:xfrm>
-          <a:off x="0" y="0"/>
-          <a:ext cx="0" cy="0"/>
-          <a:chOff x="0" y="0"/>
-          <a:chExt cx="0" cy="0"/>
-        </a:xfrm>
-      </p:grpSpPr>
-      <p:sp>
-        <p:nvSpPr>
-          <p:cNvPr id="2" name="Title 1"/>
-          <p:cNvSpPr>
-            <a:spLocks noGrp="1"/>
-          </p:cNvSpPr>
-          <p:nvPr>
-            <p:ph type="ctrTitle"/>
-          </p:nvPr>
-        </p:nvSpPr>
-        <p:spPr/>
-        <p:txBody>
-          <a:bodyPr/>
-          <a:lstStyle/>
-          <a:p>
-            <a:r>
               <a:rPr lang="sv-SE" sz="3200" b="1" dirty="0" smtClean="0"/>
               <a:t>Princip 4: Robust</a:t>
             </a:r>
@@ -17350,7 +16330,7 @@
 </p:sld>
 </file>
 
-<file path=ppt/slides/slide32.xml><?xml version="1.0" encoding="utf-8"?>
+<file path=ppt/slides/slide31.xml><?xml version="1.0" encoding="utf-8"?>
 <p:sld xmlns:a="http://schemas.openxmlformats.org/drawingml/2006/main" xmlns:r="http://schemas.openxmlformats.org/officeDocument/2006/relationships" xmlns:p="http://schemas.openxmlformats.org/presentationml/2006/main">
   <p:cSld>
     <p:spTree>
@@ -17603,7 +16583,7 @@
 </p:sld>
 </file>
 
-<file path=ppt/slides/slide33.xml><?xml version="1.0" encoding="utf-8"?>
+<file path=ppt/slides/slide32.xml><?xml version="1.0" encoding="utf-8"?>
 <p:sld xmlns:a="http://schemas.openxmlformats.org/drawingml/2006/main" xmlns:r="http://schemas.openxmlformats.org/officeDocument/2006/relationships" xmlns:p="http://schemas.openxmlformats.org/presentationml/2006/main">
   <p:cSld>
     <p:spTree>
@@ -17954,7 +16934,7 @@
 </p:sld>
 </file>
 
-<file path=ppt/slides/slide34.xml><?xml version="1.0" encoding="utf-8"?>
+<file path=ppt/slides/slide33.xml><?xml version="1.0" encoding="utf-8"?>
 <p:sld xmlns:a="http://schemas.openxmlformats.org/drawingml/2006/main" xmlns:r="http://schemas.openxmlformats.org/officeDocument/2006/relationships" xmlns:p="http://schemas.openxmlformats.org/presentationml/2006/main">
   <p:cSld>
     <p:spTree>
@@ -18037,7 +17017,21 @@
                 <a:latin typeface="Times New Roman" pitchFamily="18" charset="0"/>
                 <a:cs typeface="Times New Roman" pitchFamily="18" charset="0"/>
               </a:rPr>
-              <a:t> toolbar (FF plugin): </a:t>
+              <a:t> toolbar </a:t>
+            </a:r>
+            <a:r>
+              <a:rPr lang="sv-SE" sz="1800" b="1" dirty="0" smtClean="0">
+                <a:latin typeface="Times New Roman" pitchFamily="18" charset="0"/>
+                <a:cs typeface="Times New Roman" pitchFamily="18" charset="0"/>
+              </a:rPr>
+              <a:t>(browser </a:t>
+            </a:r>
+            <a:r>
+              <a:rPr lang="sv-SE" sz="1800" b="1" dirty="0" smtClean="0">
+                <a:latin typeface="Times New Roman" pitchFamily="18" charset="0"/>
+                <a:cs typeface="Times New Roman" pitchFamily="18" charset="0"/>
+              </a:rPr>
+              <a:t>plugin): </a:t>
             </a:r>
             <a:br>
               <a:rPr lang="sv-SE" sz="1800" b="1" dirty="0" smtClean="0">
@@ -18524,1020 +17518,6 @@
         <p:cTn xmlns:p14="http://schemas.microsoft.com/office/powerpoint/2010/main" id="1" dur="indefinite" restart="never" nodeType="tmRoot"/>
       </p:par>
     </p:tnLst>
-  </p:timing>
-</p:sld>
-</file>
-
-<file path=ppt/slides/slide35.xml><?xml version="1.0" encoding="utf-8"?>
-<p:sld xmlns:a="http://schemas.openxmlformats.org/drawingml/2006/main" xmlns:r="http://schemas.openxmlformats.org/officeDocument/2006/relationships" xmlns:p="http://schemas.openxmlformats.org/presentationml/2006/main">
-  <p:cSld>
-    <p:spTree>
-      <p:nvGrpSpPr>
-        <p:cNvPr id="1" name=""/>
-        <p:cNvGrpSpPr/>
-        <p:nvPr/>
-      </p:nvGrpSpPr>
-      <p:grpSpPr>
-        <a:xfrm>
-          <a:off x="0" y="0"/>
-          <a:ext cx="0" cy="0"/>
-          <a:chOff x="0" y="0"/>
-          <a:chExt cx="0" cy="0"/>
-        </a:xfrm>
-      </p:grpSpPr>
-      <p:sp>
-        <p:nvSpPr>
-          <p:cNvPr id="2" name="Title 1"/>
-          <p:cNvSpPr>
-            <a:spLocks noGrp="1"/>
-          </p:cNvSpPr>
-          <p:nvPr>
-            <p:ph type="ctrTitle"/>
-          </p:nvPr>
-        </p:nvSpPr>
-        <p:spPr/>
-        <p:txBody>
-          <a:bodyPr/>
-          <a:lstStyle/>
-          <a:p>
-            <a:r>
-              <a:rPr lang="sv-SE" b="1" dirty="0" smtClean="0"/>
-              <a:t>Håll dig uppdaterad</a:t>
-            </a:r>
-            <a:endParaRPr lang="sv-SE" b="1" dirty="0"/>
-          </a:p>
-        </p:txBody>
-      </p:sp>
-      <p:pic>
-        <p:nvPicPr>
-          <p:cNvPr id="4" name="Picture 2" descr="Buy HTML5 For Web Designers, $18 + Shipping"/>
-          <p:cNvPicPr>
-            <a:picLocks noChangeAspect="1" noChangeArrowheads="1"/>
-          </p:cNvPicPr>
-          <p:nvPr/>
-        </p:nvPicPr>
-        <p:blipFill>
-          <a:blip r:embed="rId2" cstate="print"/>
-          <a:srcRect/>
-          <a:stretch>
-            <a:fillRect/>
-          </a:stretch>
-        </p:blipFill>
-        <p:spPr bwMode="auto">
-          <a:xfrm>
-            <a:off x="2987824" y="3991186"/>
-            <a:ext cx="936897" cy="1314028"/>
-          </a:xfrm>
-          <a:prstGeom prst="rect">
-            <a:avLst/>
-          </a:prstGeom>
-          <a:ln>
-            <a:noFill/>
-          </a:ln>
-          <a:effectLst>
-            <a:outerShdw blurRad="190500" algn="tl" rotWithShape="0">
-              <a:srgbClr val="000000">
-                <a:alpha val="70000"/>
-              </a:srgbClr>
-            </a:outerShdw>
-          </a:effectLst>
-        </p:spPr>
-      </p:pic>
-      <p:pic>
-        <p:nvPicPr>
-          <p:cNvPr id="5" name="Picture 8"/>
-          <p:cNvPicPr>
-            <a:picLocks noChangeAspect="1" noChangeArrowheads="1"/>
-          </p:cNvPicPr>
-          <p:nvPr/>
-        </p:nvPicPr>
-        <p:blipFill>
-          <a:blip r:embed="rId3" cstate="print"/>
-          <a:srcRect/>
-          <a:stretch>
-            <a:fillRect/>
-          </a:stretch>
-        </p:blipFill>
-        <p:spPr bwMode="auto">
-          <a:xfrm>
-            <a:off x="2987824" y="2065412"/>
-            <a:ext cx="953202" cy="1225818"/>
-          </a:xfrm>
-          <a:prstGeom prst="rect">
-            <a:avLst/>
-          </a:prstGeom>
-          <a:ln>
-            <a:noFill/>
-          </a:ln>
-          <a:effectLst>
-            <a:outerShdw blurRad="190500" algn="tl" rotWithShape="0">
-              <a:srgbClr val="000000">
-                <a:alpha val="70000"/>
-              </a:srgbClr>
-            </a:outerShdw>
-          </a:effectLst>
-        </p:spPr>
-      </p:pic>
-      <p:pic>
-        <p:nvPicPr>
-          <p:cNvPr id="6" name="Picture 4"/>
-          <p:cNvPicPr>
-            <a:picLocks noChangeAspect="1" noChangeArrowheads="1"/>
-          </p:cNvPicPr>
-          <p:nvPr/>
-        </p:nvPicPr>
-        <p:blipFill>
-          <a:blip r:embed="rId4" cstate="print"/>
-          <a:srcRect/>
-          <a:stretch>
-            <a:fillRect/>
-          </a:stretch>
-        </p:blipFill>
-        <p:spPr bwMode="auto">
-          <a:xfrm>
-            <a:off x="861158" y="1288945"/>
-            <a:ext cx="1390169" cy="1666869"/>
-          </a:xfrm>
-          <a:prstGeom prst="rect">
-            <a:avLst/>
-          </a:prstGeom>
-          <a:ln>
-            <a:noFill/>
-          </a:ln>
-          <a:effectLst>
-            <a:outerShdw blurRad="190500" algn="tl" rotWithShape="0">
-              <a:srgbClr val="000000">
-                <a:alpha val="70000"/>
-              </a:srgbClr>
-            </a:outerShdw>
-          </a:effectLst>
-        </p:spPr>
-      </p:pic>
-      <p:pic>
-        <p:nvPicPr>
-          <p:cNvPr id="7" name="Picture 5"/>
-          <p:cNvPicPr>
-            <a:picLocks noChangeAspect="1" noChangeArrowheads="1"/>
-          </p:cNvPicPr>
-          <p:nvPr/>
-        </p:nvPicPr>
-        <p:blipFill>
-          <a:blip r:embed="rId5" cstate="print"/>
-          <a:srcRect/>
-          <a:stretch>
-            <a:fillRect/>
-          </a:stretch>
-        </p:blipFill>
-        <p:spPr bwMode="auto">
-          <a:xfrm>
-            <a:off x="522593" y="2569468"/>
-            <a:ext cx="959024" cy="1198780"/>
-          </a:xfrm>
-          <a:prstGeom prst="rect">
-            <a:avLst/>
-          </a:prstGeom>
-          <a:ln>
-            <a:noFill/>
-          </a:ln>
-          <a:effectLst>
-            <a:outerShdw blurRad="190500" algn="tl" rotWithShape="0">
-              <a:srgbClr val="000000">
-                <a:alpha val="70000"/>
-              </a:srgbClr>
-            </a:outerShdw>
-          </a:effectLst>
-        </p:spPr>
-      </p:pic>
-      <p:pic>
-        <p:nvPicPr>
-          <p:cNvPr id="8" name="Picture 6"/>
-          <p:cNvPicPr>
-            <a:picLocks noChangeAspect="1" noChangeArrowheads="1"/>
-          </p:cNvPicPr>
-          <p:nvPr/>
-        </p:nvPicPr>
-        <p:blipFill>
-          <a:blip r:embed="rId6" cstate="print"/>
-          <a:srcRect/>
-          <a:stretch>
-            <a:fillRect/>
-          </a:stretch>
-        </p:blipFill>
-        <p:spPr bwMode="auto">
-          <a:xfrm>
-            <a:off x="1907704" y="2785492"/>
-            <a:ext cx="1235224" cy="1481646"/>
-          </a:xfrm>
-          <a:prstGeom prst="rect">
-            <a:avLst/>
-          </a:prstGeom>
-          <a:ln>
-            <a:noFill/>
-          </a:ln>
-          <a:effectLst>
-            <a:outerShdw blurRad="190500" algn="tl" rotWithShape="0">
-              <a:srgbClr val="000000">
-                <a:alpha val="70000"/>
-              </a:srgbClr>
-            </a:outerShdw>
-          </a:effectLst>
-        </p:spPr>
-      </p:pic>
-      <p:pic>
-        <p:nvPicPr>
-          <p:cNvPr id="9" name="Picture 7"/>
-          <p:cNvPicPr>
-            <a:picLocks noChangeAspect="1" noChangeArrowheads="1"/>
-          </p:cNvPicPr>
-          <p:nvPr/>
-        </p:nvPicPr>
-        <p:blipFill>
-          <a:blip r:embed="rId7" cstate="print"/>
-          <a:srcRect/>
-          <a:stretch>
-            <a:fillRect/>
-          </a:stretch>
-        </p:blipFill>
-        <p:spPr bwMode="auto">
-          <a:xfrm>
-            <a:off x="1002105" y="4098447"/>
-            <a:ext cx="1092511" cy="1365638"/>
-          </a:xfrm>
-          <a:prstGeom prst="rect">
-            <a:avLst/>
-          </a:prstGeom>
-          <a:ln>
-            <a:noFill/>
-          </a:ln>
-          <a:effectLst>
-            <a:outerShdw blurRad="190500" algn="tl" rotWithShape="0">
-              <a:srgbClr val="000000">
-                <a:alpha val="70000"/>
-              </a:srgbClr>
-            </a:outerShdw>
-          </a:effectLst>
-        </p:spPr>
-      </p:pic>
-      <p:pic>
-        <p:nvPicPr>
-          <p:cNvPr id="10" name="Picture 14"/>
-          <p:cNvPicPr>
-            <a:picLocks noChangeAspect="1" noChangeArrowheads="1"/>
-          </p:cNvPicPr>
-          <p:nvPr/>
-        </p:nvPicPr>
-        <p:blipFill>
-          <a:blip r:embed="rId8" cstate="print"/>
-          <a:srcRect/>
-          <a:stretch>
-            <a:fillRect/>
-          </a:stretch>
-        </p:blipFill>
-        <p:spPr bwMode="auto">
-          <a:xfrm>
-            <a:off x="4286634" y="1129308"/>
-            <a:ext cx="1981200" cy="469900"/>
-          </a:xfrm>
-          <a:prstGeom prst="rect">
-            <a:avLst/>
-          </a:prstGeom>
-          <a:ln>
-            <a:noFill/>
-          </a:ln>
-          <a:effectLst>
-            <a:outerShdw blurRad="190500" algn="tl" rotWithShape="0">
-              <a:srgbClr val="000000">
-                <a:alpha val="70000"/>
-              </a:srgbClr>
-            </a:outerShdw>
-          </a:effectLst>
-        </p:spPr>
-      </p:pic>
-      <p:sp>
-        <p:nvSpPr>
-          <p:cNvPr id="11" name="Rectangle 15"/>
-          <p:cNvSpPr>
-            <a:spLocks noChangeArrowheads="1"/>
-          </p:cNvSpPr>
-          <p:nvPr/>
-        </p:nvSpPr>
-        <p:spPr bwMode="auto">
-          <a:xfrm>
-            <a:off x="6372200" y="1179592"/>
-            <a:ext cx="2075889" cy="369332"/>
-          </a:xfrm>
-          <a:prstGeom prst="rect">
-            <a:avLst/>
-          </a:prstGeom>
-          <a:noFill/>
-          <a:ln w="9525">
-            <a:noFill/>
-            <a:miter lim="800000"/>
-            <a:headEnd/>
-            <a:tailEnd/>
-          </a:ln>
-          <a:effectLst/>
-        </p:spPr>
-        <p:txBody>
-          <a:bodyPr wrap="none">
-            <a:spAutoFit/>
-          </a:bodyPr>
-          <a:lstStyle/>
-          <a:p>
-            <a:r>
-              <a:rPr lang="sv-SE" b="1" dirty="0" smtClean="0">
-                <a:latin typeface="Times New Roman" pitchFamily="18" charset="0"/>
-                <a:cs typeface="Times New Roman" pitchFamily="18" charset="0"/>
-              </a:rPr>
-              <a:t>456bereastreet.com</a:t>
-            </a:r>
-            <a:endParaRPr lang="sv-SE" b="1" dirty="0">
-              <a:latin typeface="Times New Roman" pitchFamily="18" charset="0"/>
-              <a:cs typeface="Times New Roman" pitchFamily="18" charset="0"/>
-            </a:endParaRPr>
-          </a:p>
-        </p:txBody>
-      </p:sp>
-      <p:sp>
-        <p:nvSpPr>
-          <p:cNvPr id="12" name="Rectangle 19"/>
-          <p:cNvSpPr>
-            <a:spLocks noChangeArrowheads="1"/>
-          </p:cNvSpPr>
-          <p:nvPr/>
-        </p:nvSpPr>
-        <p:spPr bwMode="auto">
-          <a:xfrm>
-            <a:off x="6477406" y="1728758"/>
-            <a:ext cx="1746632" cy="369332"/>
-          </a:xfrm>
-          <a:prstGeom prst="rect">
-            <a:avLst/>
-          </a:prstGeom>
-          <a:noFill/>
-          <a:ln w="9525">
-            <a:noFill/>
-            <a:miter lim="800000"/>
-            <a:headEnd/>
-            <a:tailEnd/>
-          </a:ln>
-          <a:effectLst/>
-        </p:spPr>
-        <p:txBody>
-          <a:bodyPr wrap="none">
-            <a:spAutoFit/>
-          </a:bodyPr>
-          <a:lstStyle/>
-          <a:p>
-            <a:r>
-              <a:rPr lang="sv-SE" b="1" dirty="0" err="1" smtClean="0">
-                <a:latin typeface="Times New Roman" pitchFamily="18" charset="0"/>
-                <a:cs typeface="Times New Roman" pitchFamily="18" charset="0"/>
-              </a:rPr>
-              <a:t>quirksmode.org</a:t>
-            </a:r>
-            <a:endParaRPr lang="sv-SE" b="1" dirty="0">
-              <a:latin typeface="Times New Roman" pitchFamily="18" charset="0"/>
-              <a:cs typeface="Times New Roman" pitchFamily="18" charset="0"/>
-            </a:endParaRPr>
-          </a:p>
-        </p:txBody>
-      </p:sp>
-      <p:pic>
-        <p:nvPicPr>
-          <p:cNvPr id="13" name="Picture 3"/>
-          <p:cNvPicPr>
-            <a:picLocks noChangeAspect="1" noChangeArrowheads="1"/>
-          </p:cNvPicPr>
-          <p:nvPr/>
-        </p:nvPicPr>
-        <p:blipFill>
-          <a:blip r:embed="rId9" cstate="print"/>
-          <a:srcRect/>
-          <a:stretch>
-            <a:fillRect/>
-          </a:stretch>
-        </p:blipFill>
-        <p:spPr bwMode="auto">
-          <a:xfrm>
-            <a:off x="4248534" y="1704470"/>
-            <a:ext cx="2057400" cy="417909"/>
-          </a:xfrm>
-          <a:prstGeom prst="rect">
-            <a:avLst/>
-          </a:prstGeom>
-          <a:ln>
-            <a:noFill/>
-          </a:ln>
-          <a:effectLst>
-            <a:outerShdw blurRad="190500" algn="tl" rotWithShape="0">
-              <a:srgbClr val="000000">
-                <a:alpha val="70000"/>
-              </a:srgbClr>
-            </a:outerShdw>
-          </a:effectLst>
-        </p:spPr>
-      </p:pic>
-      <p:pic>
-        <p:nvPicPr>
-          <p:cNvPr id="14" name="Picture 2"/>
-          <p:cNvPicPr>
-            <a:picLocks noChangeAspect="1" noChangeArrowheads="1"/>
-          </p:cNvPicPr>
-          <p:nvPr/>
-        </p:nvPicPr>
-        <p:blipFill>
-          <a:blip r:embed="rId10" cstate="print"/>
-          <a:srcRect/>
-          <a:stretch>
-            <a:fillRect/>
-          </a:stretch>
-        </p:blipFill>
-        <p:spPr bwMode="auto">
-          <a:xfrm>
-            <a:off x="4248534" y="2303122"/>
-            <a:ext cx="2077768" cy="865736"/>
-          </a:xfrm>
-          <a:prstGeom prst="rect">
-            <a:avLst/>
-          </a:prstGeom>
-          <a:ln>
-            <a:noFill/>
-          </a:ln>
-          <a:effectLst>
-            <a:outerShdw blurRad="190500" algn="tl" rotWithShape="0">
-              <a:srgbClr val="000000">
-                <a:alpha val="70000"/>
-              </a:srgbClr>
-            </a:outerShdw>
-          </a:effectLst>
-        </p:spPr>
-      </p:pic>
-      <p:sp>
-        <p:nvSpPr>
-          <p:cNvPr id="15" name="Text Box 7"/>
-          <p:cNvSpPr txBox="1">
-            <a:spLocks noChangeArrowheads="1"/>
-          </p:cNvSpPr>
-          <p:nvPr/>
-        </p:nvSpPr>
-        <p:spPr bwMode="auto">
-          <a:xfrm>
-            <a:off x="6496729" y="2551324"/>
-            <a:ext cx="2572499" cy="369332"/>
-          </a:xfrm>
-          <a:prstGeom prst="rect">
-            <a:avLst/>
-          </a:prstGeom>
-          <a:noFill/>
-          <a:ln w="9525">
-            <a:noFill/>
-            <a:miter lim="800000"/>
-            <a:headEnd/>
-            <a:tailEnd/>
-          </a:ln>
-          <a:effectLst/>
-        </p:spPr>
-        <p:txBody>
-          <a:bodyPr wrap="none">
-            <a:spAutoFit/>
-          </a:bodyPr>
-          <a:lstStyle/>
-          <a:p>
-            <a:r>
-              <a:rPr lang="sv-SE" b="1" dirty="0" err="1" smtClean="0">
-                <a:latin typeface="Garamond" pitchFamily="18" charset="0"/>
-              </a:rPr>
-              <a:t>smashingmagazine.com</a:t>
-            </a:r>
-            <a:endParaRPr lang="sv-SE" dirty="0">
-              <a:latin typeface="Garamond" pitchFamily="18" charset="0"/>
-            </a:endParaRPr>
-          </a:p>
-        </p:txBody>
-      </p:sp>
-      <p:pic>
-        <p:nvPicPr>
-          <p:cNvPr id="16" name="Picture 6"/>
-          <p:cNvPicPr>
-            <a:picLocks noChangeAspect="1" noChangeArrowheads="1"/>
-          </p:cNvPicPr>
-          <p:nvPr/>
-        </p:nvPicPr>
-        <p:blipFill>
-          <a:blip r:embed="rId11" cstate="print"/>
-          <a:srcRect/>
-          <a:stretch>
-            <a:fillRect/>
-          </a:stretch>
-        </p:blipFill>
-        <p:spPr bwMode="auto">
-          <a:xfrm>
-            <a:off x="4797491" y="3277296"/>
-            <a:ext cx="979854" cy="1219200"/>
-          </a:xfrm>
-          <a:prstGeom prst="rect">
-            <a:avLst/>
-          </a:prstGeom>
-          <a:noFill/>
-          <a:ln w="9525">
-            <a:noFill/>
-            <a:miter lim="800000"/>
-            <a:headEnd/>
-            <a:tailEnd/>
-          </a:ln>
-          <a:effectLst/>
-        </p:spPr>
-      </p:pic>
-      <p:sp>
-        <p:nvSpPr>
-          <p:cNvPr id="17" name="Text Box 7"/>
-          <p:cNvSpPr txBox="1">
-            <a:spLocks noChangeArrowheads="1"/>
-          </p:cNvSpPr>
-          <p:nvPr/>
-        </p:nvSpPr>
-        <p:spPr bwMode="auto">
-          <a:xfrm>
-            <a:off x="6477406" y="3559964"/>
-            <a:ext cx="1582164" cy="369332"/>
-          </a:xfrm>
-          <a:prstGeom prst="rect">
-            <a:avLst/>
-          </a:prstGeom>
-          <a:noFill/>
-          <a:ln w="9525">
-            <a:noFill/>
-            <a:miter lim="800000"/>
-            <a:headEnd/>
-            <a:tailEnd/>
-          </a:ln>
-          <a:effectLst/>
-        </p:spPr>
-        <p:txBody>
-          <a:bodyPr wrap="none">
-            <a:spAutoFit/>
-          </a:bodyPr>
-          <a:lstStyle/>
-          <a:p>
-            <a:r>
-              <a:rPr lang="sv-SE" b="1" dirty="0" err="1" smtClean="0">
-                <a:latin typeface="Garamond" pitchFamily="18" charset="0"/>
-              </a:rPr>
-              <a:t>alistapart.com</a:t>
-            </a:r>
-            <a:endParaRPr lang="sv-SE" dirty="0">
-              <a:latin typeface="Garamond" pitchFamily="18" charset="0"/>
-            </a:endParaRPr>
-          </a:p>
-        </p:txBody>
-      </p:sp>
-      <p:pic>
-        <p:nvPicPr>
-          <p:cNvPr id="18" name="Picture 2"/>
-          <p:cNvPicPr>
-            <a:picLocks noChangeAspect="1" noChangeArrowheads="1"/>
-          </p:cNvPicPr>
-          <p:nvPr/>
-        </p:nvPicPr>
-        <p:blipFill>
-          <a:blip r:embed="rId12" cstate="print"/>
-          <a:srcRect/>
-          <a:stretch>
-            <a:fillRect/>
-          </a:stretch>
-        </p:blipFill>
-        <p:spPr bwMode="auto">
-          <a:xfrm>
-            <a:off x="7696200" y="4376737"/>
-            <a:ext cx="1238250" cy="1143000"/>
-          </a:xfrm>
-          <a:prstGeom prst="rect">
-            <a:avLst/>
-          </a:prstGeom>
-          <a:noFill/>
-          <a:ln w="9525">
-            <a:noFill/>
-            <a:miter lim="800000"/>
-            <a:headEnd/>
-            <a:tailEnd/>
-          </a:ln>
-        </p:spPr>
-      </p:pic>
-      <p:pic>
-        <p:nvPicPr>
-          <p:cNvPr id="19" name="Picture 3"/>
-          <p:cNvPicPr>
-            <a:picLocks noChangeAspect="1" noChangeArrowheads="1"/>
-          </p:cNvPicPr>
-          <p:nvPr/>
-        </p:nvPicPr>
-        <p:blipFill>
-          <a:blip r:embed="rId13" cstate="print"/>
-          <a:srcRect/>
-          <a:stretch>
-            <a:fillRect/>
-          </a:stretch>
-        </p:blipFill>
-        <p:spPr bwMode="auto">
-          <a:xfrm>
-            <a:off x="6019800" y="4376737"/>
-            <a:ext cx="1724025" cy="523875"/>
-          </a:xfrm>
-          <a:prstGeom prst="rect">
-            <a:avLst/>
-          </a:prstGeom>
-          <a:noFill/>
-          <a:ln w="9525">
-            <a:noFill/>
-            <a:miter lim="800000"/>
-            <a:headEnd/>
-            <a:tailEnd/>
-          </a:ln>
-        </p:spPr>
-      </p:pic>
-      <p:sp>
-        <p:nvSpPr>
-          <p:cNvPr id="20" name="TextBox 19"/>
-          <p:cNvSpPr txBox="1"/>
-          <p:nvPr/>
-        </p:nvSpPr>
-        <p:spPr>
-          <a:xfrm>
-            <a:off x="6014329" y="4833937"/>
-            <a:ext cx="1729961" cy="369332"/>
-          </a:xfrm>
-          <a:prstGeom prst="rect">
-            <a:avLst/>
-          </a:prstGeom>
-          <a:noFill/>
-        </p:spPr>
-        <p:txBody>
-          <a:bodyPr wrap="none" rtlCol="0">
-            <a:spAutoFit/>
-          </a:bodyPr>
-          <a:lstStyle/>
-          <a:p>
-            <a:r>
-              <a:rPr lang="sv-SE" b="1" dirty="0" err="1" smtClean="0">
-                <a:latin typeface="Times New Roman" pitchFamily="18" charset="0"/>
-                <a:cs typeface="Times New Roman" pitchFamily="18" charset="0"/>
-              </a:rPr>
-              <a:t>webbradion.net</a:t>
-            </a:r>
-            <a:endParaRPr lang="sv-SE" b="1" dirty="0">
-              <a:latin typeface="Times New Roman" pitchFamily="18" charset="0"/>
-              <a:cs typeface="Times New Roman" pitchFamily="18" charset="0"/>
-            </a:endParaRPr>
-          </a:p>
-        </p:txBody>
-      </p:sp>
-    </p:spTree>
-    <p:extLst>
-      <p:ext uri="{BB962C8B-B14F-4D97-AF65-F5344CB8AC3E}">
-        <p14:creationId xmlns:p14="http://schemas.microsoft.com/office/powerpoint/2010/main" val="236034563"/>
-      </p:ext>
-    </p:extLst>
-  </p:cSld>
-  <p:clrMapOvr>
-    <a:masterClrMapping/>
-  </p:clrMapOvr>
-  <p:timing>
-    <p:tnLst>
-      <p:par>
-        <p:cTn xmlns:p14="http://schemas.microsoft.com/office/powerpoint/2010/main" id="1" dur="indefinite" restart="never" nodeType="tmRoot">
-          <p:childTnLst>
-            <p:seq concurrent="1" nextAc="seek">
-              <p:cTn id="2" dur="indefinite" nodeType="mainSeq">
-                <p:childTnLst>
-                  <p:par>
-                    <p:cTn id="3" fill="hold">
-                      <p:stCondLst>
-                        <p:cond delay="indefinite"/>
-                        <p:cond evt="onBegin" delay="0">
-                          <p:tn val="2"/>
-                        </p:cond>
-                      </p:stCondLst>
-                      <p:childTnLst>
-                        <p:par>
-                          <p:cTn id="4" fill="hold">
-                            <p:stCondLst>
-                              <p:cond delay="0"/>
-                            </p:stCondLst>
-                            <p:childTnLst>
-                              <p:par>
-                                <p:cTn id="5" presetID="10" presetClass="entr" presetSubtype="0" fill="hold" nodeType="withEffect">
-                                  <p:stCondLst>
-                                    <p:cond delay="0"/>
-                                  </p:stCondLst>
-                                  <p:childTnLst>
-                                    <p:set>
-                                      <p:cBhvr>
-                                        <p:cTn id="6" dur="1" fill="hold">
-                                          <p:stCondLst>
-                                            <p:cond delay="0"/>
-                                          </p:stCondLst>
-                                        </p:cTn>
-                                        <p:tgtEl>
-                                          <p:spTgt spid="10"/>
-                                        </p:tgtEl>
-                                        <p:attrNameLst>
-                                          <p:attrName>style.visibility</p:attrName>
-                                        </p:attrNameLst>
-                                      </p:cBhvr>
-                                      <p:to>
-                                        <p:strVal val="visible"/>
-                                      </p:to>
-                                    </p:set>
-                                    <p:animEffect transition="in" filter="fade">
-                                      <p:cBhvr>
-                                        <p:cTn id="7" dur="2000"/>
-                                        <p:tgtEl>
-                                          <p:spTgt spid="10"/>
-                                        </p:tgtEl>
-                                      </p:cBhvr>
-                                    </p:animEffect>
-                                  </p:childTnLst>
-                                </p:cTn>
-                              </p:par>
-                              <p:par>
-                                <p:cTn id="8" presetID="10" presetClass="entr" presetSubtype="0" fill="hold" grpId="0" nodeType="withEffect">
-                                  <p:stCondLst>
-                                    <p:cond delay="0"/>
-                                  </p:stCondLst>
-                                  <p:childTnLst>
-                                    <p:set>
-                                      <p:cBhvr>
-                                        <p:cTn id="9" dur="1" fill="hold">
-                                          <p:stCondLst>
-                                            <p:cond delay="0"/>
-                                          </p:stCondLst>
-                                        </p:cTn>
-                                        <p:tgtEl>
-                                          <p:spTgt spid="11"/>
-                                        </p:tgtEl>
-                                        <p:attrNameLst>
-                                          <p:attrName>style.visibility</p:attrName>
-                                        </p:attrNameLst>
-                                      </p:cBhvr>
-                                      <p:to>
-                                        <p:strVal val="visible"/>
-                                      </p:to>
-                                    </p:set>
-                                    <p:animEffect transition="in" filter="fade">
-                                      <p:cBhvr>
-                                        <p:cTn id="10" dur="2000"/>
-                                        <p:tgtEl>
-                                          <p:spTgt spid="11"/>
-                                        </p:tgtEl>
-                                      </p:cBhvr>
-                                    </p:animEffect>
-                                  </p:childTnLst>
-                                </p:cTn>
-                              </p:par>
-                              <p:par>
-                                <p:cTn id="11" presetID="10" presetClass="entr" presetSubtype="0" fill="hold" grpId="0" nodeType="withEffect">
-                                  <p:stCondLst>
-                                    <p:cond delay="0"/>
-                                  </p:stCondLst>
-                                  <p:childTnLst>
-                                    <p:set>
-                                      <p:cBhvr>
-                                        <p:cTn id="12" dur="1" fill="hold">
-                                          <p:stCondLst>
-                                            <p:cond delay="0"/>
-                                          </p:stCondLst>
-                                        </p:cTn>
-                                        <p:tgtEl>
-                                          <p:spTgt spid="12"/>
-                                        </p:tgtEl>
-                                        <p:attrNameLst>
-                                          <p:attrName>style.visibility</p:attrName>
-                                        </p:attrNameLst>
-                                      </p:cBhvr>
-                                      <p:to>
-                                        <p:strVal val="visible"/>
-                                      </p:to>
-                                    </p:set>
-                                    <p:animEffect transition="in" filter="fade">
-                                      <p:cBhvr>
-                                        <p:cTn id="13" dur="2000"/>
-                                        <p:tgtEl>
-                                          <p:spTgt spid="12"/>
-                                        </p:tgtEl>
-                                      </p:cBhvr>
-                                    </p:animEffect>
-                                  </p:childTnLst>
-                                </p:cTn>
-                              </p:par>
-                              <p:par>
-                                <p:cTn id="14" presetID="10" presetClass="entr" presetSubtype="0" fill="hold" nodeType="withEffect">
-                                  <p:stCondLst>
-                                    <p:cond delay="0"/>
-                                  </p:stCondLst>
-                                  <p:childTnLst>
-                                    <p:set>
-                                      <p:cBhvr>
-                                        <p:cTn id="15" dur="1" fill="hold">
-                                          <p:stCondLst>
-                                            <p:cond delay="0"/>
-                                          </p:stCondLst>
-                                        </p:cTn>
-                                        <p:tgtEl>
-                                          <p:spTgt spid="13"/>
-                                        </p:tgtEl>
-                                        <p:attrNameLst>
-                                          <p:attrName>style.visibility</p:attrName>
-                                        </p:attrNameLst>
-                                      </p:cBhvr>
-                                      <p:to>
-                                        <p:strVal val="visible"/>
-                                      </p:to>
-                                    </p:set>
-                                    <p:animEffect transition="in" filter="fade">
-                                      <p:cBhvr>
-                                        <p:cTn id="16" dur="2000"/>
-                                        <p:tgtEl>
-                                          <p:spTgt spid="13"/>
-                                        </p:tgtEl>
-                                      </p:cBhvr>
-                                    </p:animEffect>
-                                  </p:childTnLst>
-                                </p:cTn>
-                              </p:par>
-                              <p:par>
-                                <p:cTn id="17" presetID="10" presetClass="entr" presetSubtype="0" fill="hold" nodeType="withEffect">
-                                  <p:stCondLst>
-                                    <p:cond delay="0"/>
-                                  </p:stCondLst>
-                                  <p:childTnLst>
-                                    <p:set>
-                                      <p:cBhvr>
-                                        <p:cTn id="18" dur="1" fill="hold">
-                                          <p:stCondLst>
-                                            <p:cond delay="0"/>
-                                          </p:stCondLst>
-                                        </p:cTn>
-                                        <p:tgtEl>
-                                          <p:spTgt spid="14"/>
-                                        </p:tgtEl>
-                                        <p:attrNameLst>
-                                          <p:attrName>style.visibility</p:attrName>
-                                        </p:attrNameLst>
-                                      </p:cBhvr>
-                                      <p:to>
-                                        <p:strVal val="visible"/>
-                                      </p:to>
-                                    </p:set>
-                                    <p:animEffect transition="in" filter="fade">
-                                      <p:cBhvr>
-                                        <p:cTn id="19" dur="2000"/>
-                                        <p:tgtEl>
-                                          <p:spTgt spid="14"/>
-                                        </p:tgtEl>
-                                      </p:cBhvr>
-                                    </p:animEffect>
-                                  </p:childTnLst>
-                                </p:cTn>
-                              </p:par>
-                              <p:par>
-                                <p:cTn id="20" presetID="10" presetClass="entr" presetSubtype="0" fill="hold" grpId="0" nodeType="withEffect">
-                                  <p:stCondLst>
-                                    <p:cond delay="0"/>
-                                  </p:stCondLst>
-                                  <p:childTnLst>
-                                    <p:set>
-                                      <p:cBhvr>
-                                        <p:cTn id="21" dur="1" fill="hold">
-                                          <p:stCondLst>
-                                            <p:cond delay="0"/>
-                                          </p:stCondLst>
-                                        </p:cTn>
-                                        <p:tgtEl>
-                                          <p:spTgt spid="15"/>
-                                        </p:tgtEl>
-                                        <p:attrNameLst>
-                                          <p:attrName>style.visibility</p:attrName>
-                                        </p:attrNameLst>
-                                      </p:cBhvr>
-                                      <p:to>
-                                        <p:strVal val="visible"/>
-                                      </p:to>
-                                    </p:set>
-                                    <p:animEffect transition="in" filter="fade">
-                                      <p:cBhvr>
-                                        <p:cTn id="22" dur="2000"/>
-                                        <p:tgtEl>
-                                          <p:spTgt spid="15"/>
-                                        </p:tgtEl>
-                                      </p:cBhvr>
-                                    </p:animEffect>
-                                  </p:childTnLst>
-                                </p:cTn>
-                              </p:par>
-                              <p:par>
-                                <p:cTn id="23" presetID="10" presetClass="entr" presetSubtype="0" fill="hold" nodeType="withEffect">
-                                  <p:stCondLst>
-                                    <p:cond delay="0"/>
-                                  </p:stCondLst>
-                                  <p:childTnLst>
-                                    <p:set>
-                                      <p:cBhvr>
-                                        <p:cTn id="24" dur="1" fill="hold">
-                                          <p:stCondLst>
-                                            <p:cond delay="0"/>
-                                          </p:stCondLst>
-                                        </p:cTn>
-                                        <p:tgtEl>
-                                          <p:spTgt spid="16"/>
-                                        </p:tgtEl>
-                                        <p:attrNameLst>
-                                          <p:attrName>style.visibility</p:attrName>
-                                        </p:attrNameLst>
-                                      </p:cBhvr>
-                                      <p:to>
-                                        <p:strVal val="visible"/>
-                                      </p:to>
-                                    </p:set>
-                                    <p:animEffect transition="in" filter="fade">
-                                      <p:cBhvr>
-                                        <p:cTn id="25" dur="2000"/>
-                                        <p:tgtEl>
-                                          <p:spTgt spid="16"/>
-                                        </p:tgtEl>
-                                      </p:cBhvr>
-                                    </p:animEffect>
-                                  </p:childTnLst>
-                                </p:cTn>
-                              </p:par>
-                              <p:par>
-                                <p:cTn id="26" presetID="10" presetClass="entr" presetSubtype="0" fill="hold" grpId="0" nodeType="withEffect">
-                                  <p:stCondLst>
-                                    <p:cond delay="0"/>
-                                  </p:stCondLst>
-                                  <p:childTnLst>
-                                    <p:set>
-                                      <p:cBhvr>
-                                        <p:cTn id="27" dur="1" fill="hold">
-                                          <p:stCondLst>
-                                            <p:cond delay="0"/>
-                                          </p:stCondLst>
-                                        </p:cTn>
-                                        <p:tgtEl>
-                                          <p:spTgt spid="17"/>
-                                        </p:tgtEl>
-                                        <p:attrNameLst>
-                                          <p:attrName>style.visibility</p:attrName>
-                                        </p:attrNameLst>
-                                      </p:cBhvr>
-                                      <p:to>
-                                        <p:strVal val="visible"/>
-                                      </p:to>
-                                    </p:set>
-                                    <p:animEffect transition="in" filter="fade">
-                                      <p:cBhvr>
-                                        <p:cTn id="28" dur="2000"/>
-                                        <p:tgtEl>
-                                          <p:spTgt spid="17"/>
-                                        </p:tgtEl>
-                                      </p:cBhvr>
-                                    </p:animEffect>
-                                  </p:childTnLst>
-                                </p:cTn>
-                              </p:par>
-                            </p:childTnLst>
-                          </p:cTn>
-                        </p:par>
-                      </p:childTnLst>
-                    </p:cTn>
-                  </p:par>
-                </p:childTnLst>
-              </p:cTn>
-              <p:prevCondLst>
-                <p:cond evt="onPrev" delay="0">
-                  <p:tgtEl>
-                    <p:sldTgt/>
-                  </p:tgtEl>
-                </p:cond>
-              </p:prevCondLst>
-              <p:nextCondLst>
-                <p:cond evt="onNext" delay="0">
-                  <p:tgtEl>
-                    <p:sldTgt/>
-                  </p:tgtEl>
-                </p:cond>
-              </p:nextCondLst>
-            </p:seq>
-          </p:childTnLst>
-        </p:cTn>
-      </p:par>
-    </p:tnLst>
-    <p:bldLst>
-      <p:bldP spid="11" grpId="0"/>
-      <p:bldP spid="12" grpId="0"/>
-      <p:bldP spid="15" grpId="0"/>
-      <p:bldP spid="17" grpId="0"/>
-    </p:bldLst>
   </p:timing>
 </p:sld>
 </file>
@@ -20267,7 +18247,21 @@
                 <a:latin typeface="Minya Nouvelle" charset="0"/>
                 <a:cs typeface="Courier New" pitchFamily="49" charset="0"/>
               </a:rPr>
-              <a:t>2000/2003/2008 server </a:t>
+              <a:t>2000/2003/</a:t>
+            </a:r>
+            <a:r>
+              <a:rPr lang="sv-SE" dirty="0" smtClean="0">
+                <a:latin typeface="Minya Nouvelle" charset="0"/>
+                <a:cs typeface="Courier New" pitchFamily="49" charset="0"/>
+              </a:rPr>
+              <a:t>2008/2012 </a:t>
+            </a:r>
+            <a:r>
+              <a:rPr lang="sv-SE" dirty="0" smtClean="0">
+                <a:latin typeface="Minya Nouvelle" charset="0"/>
+                <a:cs typeface="Courier New" pitchFamily="49" charset="0"/>
+              </a:rPr>
+              <a:t>server </a:t>
             </a:r>
           </a:p>
           <a:p>
@@ -20283,7 +18277,14 @@
                 <a:latin typeface="Minya Nouvelle" charset="0"/>
                 <a:cs typeface="Courier New" pitchFamily="49" charset="0"/>
               </a:rPr>
-              <a:t> Ingår i XP, Vista Pro och 7 Pro</a:t>
+              <a:t> Ingår i XP, Vista Pro och 7 </a:t>
+            </a:r>
+            <a:r>
+              <a:rPr lang="sv-SE" dirty="0" smtClean="0">
+                <a:latin typeface="Minya Nouvelle" charset="0"/>
+                <a:cs typeface="Courier New" pitchFamily="49" charset="0"/>
+              </a:rPr>
+              <a:t>Pro, Windows 8</a:t>
             </a:r>
             <a:endParaRPr lang="sv-SE" sz="2400" dirty="0">
               <a:latin typeface="Minya Nouvelle" charset="0"/>
@@ -21345,7 +19346,7 @@
               <a:rPr lang="sv-SE" b="1" dirty="0" smtClean="0">
                 <a:latin typeface="Minya Nouvelle" pitchFamily="2" charset="0"/>
               </a:rPr>
-              <a:t>Blink, ~ 43%</a:t>
+              <a:t>Blink, ~ 45%</a:t>
             </a:r>
             <a:endParaRPr lang="sv-SE" b="1" dirty="0" smtClean="0">
               <a:latin typeface="Minya Nouvelle" pitchFamily="2" charset="0"/>
@@ -21445,7 +19446,7 @@
         <p:spPr>
           <a:xfrm>
             <a:off x="4499992" y="3567831"/>
-            <a:ext cx="1636273" cy="369332"/>
+            <a:ext cx="1764651" cy="369332"/>
           </a:xfrm>
           <a:prstGeom prst="rect">
             <a:avLst/>
@@ -21474,13 +19475,13 @@
               <a:rPr lang="sv-SE" b="1" dirty="0" smtClean="0">
                 <a:latin typeface="Minya Nouvelle" pitchFamily="2" charset="0"/>
               </a:rPr>
-              <a:t>~ </a:t>
+              <a:t>~ 10</a:t>
             </a:r>
             <a:r>
               <a:rPr lang="sv-SE" b="1" dirty="0" smtClean="0">
                 <a:latin typeface="Minya Nouvelle" pitchFamily="2" charset="0"/>
               </a:rPr>
-              <a:t>9%</a:t>
+              <a:t>%</a:t>
             </a:r>
             <a:endParaRPr lang="sv-SE" b="1" dirty="0" smtClean="0">
               <a:latin typeface="Minya Nouvelle" pitchFamily="2" charset="0"/>

--- a/Föreläsningar/F04 - Webbteknik.pptx
+++ b/Föreläsningar/F04 - Webbteknik.pptx
@@ -228,7 +228,7 @@
             <a:fld id="{D591C14E-198E-48A7-ABEC-7FB80E868E55}" type="datetimeFigureOut">
               <a:rPr lang="sv-SE" smtClean="0"/>
               <a:pPr/>
-              <a:t>2013-09-24</a:t>
+              <a:t>2014-09-23</a:t>
             </a:fld>
             <a:endParaRPr lang="sv-SE"/>
           </a:p>
@@ -395,7 +395,7 @@
             <a:fld id="{188BB863-C913-48B5-BD1A-638D82A0C76B}" type="datetimeFigureOut">
               <a:rPr lang="sv-SE" smtClean="0"/>
               <a:pPr/>
-              <a:t>2013-09-24</a:t>
+              <a:t>2014-09-23</a:t>
             </a:fld>
             <a:endParaRPr lang="sv-SE"/>
           </a:p>
@@ -7627,11 +7627,7 @@
           <a:p>
             <a:r>
               <a:rPr lang="sv-SE" b="1" dirty="0" smtClean="0"/>
-              <a:t>F04 – </a:t>
-            </a:r>
-            <a:r>
-              <a:rPr lang="sv-SE" b="1" dirty="0" smtClean="0"/>
-              <a:t>Webbteknik</a:t>
+              <a:t>F04 – Webbteknik</a:t>
             </a:r>
             <a:endParaRPr lang="sv-SE" b="1" dirty="0"/>
           </a:p>
@@ -7669,7 +7665,7 @@
               <a:rPr lang="sv-SE" sz="2800" b="1" dirty="0" smtClean="0">
                 <a:latin typeface="Minya Nouvelle" pitchFamily="2" charset="0"/>
               </a:rPr>
-              <a:t>HT2013</a:t>
+              <a:t>HT2014</a:t>
             </a:r>
             <a:endParaRPr lang="sv-SE" sz="2800" b="1" dirty="0" smtClean="0">
               <a:latin typeface="Minya Nouvelle" pitchFamily="2" charset="0"/>
@@ -7682,53 +7678,9 @@
               </a:rPr>
               <a:t>Webbteknik</a:t>
             </a:r>
-            <a:endParaRPr lang="sv-SE" sz="2800" dirty="0" smtClean="0">
-              <a:latin typeface="Minya Nouvelle" pitchFamily="2" charset="0"/>
-            </a:endParaRPr>
           </a:p>
         </p:txBody>
       </p:sp>
-      <p:pic>
-        <p:nvPicPr>
-          <p:cNvPr id="115714" name="Picture 2" descr="C:\Dropbox\Avatar\Avatar228x228.jpg"/>
-          <p:cNvPicPr>
-            <a:picLocks noChangeAspect="1" noChangeArrowheads="1"/>
-          </p:cNvPicPr>
-          <p:nvPr/>
-        </p:nvPicPr>
-        <p:blipFill>
-          <a:blip r:embed="rId2">
-            <a:extLst>
-              <a:ext uri="{28A0092B-C50C-407E-A947-70E740481C1C}">
-                <a14:useLocalDpi xmlns:a14="http://schemas.microsoft.com/office/drawing/2010/main" val="0"/>
-              </a:ext>
-            </a:extLst>
-          </a:blip>
-          <a:srcRect/>
-          <a:stretch>
-            <a:fillRect/>
-          </a:stretch>
-        </p:blipFill>
-        <p:spPr bwMode="auto">
-          <a:xfrm>
-            <a:off x="6156176" y="2785492"/>
-            <a:ext cx="2088232" cy="2088232"/>
-          </a:xfrm>
-          <a:prstGeom prst="rect">
-            <a:avLst/>
-          </a:prstGeom>
-          <a:noFill/>
-          <a:extLst>
-            <a:ext uri="{909E8E84-426E-40dd-AFC4-6F175D3DCCD1}">
-              <a14:hiddenFill xmlns:a14="http://schemas.microsoft.com/office/drawing/2010/main">
-                <a:solidFill>
-                  <a:srgbClr val="FFFFFF"/>
-                </a:solidFill>
-              </a14:hiddenFill>
-            </a:ext>
-          </a:extLst>
-        </p:spPr>
-      </p:pic>
       <p:sp>
         <p:nvSpPr>
           <p:cNvPr id="4" name="TextBox 3"/>
@@ -7761,6 +7713,36 @@
           </a:p>
         </p:txBody>
       </p:sp>
+      <p:pic>
+        <p:nvPicPr>
+          <p:cNvPr id="6" name="Picture 5" descr="square.jpg"/>
+          <p:cNvPicPr>
+            <a:picLocks noChangeAspect="1"/>
+          </p:cNvPicPr>
+          <p:nvPr/>
+        </p:nvPicPr>
+        <p:blipFill>
+          <a:blip r:embed="rId2" cstate="print">
+            <a:extLst>
+              <a:ext uri="{28A0092B-C50C-407E-A947-70E740481C1C}">
+                <a14:useLocalDpi xmlns:a14="http://schemas.microsoft.com/office/drawing/2010/main" val="0"/>
+              </a:ext>
+            </a:extLst>
+          </a:blip>
+          <a:stretch>
+            <a:fillRect/>
+          </a:stretch>
+        </p:blipFill>
+        <p:spPr>
+          <a:xfrm>
+            <a:off x="6075837" y="2785492"/>
+            <a:ext cx="2096563" cy="2096563"/>
+          </a:xfrm>
+          <a:prstGeom prst="rect">
+            <a:avLst/>
+          </a:prstGeom>
+        </p:spPr>
+      </p:pic>
     </p:spTree>
     <p:extLst>
       <p:ext uri="{BB962C8B-B14F-4D97-AF65-F5344CB8AC3E}">
@@ -8184,7 +8166,6 @@
               <a:rPr lang="sv-SE" dirty="0"/>
               <a:t>/L1xeOj</a:t>
             </a:r>
-            <a:endParaRPr lang="sv-SE" dirty="0"/>
           </a:p>
         </p:txBody>
       </p:sp>
@@ -10386,21 +10367,7 @@
                 <a:latin typeface="Times New Roman" pitchFamily="18" charset="0"/>
                 <a:cs typeface="Times New Roman" pitchFamily="18" charset="0"/>
               </a:rPr>
-              <a:t>	Hörselskador (</a:t>
-            </a:r>
-            <a:r>
-              <a:rPr lang="sv-SE" sz="1600" dirty="0" smtClean="0">
-                <a:latin typeface="Times New Roman" pitchFamily="18" charset="0"/>
-                <a:cs typeface="Times New Roman" pitchFamily="18" charset="0"/>
-              </a:rPr>
-              <a:t>~600 </a:t>
-            </a:r>
-            <a:r>
-              <a:rPr lang="sv-SE" sz="1600" dirty="0" smtClean="0">
-                <a:latin typeface="Times New Roman" pitchFamily="18" charset="0"/>
-                <a:cs typeface="Times New Roman" pitchFamily="18" charset="0"/>
-              </a:rPr>
-              <a:t>000)</a:t>
+              <a:t>	Hörselskador (~600 000)</a:t>
             </a:r>
             <a:r>
               <a:rPr lang="sv-SE" sz="1600" dirty="0">
@@ -10445,21 +10412,7 @@
                 <a:latin typeface="Times New Roman" pitchFamily="18" charset="0"/>
                 <a:cs typeface="Times New Roman" pitchFamily="18" charset="0"/>
               </a:rPr>
-              <a:t>) (~</a:t>
-            </a:r>
-            <a:r>
-              <a:rPr lang="sv-SE" sz="1600" dirty="0" smtClean="0">
-                <a:latin typeface="Times New Roman" pitchFamily="18" charset="0"/>
-                <a:cs typeface="Times New Roman" pitchFamily="18" charset="0"/>
-              </a:rPr>
-              <a:t>120 </a:t>
-            </a:r>
-            <a:r>
-              <a:rPr lang="sv-SE" sz="1600" dirty="0" smtClean="0">
-                <a:latin typeface="Times New Roman" pitchFamily="18" charset="0"/>
-                <a:cs typeface="Times New Roman" pitchFamily="18" charset="0"/>
-              </a:rPr>
-              <a:t>000)</a:t>
+              <a:t>) (~120 000)</a:t>
             </a:r>
             <a:r>
               <a:rPr lang="sv-SE" sz="1600" dirty="0">
@@ -10490,21 +10443,7 @@
                 <a:latin typeface="Times New Roman" pitchFamily="18" charset="0"/>
                 <a:cs typeface="Times New Roman" pitchFamily="18" charset="0"/>
               </a:rPr>
-              <a:t>	Rörelsehinder (</a:t>
-            </a:r>
-            <a:r>
-              <a:rPr lang="sv-SE" sz="1600" dirty="0" smtClean="0">
-                <a:latin typeface="Times New Roman" pitchFamily="18" charset="0"/>
-                <a:cs typeface="Times New Roman" pitchFamily="18" charset="0"/>
-              </a:rPr>
-              <a:t>~1 330 </a:t>
-            </a:r>
-            <a:r>
-              <a:rPr lang="sv-SE" sz="1600" dirty="0" smtClean="0">
-                <a:latin typeface="Times New Roman" pitchFamily="18" charset="0"/>
-                <a:cs typeface="Times New Roman" pitchFamily="18" charset="0"/>
-              </a:rPr>
-              <a:t>000)</a:t>
+              <a:t>	Rörelsehinder (~1 330 000)</a:t>
             </a:r>
             <a:endParaRPr lang="sv-SE" sz="1600" dirty="0">
               <a:latin typeface="Times New Roman" pitchFamily="18" charset="0"/>
@@ -10941,7 +10880,6 @@
               <a:rPr lang="sv-SE" sz="1600" i="1" dirty="0"/>
               <a:t>/</a:t>
             </a:r>
-            <a:endParaRPr lang="sv-SE" sz="1600" i="1" dirty="0"/>
           </a:p>
         </p:txBody>
       </p:sp>
@@ -12072,11 +12010,7 @@
           <a:p>
             <a:r>
               <a:rPr lang="sv-SE" b="1" dirty="0" smtClean="0"/>
-              <a:t>F04 </a:t>
-            </a:r>
-            <a:r>
-              <a:rPr lang="sv-SE" b="1" dirty="0" smtClean="0"/>
-              <a:t>–Webbteknik</a:t>
+              <a:t>F04 –Webbteknik</a:t>
             </a:r>
             <a:endParaRPr lang="sv-SE" b="1" dirty="0"/>
           </a:p>
@@ -12137,13 +12071,7 @@
               <a:rPr lang="sv-SE" dirty="0" smtClean="0">
                 <a:latin typeface="Minya Nouvelle" pitchFamily="2" charset="0"/>
               </a:rPr>
-              <a:t>Port </a:t>
-            </a:r>
-            <a:r>
-              <a:rPr lang="sv-SE" dirty="0" smtClean="0">
-                <a:latin typeface="Minya Nouvelle" pitchFamily="2" charset="0"/>
-              </a:rPr>
-              <a:t>80</a:t>
+              <a:t>Port 80</a:t>
             </a:r>
           </a:p>
           <a:p>
@@ -12211,13 +12139,7 @@
               <a:rPr lang="sv-SE" dirty="0" smtClean="0">
                 <a:latin typeface="Minya Nouvelle" pitchFamily="2" charset="0"/>
               </a:rPr>
-              <a:t>Från SGML till </a:t>
-            </a:r>
-            <a:r>
-              <a:rPr lang="sv-SE" dirty="0" smtClean="0">
-                <a:latin typeface="Minya Nouvelle" pitchFamily="2" charset="0"/>
-              </a:rPr>
-              <a:t>HTML5</a:t>
+              <a:t>Från SGML till HTML5</a:t>
             </a:r>
           </a:p>
           <a:p>
@@ -17017,21 +16939,7 @@
                 <a:latin typeface="Times New Roman" pitchFamily="18" charset="0"/>
                 <a:cs typeface="Times New Roman" pitchFamily="18" charset="0"/>
               </a:rPr>
-              <a:t> toolbar </a:t>
-            </a:r>
-            <a:r>
-              <a:rPr lang="sv-SE" sz="1800" b="1" dirty="0" smtClean="0">
-                <a:latin typeface="Times New Roman" pitchFamily="18" charset="0"/>
-                <a:cs typeface="Times New Roman" pitchFamily="18" charset="0"/>
-              </a:rPr>
-              <a:t>(browser </a:t>
-            </a:r>
-            <a:r>
-              <a:rPr lang="sv-SE" sz="1800" b="1" dirty="0" smtClean="0">
-                <a:latin typeface="Times New Roman" pitchFamily="18" charset="0"/>
-                <a:cs typeface="Times New Roman" pitchFamily="18" charset="0"/>
-              </a:rPr>
-              <a:t>plugin): </a:t>
+              <a:t> toolbar (browser plugin): </a:t>
             </a:r>
             <a:br>
               <a:rPr lang="sv-SE" sz="1800" b="1" dirty="0" smtClean="0">
@@ -17783,17 +17691,8 @@
               <a:rPr lang="sv-SE" dirty="0" smtClean="0">
                 <a:latin typeface="Minya Nouvelle" pitchFamily="2" charset="0"/>
               </a:rPr>
-              <a:t> </a:t>
-            </a:r>
-            <a:r>
-              <a:rPr lang="sv-SE" dirty="0" smtClean="0">
-                <a:latin typeface="Minya Nouvelle" pitchFamily="2" charset="0"/>
-              </a:rPr>
-              <a:t>2013-09-24</a:t>
-            </a:r>
-            <a:endParaRPr lang="sv-SE" dirty="0" smtClean="0">
-              <a:latin typeface="Minya Nouvelle" pitchFamily="2" charset="0"/>
-            </a:endParaRPr>
+              <a:t> 2013-09-24</a:t>
+            </a:r>
           </a:p>
         </p:txBody>
       </p:sp>
@@ -18247,21 +18146,7 @@
                 <a:latin typeface="Minya Nouvelle" charset="0"/>
                 <a:cs typeface="Courier New" pitchFamily="49" charset="0"/>
               </a:rPr>
-              <a:t>2000/2003/</a:t>
-            </a:r>
-            <a:r>
-              <a:rPr lang="sv-SE" dirty="0" smtClean="0">
-                <a:latin typeface="Minya Nouvelle" charset="0"/>
-                <a:cs typeface="Courier New" pitchFamily="49" charset="0"/>
-              </a:rPr>
-              <a:t>2008/2012 </a:t>
-            </a:r>
-            <a:r>
-              <a:rPr lang="sv-SE" dirty="0" smtClean="0">
-                <a:latin typeface="Minya Nouvelle" charset="0"/>
-                <a:cs typeface="Courier New" pitchFamily="49" charset="0"/>
-              </a:rPr>
-              <a:t>server </a:t>
+              <a:t>2000/2003/2008/2012 server </a:t>
             </a:r>
           </a:p>
           <a:p>
@@ -18277,14 +18162,7 @@
                 <a:latin typeface="Minya Nouvelle" charset="0"/>
                 <a:cs typeface="Courier New" pitchFamily="49" charset="0"/>
               </a:rPr>
-              <a:t> Ingår i XP, Vista Pro och 7 </a:t>
-            </a:r>
-            <a:r>
-              <a:rPr lang="sv-SE" dirty="0" smtClean="0">
-                <a:latin typeface="Minya Nouvelle" charset="0"/>
-                <a:cs typeface="Courier New" pitchFamily="49" charset="0"/>
-              </a:rPr>
-              <a:t>Pro, Windows 8</a:t>
+              <a:t> Ingår i XP, Vista Pro och 7 Pro, Windows 8</a:t>
             </a:r>
             <a:endParaRPr lang="sv-SE" sz="2400" dirty="0">
               <a:latin typeface="Minya Nouvelle" charset="0"/>
@@ -18950,36 +18828,15 @@
               <a:rPr lang="sv-SE" dirty="0" smtClean="0">
                 <a:latin typeface="Minya Nouvelle" charset="0"/>
               </a:rPr>
-              <a:t>&lt; </a:t>
-            </a:r>
+              <a:t>&lt; 1%</a:t>
+            </a:r>
+          </a:p>
+          <a:p>
             <a:r>
               <a:rPr lang="sv-SE" dirty="0" smtClean="0">
                 <a:latin typeface="Minya Nouvelle" charset="0"/>
               </a:rPr>
-              <a:t>1%</a:t>
-            </a:r>
-            <a:endParaRPr lang="sv-SE" dirty="0" smtClean="0">
-              <a:latin typeface="Minya Nouvelle" charset="0"/>
-            </a:endParaRPr>
-          </a:p>
-          <a:p>
-            <a:r>
-              <a:rPr lang="sv-SE" dirty="0" smtClean="0">
-                <a:latin typeface="Minya Nouvelle" charset="0"/>
-              </a:rPr>
-              <a:t>IE8.0 	~ </a:t>
-            </a:r>
-            <a:r>
-              <a:rPr lang="sv-SE" dirty="0" smtClean="0">
-                <a:latin typeface="Minya Nouvelle" charset="0"/>
-              </a:rPr>
-              <a:t>9%</a:t>
-            </a:r>
-            <a:r>
-              <a:rPr lang="sv-SE" dirty="0" smtClean="0">
-                <a:latin typeface="Minya Nouvelle" charset="0"/>
-              </a:rPr>
-              <a:t/>
+              <a:t>IE8.0 	~ 9%</a:t>
             </a:r>
             <a:br>
               <a:rPr lang="sv-SE" dirty="0" smtClean="0">
@@ -18990,13 +18847,7 @@
               <a:rPr lang="sv-SE" dirty="0" smtClean="0">
                 <a:latin typeface="Minya Nouvelle" charset="0"/>
               </a:rPr>
-              <a:t>IE9.0	~ </a:t>
-            </a:r>
-            <a:r>
-              <a:rPr lang="sv-SE" dirty="0" smtClean="0">
-                <a:latin typeface="Minya Nouvelle" charset="0"/>
-              </a:rPr>
-              <a:t>13%</a:t>
+              <a:t>IE9.0	~ 13%</a:t>
             </a:r>
             <a:br>
               <a:rPr lang="sv-SE" dirty="0" smtClean="0">
@@ -19007,13 +18858,7 @@
               <a:rPr lang="sv-SE" dirty="0" smtClean="0">
                 <a:latin typeface="Minya Nouvelle" charset="0"/>
               </a:rPr>
-              <a:t>IE10.0	</a:t>
-            </a:r>
-            <a:r>
-              <a:rPr lang="sv-SE" dirty="0" smtClean="0">
-                <a:latin typeface="Minya Nouvelle" charset="0"/>
-              </a:rPr>
-              <a:t>~ 4%</a:t>
+              <a:t>IE10.0	~ 4%</a:t>
             </a:r>
             <a:endParaRPr lang="sv-SE" dirty="0">
               <a:latin typeface="Minya Nouvelle" charset="0"/>
@@ -19047,19 +18892,7 @@
               <a:rPr lang="sv-SE" b="1" dirty="0" smtClean="0">
                 <a:latin typeface="Minya Nouvelle" pitchFamily="2" charset="0"/>
               </a:rPr>
-              <a:t>Trident, </a:t>
-            </a:r>
-            <a:r>
-              <a:rPr lang="sv-SE" b="1" dirty="0" smtClean="0">
-                <a:latin typeface="Minya Nouvelle" pitchFamily="2" charset="0"/>
-              </a:rPr>
-              <a:t>~ 25</a:t>
-            </a:r>
-            <a:r>
-              <a:rPr lang="sv-SE" b="1" dirty="0" smtClean="0">
-                <a:latin typeface="Minya Nouvelle" pitchFamily="2" charset="0"/>
-              </a:rPr>
-              <a:t>%</a:t>
+              <a:t>Trident, ~ 25%</a:t>
             </a:r>
           </a:p>
         </p:txBody>
@@ -19090,17 +18923,8 @@
               <a:rPr lang="sv-SE" b="1" dirty="0" smtClean="0">
                 <a:latin typeface="Minya Nouvelle" pitchFamily="2" charset="0"/>
               </a:rPr>
-              <a:t>Gecko, </a:t>
-            </a:r>
-            <a:r>
-              <a:rPr lang="sv-SE" b="1" dirty="0" smtClean="0">
-                <a:latin typeface="Minya Nouvelle" pitchFamily="2" charset="0"/>
-              </a:rPr>
-              <a:t>~ 20%</a:t>
-            </a:r>
-            <a:endParaRPr lang="sv-SE" b="1" dirty="0" smtClean="0">
-              <a:latin typeface="Minya Nouvelle" pitchFamily="2" charset="0"/>
-            </a:endParaRPr>
+              <a:t>Gecko, ~ 20%</a:t>
+            </a:r>
           </a:p>
         </p:txBody>
       </p:sp>
@@ -19348,9 +19172,6 @@
               </a:rPr>
               <a:t>Blink, ~ 45%</a:t>
             </a:r>
-            <a:endParaRPr lang="sv-SE" b="1" dirty="0" smtClean="0">
-              <a:latin typeface="Minya Nouvelle" pitchFamily="2" charset="0"/>
-            </a:endParaRPr>
           </a:p>
         </p:txBody>
       </p:sp>
@@ -19469,23 +19290,8 @@
               <a:rPr lang="sv-SE" b="1" dirty="0" smtClean="0">
                 <a:latin typeface="Minya Nouvelle" pitchFamily="2" charset="0"/>
               </a:rPr>
-              <a:t>, </a:t>
-            </a:r>
-            <a:r>
-              <a:rPr lang="sv-SE" b="1" dirty="0" smtClean="0">
-                <a:latin typeface="Minya Nouvelle" pitchFamily="2" charset="0"/>
-              </a:rPr>
-              <a:t>~ 10</a:t>
-            </a:r>
-            <a:r>
-              <a:rPr lang="sv-SE" b="1" dirty="0" smtClean="0">
-                <a:latin typeface="Minya Nouvelle" pitchFamily="2" charset="0"/>
-              </a:rPr>
-              <a:t>%</a:t>
-            </a:r>
-            <a:endParaRPr lang="sv-SE" b="1" dirty="0" smtClean="0">
-              <a:latin typeface="Minya Nouvelle" pitchFamily="2" charset="0"/>
-            </a:endParaRPr>
+              <a:t>, ~ 10%</a:t>
+            </a:r>
           </a:p>
         </p:txBody>
       </p:sp>

--- a/Föreläsningar/F04 - Webbteknik.pptx
+++ b/Föreläsningar/F04 - Webbteknik.pptx
@@ -8018,8 +8018,8 @@
         </p:blipFill>
         <p:spPr bwMode="auto">
           <a:xfrm>
-            <a:off x="5580112" y="2100262"/>
-            <a:ext cx="1333500" cy="1714500"/>
+            <a:off x="7020272" y="3001516"/>
+            <a:ext cx="1024568" cy="1317302"/>
           </a:xfrm>
           <a:prstGeom prst="rect">
             <a:avLst/>
@@ -8067,8 +8067,8 @@
         </p:nvSpPr>
         <p:spPr>
           <a:xfrm rot="21253772">
-            <a:off x="5724128" y="3886900"/>
-            <a:ext cx="1399742" cy="369332"/>
+            <a:off x="7034771" y="4377452"/>
+            <a:ext cx="1605822" cy="369332"/>
           </a:xfrm>
           <a:prstGeom prst="rect">
             <a:avLst/>
@@ -8076,7 +8076,7 @@
           <a:noFill/>
         </p:spPr>
         <p:txBody>
-          <a:bodyPr wrap="none" rtlCol="0">
+          <a:bodyPr wrap="square" rtlCol="0">
             <a:spAutoFit/>
           </a:bodyPr>
           <a:lstStyle/>
@@ -8226,6 +8226,59 @@
               </a:rPr>
               <a:t>:</a:t>
             </a:r>
+          </a:p>
+        </p:txBody>
+      </p:sp>
+      <p:pic>
+        <p:nvPicPr>
+          <p:cNvPr id="4" name="Picture 3"/>
+          <p:cNvPicPr>
+            <a:picLocks noChangeAspect="1"/>
+          </p:cNvPicPr>
+          <p:nvPr/>
+        </p:nvPicPr>
+        <p:blipFill>
+          <a:blip r:embed="rId6"/>
+          <a:stretch>
+            <a:fillRect/>
+          </a:stretch>
+        </p:blipFill>
+        <p:spPr>
+          <a:xfrm>
+            <a:off x="4499992" y="1561356"/>
+            <a:ext cx="2425700" cy="698500"/>
+          </a:xfrm>
+          <a:prstGeom prst="rect">
+            <a:avLst/>
+          </a:prstGeom>
+        </p:spPr>
+      </p:pic>
+      <p:sp>
+        <p:nvSpPr>
+          <p:cNvPr id="5" name="Rectangle 4"/>
+          <p:cNvSpPr/>
+          <p:nvPr/>
+        </p:nvSpPr>
+        <p:spPr>
+          <a:xfrm>
+            <a:off x="4499992" y="2209428"/>
+            <a:ext cx="2454781" cy="369332"/>
+          </a:xfrm>
+          <a:prstGeom prst="rect">
+            <a:avLst/>
+          </a:prstGeom>
+        </p:spPr>
+        <p:txBody>
+          <a:bodyPr wrap="none">
+            <a:spAutoFit/>
+          </a:bodyPr>
+          <a:lstStyle/>
+          <a:p>
+            <a:r>
+              <a:rPr lang="en-US" dirty="0" err="1" smtClean="0"/>
+              <a:t>www.browserstack.com</a:t>
+            </a:r>
+            <a:endParaRPr lang="en-US" dirty="0"/>
           </a:p>
         </p:txBody>
       </p:sp>
@@ -10765,7 +10818,28 @@
                 <a:latin typeface="Times New Roman" pitchFamily="18" charset="0"/>
                 <a:cs typeface="Times New Roman" pitchFamily="18" charset="0"/>
               </a:rPr>
-              <a:t>http://www.funkanu.se/sv/Design-for-alla/Tillganglighet/Statistik/</a:t>
+              <a:t>http://</a:t>
+            </a:r>
+            <a:r>
+              <a:rPr lang="sv-SE" sz="1600" i="1" dirty="0" err="1" smtClean="0">
+                <a:latin typeface="Times New Roman" pitchFamily="18" charset="0"/>
+                <a:cs typeface="Times New Roman" pitchFamily="18" charset="0"/>
+              </a:rPr>
+              <a:t>www.funkanu.com</a:t>
+            </a:r>
+            <a:r>
+              <a:rPr lang="sv-SE" sz="1600" i="1" dirty="0" smtClean="0">
+                <a:latin typeface="Times New Roman" pitchFamily="18" charset="0"/>
+                <a:cs typeface="Times New Roman" pitchFamily="18" charset="0"/>
+              </a:rPr>
+              <a:t>/</a:t>
+            </a:r>
+            <a:r>
+              <a:rPr lang="sv-SE" sz="1600" i="1" dirty="0">
+                <a:latin typeface="Times New Roman" pitchFamily="18" charset="0"/>
+                <a:cs typeface="Times New Roman" pitchFamily="18" charset="0"/>
+              </a:rPr>
+              <a:t>sv/Design-for-alla/Tillganglighet/Statistik/</a:t>
             </a:r>
           </a:p>
         </p:txBody>
@@ -11620,7 +11694,7 @@
         <p:spPr>
           <a:xfrm>
             <a:off x="251520" y="5089748"/>
-            <a:ext cx="2386038" cy="369332"/>
+            <a:ext cx="2600066" cy="369332"/>
           </a:xfrm>
           <a:prstGeom prst="rect">
             <a:avLst/>
@@ -11634,8 +11708,13 @@
           <a:p>
             <a:r>
               <a:rPr lang="sv-SE" dirty="0"/>
-              <a:t>http://www.funkanu.se</a:t>
-            </a:r>
+              <a:t>http://</a:t>
+            </a:r>
+            <a:r>
+              <a:rPr lang="sv-SE" dirty="0" err="1" smtClean="0"/>
+              <a:t>www.funkanu.com</a:t>
+            </a:r>
+            <a:endParaRPr lang="sv-SE" dirty="0"/>
           </a:p>
         </p:txBody>
       </p:sp>
@@ -17662,7 +17741,7 @@
         <p:spPr>
           <a:xfrm>
             <a:off x="611560" y="5275699"/>
-            <a:ext cx="4467954" cy="369332"/>
+            <a:ext cx="4649605" cy="369332"/>
           </a:xfrm>
           <a:prstGeom prst="rect">
             <a:avLst/>
@@ -17691,35 +17770,38 @@
               <a:rPr lang="sv-SE" dirty="0" smtClean="0">
                 <a:latin typeface="Minya Nouvelle" pitchFamily="2" charset="0"/>
               </a:rPr>
-              <a:t> 2013-09-24</a:t>
-            </a:r>
+              <a:t> </a:t>
+            </a:r>
+            <a:r>
+              <a:rPr lang="sv-SE" dirty="0" smtClean="0">
+                <a:latin typeface="Minya Nouvelle" pitchFamily="2" charset="0"/>
+              </a:rPr>
+              <a:t>februari 2014</a:t>
+            </a:r>
+            <a:endParaRPr lang="sv-SE" dirty="0" smtClean="0">
+              <a:latin typeface="Minya Nouvelle" pitchFamily="2" charset="0"/>
+            </a:endParaRPr>
           </a:p>
         </p:txBody>
       </p:sp>
       <p:pic>
         <p:nvPicPr>
-          <p:cNvPr id="3" name="Picture 2" descr="Skärmavbild 2013-09-24 kl. 08.17.09.png"/>
+          <p:cNvPr id="5" name="Picture 4"/>
           <p:cNvPicPr>
             <a:picLocks noChangeAspect="1"/>
           </p:cNvPicPr>
           <p:nvPr/>
         </p:nvPicPr>
         <p:blipFill>
-          <a:blip r:embed="rId2">
-            <a:extLst>
-              <a:ext uri="{28A0092B-C50C-407E-A947-70E740481C1C}">
-                <a14:useLocalDpi xmlns:a14="http://schemas.microsoft.com/office/drawing/2010/main" val="0"/>
-              </a:ext>
-            </a:extLst>
-          </a:blip>
+          <a:blip r:embed="rId2"/>
           <a:stretch>
             <a:fillRect/>
           </a:stretch>
         </p:blipFill>
         <p:spPr>
           <a:xfrm>
-            <a:off x="683568" y="1129308"/>
-            <a:ext cx="7696200" cy="4000500"/>
+            <a:off x="329073" y="1147440"/>
+            <a:ext cx="8419391" cy="3870300"/>
           </a:xfrm>
           <a:prstGeom prst="rect">
             <a:avLst/>
@@ -17809,7 +17891,7 @@
         </p:blipFill>
         <p:spPr bwMode="auto">
           <a:xfrm>
-            <a:off x="971600" y="1417341"/>
+            <a:off x="1259632" y="1129308"/>
             <a:ext cx="1375433" cy="1224136"/>
           </a:xfrm>
           <a:prstGeom prst="rect">
@@ -17860,8 +17942,8 @@
         </p:nvSpPr>
         <p:spPr bwMode="auto">
           <a:xfrm>
-            <a:off x="3059832" y="1129308"/>
-            <a:ext cx="6858000" cy="1892826"/>
+            <a:off x="2987824" y="1273324"/>
+            <a:ext cx="6858000" cy="784830"/>
           </a:xfrm>
           <a:prstGeom prst="rect">
             <a:avLst/>
@@ -17880,96 +17962,58 @@
           </a:bodyPr>
           <a:lstStyle/>
           <a:p>
-            <a:pPr>
+            <a:pPr marL="285750" indent="-285750">
               <a:spcBef>
                 <a:spcPct val="50000"/>
               </a:spcBef>
-              <a:buFontTx/>
+              <a:buFont typeface="Arial"/>
               <a:buChar char="•"/>
             </a:pPr>
             <a:r>
+              <a:rPr lang="sv-SE" dirty="0" smtClean="0">
+                <a:latin typeface="Minya Nouvelle" charset="0"/>
+              </a:rPr>
+              <a:t>Marknadsledande, Gratis </a:t>
+            </a:r>
+            <a:r>
               <a:rPr lang="sv-SE" dirty="0">
                 <a:latin typeface="Minya Nouvelle" charset="0"/>
               </a:rPr>
-              <a:t> Marknadsledande</a:t>
-            </a:r>
-          </a:p>
-          <a:p>
-            <a:pPr>
+              <a:t>(Open Source</a:t>
+            </a:r>
+            <a:r>
+              <a:rPr lang="sv-SE" dirty="0" smtClean="0">
+                <a:latin typeface="Minya Nouvelle" charset="0"/>
+              </a:rPr>
+              <a:t>)</a:t>
+            </a:r>
+          </a:p>
+          <a:p>
+            <a:pPr marL="285750" indent="-285750">
               <a:spcBef>
                 <a:spcPct val="50000"/>
               </a:spcBef>
-              <a:buFontTx/>
+              <a:buFont typeface="Arial"/>
               <a:buChar char="•"/>
             </a:pPr>
             <a:r>
+              <a:rPr lang="sv-SE" dirty="0" smtClean="0">
+                <a:latin typeface="Minya Nouvelle" charset="0"/>
+              </a:rPr>
+              <a:t>Fungerar </a:t>
+            </a:r>
+            <a:r>
               <a:rPr lang="sv-SE" dirty="0">
                 <a:latin typeface="Minya Nouvelle" charset="0"/>
               </a:rPr>
-              <a:t> Gratis (Open </a:t>
-            </a:r>
-            <a:r>
-              <a:rPr lang="sv-SE" dirty="0" err="1">
-                <a:latin typeface="Minya Nouvelle" charset="0"/>
-              </a:rPr>
-              <a:t>Source</a:t>
-            </a:r>
-            <a:r>
-              <a:rPr lang="sv-SE" dirty="0">
-                <a:latin typeface="Minya Nouvelle" charset="0"/>
-              </a:rPr>
-              <a:t>)</a:t>
-            </a:r>
-          </a:p>
-          <a:p>
-            <a:pPr>
-              <a:spcBef>
-                <a:spcPct val="50000"/>
-              </a:spcBef>
-              <a:buFontTx/>
-              <a:buChar char="•"/>
-            </a:pPr>
-            <a:r>
-              <a:rPr lang="sv-SE" dirty="0">
-                <a:latin typeface="Minya Nouvelle" charset="0"/>
-              </a:rPr>
-              <a:t> Fungerar på många OS</a:t>
-            </a:r>
-          </a:p>
-          <a:p>
-            <a:pPr>
-              <a:spcBef>
-                <a:spcPct val="50000"/>
-              </a:spcBef>
-              <a:buFontTx/>
-              <a:buChar char="•"/>
-            </a:pPr>
-            <a:r>
-              <a:rPr lang="sv-SE" dirty="0">
-                <a:latin typeface="Minya Nouvelle" charset="0"/>
-              </a:rPr>
-              <a:t> Stöd för bland annat PHP,</a:t>
-            </a:r>
-            <a:br>
-              <a:rPr lang="sv-SE" dirty="0">
-                <a:latin typeface="Minya Nouvelle" charset="0"/>
-              </a:rPr>
-            </a:br>
-            <a:r>
-              <a:rPr lang="sv-SE" dirty="0">
-                <a:latin typeface="Minya Nouvelle" charset="0"/>
-              </a:rPr>
-              <a:t>  JSP och till och med </a:t>
+              <a:t>på många </a:t>
             </a:r>
             <a:r>
               <a:rPr lang="sv-SE" dirty="0" smtClean="0">
                 <a:latin typeface="Minya Nouvelle" charset="0"/>
               </a:rPr>
-              <a:t>ASP.NET (om än bräckligt)</a:t>
-            </a:r>
-            <a:endParaRPr lang="sv-SE" dirty="0">
-              <a:latin typeface="Minya Nouvelle" charset="0"/>
-            </a:endParaRPr>
+              <a:t>OS</a:t>
+            </a:r>
           </a:p>
         </p:txBody>
       </p:sp>
@@ -17996,7 +18040,7 @@
         </p:blipFill>
         <p:spPr bwMode="auto">
           <a:xfrm rot="900000">
-            <a:off x="6393778" y="3581672"/>
+            <a:off x="6177754" y="2467990"/>
             <a:ext cx="1638434" cy="1495318"/>
           </a:xfrm>
           <a:prstGeom prst="rect">
@@ -18047,8 +18091,8 @@
         </p:nvSpPr>
         <p:spPr bwMode="auto">
           <a:xfrm>
-            <a:off x="576808" y="3274447"/>
-            <a:ext cx="5867400" cy="2031325"/>
+            <a:off x="576808" y="2641476"/>
+            <a:ext cx="5867400" cy="1200329"/>
           </a:xfrm>
           <a:prstGeom prst="rect">
             <a:avLst/>
@@ -18135,72 +18179,185 @@
               <a:buChar char="•"/>
             </a:pPr>
             <a:r>
+              <a:rPr lang="sv-SE" dirty="0" smtClean="0">
+                <a:latin typeface="Minya Nouvelle" charset="0"/>
+                <a:cs typeface="Courier New" pitchFamily="49" charset="0"/>
+              </a:rPr>
+              <a:t>Direkt </a:t>
+            </a:r>
+            <a:r>
               <a:rPr lang="sv-SE" dirty="0">
                 <a:latin typeface="Minya Nouvelle" charset="0"/>
                 <a:cs typeface="Courier New" pitchFamily="49" charset="0"/>
               </a:rPr>
-              <a:t> Ingår i </a:t>
+              <a:t>stöd för </a:t>
             </a:r>
             <a:r>
               <a:rPr lang="sv-SE" dirty="0" smtClean="0">
                 <a:latin typeface="Minya Nouvelle" charset="0"/>
                 <a:cs typeface="Courier New" pitchFamily="49" charset="0"/>
               </a:rPr>
-              <a:t>2000/2003/2008/2012 server </a:t>
-            </a:r>
-          </a:p>
-          <a:p>
-            <a:pPr>
+              <a:t>ASP.NET </a:t>
+            </a:r>
+            <a:endParaRPr lang="sv-SE" dirty="0">
+              <a:latin typeface="Minya Nouvelle" charset="0"/>
+              <a:cs typeface="Courier New" pitchFamily="49" charset="0"/>
+            </a:endParaRPr>
+          </a:p>
+        </p:txBody>
+      </p:sp>
+      <p:pic>
+        <p:nvPicPr>
+          <p:cNvPr id="3" name="Picture 2"/>
+          <p:cNvPicPr>
+            <a:picLocks noChangeAspect="1"/>
+          </p:cNvPicPr>
+          <p:nvPr/>
+        </p:nvPicPr>
+        <p:blipFill>
+          <a:blip r:embed="rId4"/>
+          <a:stretch>
+            <a:fillRect/>
+          </a:stretch>
+        </p:blipFill>
+        <p:spPr>
+          <a:xfrm>
+            <a:off x="755576" y="4513684"/>
+            <a:ext cx="2681283" cy="643508"/>
+          </a:xfrm>
+          <a:prstGeom prst="rect">
+            <a:avLst/>
+          </a:prstGeom>
+          <a:solidFill>
+            <a:srgbClr val="FFFFFF">
+              <a:shade val="85000"/>
+            </a:srgbClr>
+          </a:solidFill>
+          <a:ln w="190500" cap="sq">
+            <a:solidFill>
+              <a:srgbClr val="FFFFFF"/>
+            </a:solidFill>
+            <a:miter lim="800000"/>
+          </a:ln>
+          <a:effectLst>
+            <a:outerShdw blurRad="65000" dist="50800" dir="12900000" kx="195000" ky="145000" algn="tl" rotWithShape="0">
+              <a:srgbClr val="000000">
+                <a:alpha val="30000"/>
+              </a:srgbClr>
+            </a:outerShdw>
+          </a:effectLst>
+          <a:scene3d>
+            <a:camera prst="orthographicFront">
+              <a:rot lat="0" lon="0" rev="360000"/>
+            </a:camera>
+            <a:lightRig rig="twoPt" dir="t">
+              <a:rot lat="0" lon="0" rev="7200000"/>
+            </a:lightRig>
+          </a:scene3d>
+          <a:sp3d contourW="12700">
+            <a:bevelT w="25400" h="19050"/>
+            <a:contourClr>
+              <a:srgbClr val="969696"/>
+            </a:contourClr>
+          </a:sp3d>
+        </p:spPr>
+      </p:pic>
+      <p:sp>
+        <p:nvSpPr>
+          <p:cNvPr id="9" name="Text Box 5"/>
+          <p:cNvSpPr txBox="1">
+            <a:spLocks noChangeArrowheads="1"/>
+          </p:cNvSpPr>
+          <p:nvPr/>
+        </p:nvSpPr>
+        <p:spPr bwMode="auto">
+          <a:xfrm>
+            <a:off x="3779912" y="4297660"/>
+            <a:ext cx="6858000" cy="1200329"/>
+          </a:xfrm>
+          <a:prstGeom prst="rect">
+            <a:avLst/>
+          </a:prstGeom>
+          <a:noFill/>
+          <a:ln w="9525" algn="ctr">
+            <a:noFill/>
+            <a:miter lim="800000"/>
+            <a:headEnd/>
+            <a:tailEnd/>
+          </a:ln>
+        </p:spPr>
+        <p:txBody>
+          <a:bodyPr wrap="square">
+            <a:spAutoFit/>
+          </a:bodyPr>
+          <a:lstStyle/>
+          <a:p>
+            <a:pPr marL="285750" indent="-285750">
               <a:spcBef>
                 <a:spcPct val="50000"/>
               </a:spcBef>
-              <a:buFontTx/>
+              <a:buFont typeface="Arial"/>
               <a:buChar char="•"/>
             </a:pPr>
             <a:r>
               <a:rPr lang="sv-SE" dirty="0" smtClean="0">
                 <a:latin typeface="Minya Nouvelle" charset="0"/>
-                <a:cs typeface="Courier New" pitchFamily="49" charset="0"/>
-              </a:rPr>
-              <a:t> Ingår i XP, Vista Pro och 7 Pro, Windows 8</a:t>
-            </a:r>
-            <a:endParaRPr lang="sv-SE" sz="2400" dirty="0">
-              <a:latin typeface="Minya Nouvelle" charset="0"/>
-              <a:cs typeface="Courier New" pitchFamily="49" charset="0"/>
-            </a:endParaRPr>
-          </a:p>
-          <a:p>
-            <a:pPr>
+              </a:rPr>
+              <a:t>”Nykomlingen”, Gratis </a:t>
+            </a:r>
+            <a:r>
+              <a:rPr lang="sv-SE" dirty="0">
+                <a:latin typeface="Minya Nouvelle" charset="0"/>
+              </a:rPr>
+              <a:t>(Open Source</a:t>
+            </a:r>
+            <a:r>
+              <a:rPr lang="sv-SE" dirty="0" smtClean="0">
+                <a:latin typeface="Minya Nouvelle" charset="0"/>
+              </a:rPr>
+              <a:t>)</a:t>
+            </a:r>
+          </a:p>
+          <a:p>
+            <a:pPr marL="285750" indent="-285750">
               <a:spcBef>
                 <a:spcPct val="50000"/>
               </a:spcBef>
-              <a:buFontTx/>
+              <a:buFont typeface="Arial"/>
               <a:buChar char="•"/>
             </a:pPr>
             <a:r>
               <a:rPr lang="sv-SE" dirty="0" smtClean="0">
                 <a:latin typeface="Minya Nouvelle" charset="0"/>
-                <a:cs typeface="Courier New" pitchFamily="49" charset="0"/>
-              </a:rPr>
-              <a:t> Direkt </a:t>
-            </a:r>
-            <a:r>
-              <a:rPr lang="sv-SE" dirty="0">
+              </a:rPr>
+              <a:t>Eventloopsbaserad snarare än </a:t>
+            </a:r>
+            <a:r>
+              <a:rPr lang="sv-SE" dirty="0" err="1" smtClean="0">
                 <a:latin typeface="Minya Nouvelle" charset="0"/>
-                <a:cs typeface="Courier New" pitchFamily="49" charset="0"/>
-              </a:rPr>
-              <a:t>stöd för </a:t>
-            </a:r>
+              </a:rPr>
+              <a:t>trådad</a:t>
+            </a:r>
+            <a:endParaRPr lang="sv-SE" dirty="0" smtClean="0">
+              <a:latin typeface="Minya Nouvelle" charset="0"/>
+            </a:endParaRPr>
+          </a:p>
+          <a:p>
+            <a:pPr marL="285750" indent="-285750">
+              <a:spcBef>
+                <a:spcPct val="50000"/>
+              </a:spcBef>
+              <a:buFont typeface="Arial"/>
+              <a:buChar char="•"/>
+            </a:pPr>
             <a:r>
               <a:rPr lang="sv-SE" dirty="0" smtClean="0">
                 <a:latin typeface="Minya Nouvelle" charset="0"/>
-                <a:cs typeface="Courier New" pitchFamily="49" charset="0"/>
-              </a:rPr>
-              <a:t>ASP.NET </a:t>
-            </a:r>
-            <a:endParaRPr lang="sv-SE" dirty="0">
+              </a:rPr>
+              <a:t>Fungerar på flera OS</a:t>
+            </a:r>
+            <a:endParaRPr lang="sv-SE" dirty="0" smtClean="0">
               <a:latin typeface="Minya Nouvelle" charset="0"/>
-              <a:cs typeface="Courier New" pitchFamily="49" charset="0"/>
             </a:endParaRPr>
           </a:p>
         </p:txBody>
@@ -18267,7 +18424,7 @@
       </p:sp>
       <p:pic>
         <p:nvPicPr>
-          <p:cNvPr id="9" name="Picture 10" descr="http://www.favbrowser.com/wp-content/uploads/2010/08/internetexplorer7logo.png"/>
+          <p:cNvPr id="10" name="Picture 6" descr="http://macses.files.wordpress.com/2010/03/apple_safari.png"/>
           <p:cNvPicPr>
             <a:picLocks noChangeAspect="1" noChangeArrowheads="1"/>
           </p:cNvPicPr>
@@ -18288,90 +18445,8 @@
         </p:blipFill>
         <p:spPr bwMode="auto">
           <a:xfrm>
-            <a:off x="4211960" y="2209428"/>
-            <a:ext cx="946444" cy="946444"/>
-          </a:xfrm>
-          <a:prstGeom prst="rect">
-            <a:avLst/>
-          </a:prstGeom>
-          <a:noFill/>
-          <a:extLst>
-            <a:ext uri="{909E8E84-426E-40dd-AFC4-6F175D3DCCD1}">
-              <a14:hiddenFill xmlns:a14="http://schemas.microsoft.com/office/drawing/2010/main">
-                <a:solidFill>
-                  <a:srgbClr val="FFFFFF"/>
-                </a:solidFill>
-              </a14:hiddenFill>
-            </a:ext>
-          </a:extLst>
-        </p:spPr>
-      </p:pic>
-      <p:pic>
-        <p:nvPicPr>
-          <p:cNvPr id="10" name="Picture 6" descr="http://macses.files.wordpress.com/2010/03/apple_safari.png"/>
-          <p:cNvPicPr>
-            <a:picLocks noChangeAspect="1" noChangeArrowheads="1"/>
-          </p:cNvPicPr>
-          <p:nvPr/>
-        </p:nvPicPr>
-        <p:blipFill>
-          <a:blip r:embed="rId3" cstate="print">
-            <a:extLst>
-              <a:ext uri="{28A0092B-C50C-407E-A947-70E740481C1C}">
-                <a14:useLocalDpi xmlns:a14="http://schemas.microsoft.com/office/drawing/2010/main" val="0"/>
-              </a:ext>
-            </a:extLst>
-          </a:blip>
-          <a:srcRect/>
-          <a:stretch>
-            <a:fillRect/>
-          </a:stretch>
-        </p:blipFill>
-        <p:spPr bwMode="auto">
-          <a:xfrm>
-            <a:off x="2668555" y="2038133"/>
-            <a:ext cx="321911" cy="321911"/>
-          </a:xfrm>
-          <a:prstGeom prst="rect">
-            <a:avLst/>
-          </a:prstGeom>
-          <a:noFill/>
-          <a:extLst>
-            <a:ext uri="{909E8E84-426E-40dd-AFC4-6F175D3DCCD1}">
-              <a14:hiddenFill xmlns:a14="http://schemas.microsoft.com/office/drawing/2010/main">
-                <a:solidFill>
-                  <a:srgbClr val="FFFFFF"/>
-                </a:solidFill>
-              </a14:hiddenFill>
-            </a:ext>
-          </a:extLst>
-        </p:spPr>
-      </p:pic>
-      <p:pic>
-        <p:nvPicPr>
-          <p:cNvPr id="11" name="Picture 8" descr="https://2002138315848640006-a-pressatgoogle-com-s-sites.googlegroups.com/a/pressatgoogle.com/chromepress/Home/google-chrome-chromium/images/chrome-256-medium.png?attachauth=ANoY7cqXW-gWwbYn-3rsDWvqEtLbE4_sLghHFnNhnIstJ9e16n6Lwq7qESQOnn_bDcbnfpRD1OI2gCDJCWKSZ93_rXUQSVhfxNUuI1ntPHlq1mKdw7o__jbWaF8DNnl9LL1kQxTH66_2l6XeXobx-c5H6ndfOwN4uMk8eun3vKudXwGlro_0ECjT1MbbEM54KbNMRddkAz-RO0BzLqwjMJxC4G87lD1mc3jtT2Vn4CCSd5IolcNcnftDOt1E_FuwdLpL3iUAj6wpWoEiAJ9IgmTvPPr0iHkEpg%3D%3D&amp;attredirects=0"/>
-          <p:cNvPicPr>
-            <a:picLocks noChangeAspect="1" noChangeArrowheads="1"/>
-          </p:cNvPicPr>
-          <p:nvPr/>
-        </p:nvPicPr>
-        <p:blipFill>
-          <a:blip r:embed="rId4" cstate="print">
-            <a:extLst>
-              <a:ext uri="{28A0092B-C50C-407E-A947-70E740481C1C}">
-                <a14:useLocalDpi xmlns:a14="http://schemas.microsoft.com/office/drawing/2010/main" val="0"/>
-              </a:ext>
-            </a:extLst>
-          </a:blip>
-          <a:srcRect/>
-          <a:stretch>
-            <a:fillRect/>
-          </a:stretch>
-        </p:blipFill>
-        <p:spPr bwMode="auto">
-          <a:xfrm>
-            <a:off x="5148064" y="2425452"/>
-            <a:ext cx="1944216" cy="1944216"/>
+            <a:off x="3419872" y="1705372"/>
+            <a:ext cx="936104" cy="936104"/>
           </a:xfrm>
           <a:prstGeom prst="rect">
             <a:avLst/>
@@ -18397,7 +18472,7 @@
           <p:nvPr/>
         </p:nvPicPr>
         <p:blipFill>
-          <a:blip r:embed="rId5" cstate="print">
+          <a:blip r:embed="rId3" cstate="print">
             <a:extLst>
               <a:ext uri="{28A0092B-C50C-407E-A947-70E740481C1C}">
                 <a14:useLocalDpi xmlns:a14="http://schemas.microsoft.com/office/drawing/2010/main" val="0"/>
@@ -18411,7 +18486,7 @@
         </p:blipFill>
         <p:spPr bwMode="auto">
           <a:xfrm>
-            <a:off x="2199651" y="2053467"/>
+            <a:off x="2195736" y="1849388"/>
             <a:ext cx="145621" cy="145621"/>
           </a:xfrm>
           <a:prstGeom prst="rect">
@@ -18431,43 +18506,74 @@
       </p:pic>
       <p:pic>
         <p:nvPicPr>
-          <p:cNvPr id="13" name="Picture 12" descr="http://frannie84.files.wordpress.com/2010/08/firefox.png"/>
+          <p:cNvPr id="3" name="Picture 2"/>
           <p:cNvPicPr>
-            <a:picLocks noChangeAspect="1" noChangeArrowheads="1"/>
+            <a:picLocks noChangeAspect="1"/>
           </p:cNvPicPr>
           <p:nvPr/>
         </p:nvPicPr>
         <p:blipFill>
-          <a:blip r:embed="rId6" cstate="print">
-            <a:extLst>
-              <a:ext uri="{28A0092B-C50C-407E-A947-70E740481C1C}">
-                <a14:useLocalDpi xmlns:a14="http://schemas.microsoft.com/office/drawing/2010/main" val="0"/>
-              </a:ext>
-            </a:extLst>
-          </a:blip>
-          <a:srcRect/>
+          <a:blip r:embed="rId4"/>
           <a:stretch>
             <a:fillRect/>
           </a:stretch>
         </p:blipFill>
-        <p:spPr bwMode="auto">
+        <p:spPr>
           <a:xfrm>
-            <a:off x="3419872" y="2065412"/>
-            <a:ext cx="611095" cy="588009"/>
+            <a:off x="4932040" y="2065412"/>
+            <a:ext cx="2785492" cy="2785492"/>
           </a:xfrm>
           <a:prstGeom prst="rect">
             <a:avLst/>
           </a:prstGeom>
-          <a:noFill/>
-          <a:extLst>
-            <a:ext uri="{909E8E84-426E-40dd-AFC4-6F175D3DCCD1}">
-              <a14:hiddenFill xmlns:a14="http://schemas.microsoft.com/office/drawing/2010/main">
-                <a:solidFill>
-                  <a:srgbClr val="FFFFFF"/>
-                </a:solidFill>
-              </a14:hiddenFill>
-            </a:ext>
-          </a:extLst>
+        </p:spPr>
+      </p:pic>
+      <p:pic>
+        <p:nvPicPr>
+          <p:cNvPr id="4" name="Picture 3"/>
+          <p:cNvPicPr>
+            <a:picLocks noChangeAspect="1"/>
+          </p:cNvPicPr>
+          <p:nvPr/>
+        </p:nvPicPr>
+        <p:blipFill>
+          <a:blip r:embed="rId5"/>
+          <a:stretch>
+            <a:fillRect/>
+          </a:stretch>
+        </p:blipFill>
+        <p:spPr>
+          <a:xfrm>
+            <a:off x="4355976" y="2209428"/>
+            <a:ext cx="905520" cy="905520"/>
+          </a:xfrm>
+          <a:prstGeom prst="rect">
+            <a:avLst/>
+          </a:prstGeom>
+        </p:spPr>
+      </p:pic>
+      <p:pic>
+        <p:nvPicPr>
+          <p:cNvPr id="5" name="Picture 4"/>
+          <p:cNvPicPr>
+            <a:picLocks noChangeAspect="1"/>
+          </p:cNvPicPr>
+          <p:nvPr/>
+        </p:nvPicPr>
+        <p:blipFill>
+          <a:blip r:embed="rId6"/>
+          <a:stretch>
+            <a:fillRect/>
+          </a:stretch>
+        </p:blipFill>
+        <p:spPr>
+          <a:xfrm>
+            <a:off x="2771800" y="1705372"/>
+            <a:ext cx="553244" cy="553244"/>
+          </a:xfrm>
+          <a:prstGeom prst="rect">
+            <a:avLst/>
+          </a:prstGeom>
         </p:spPr>
       </p:pic>
     </p:spTree>
@@ -18538,8 +18644,8 @@
         </p:nvSpPr>
         <p:spPr>
           <a:xfrm>
-            <a:off x="6160261" y="5273723"/>
-            <a:ext cx="2948243" cy="369332"/>
+            <a:off x="5364088" y="5233764"/>
+            <a:ext cx="3751523" cy="369332"/>
           </a:xfrm>
           <a:prstGeom prst="rect">
             <a:avLst/>
@@ -18554,36 +18660,47 @@
             <a:r>
               <a:rPr lang="sv-SE" dirty="0">
                 <a:latin typeface="Minya Nouvelle" charset="0"/>
-              </a:rPr>
-              <a:t>http://gs.statcounter.com</a:t>
-            </a:r>
+                <a:hlinkClick r:id="rId2"/>
+              </a:rPr>
+              <a:t>http://</a:t>
+            </a:r>
+            <a:r>
+              <a:rPr lang="sv-SE" dirty="0" smtClean="0">
+                <a:latin typeface="Minya Nouvelle" charset="0"/>
+                <a:hlinkClick r:id="rId2"/>
+              </a:rPr>
+              <a:t>gs.statcounter.com</a:t>
+            </a:r>
+            <a:r>
+              <a:rPr lang="sv-SE" dirty="0" smtClean="0">
+                <a:latin typeface="Minya Nouvelle" charset="0"/>
+              </a:rPr>
+              <a:t> (Sweden)</a:t>
+            </a:r>
+            <a:endParaRPr lang="sv-SE" dirty="0">
+              <a:latin typeface="Minya Nouvelle" charset="0"/>
+            </a:endParaRPr>
           </a:p>
         </p:txBody>
       </p:sp>
       <p:pic>
         <p:nvPicPr>
-          <p:cNvPr id="3" name="Picture 2" descr="Skärmavbild 2013-09-24 kl. 09.03.37.png"/>
+          <p:cNvPr id="5" name="Picture 4"/>
           <p:cNvPicPr>
             <a:picLocks noChangeAspect="1"/>
           </p:cNvPicPr>
           <p:nvPr/>
         </p:nvPicPr>
         <p:blipFill>
-          <a:blip r:embed="rId2">
-            <a:extLst>
-              <a:ext uri="{28A0092B-C50C-407E-A947-70E740481C1C}">
-                <a14:useLocalDpi xmlns:a14="http://schemas.microsoft.com/office/drawing/2010/main" val="0"/>
-              </a:ext>
-            </a:extLst>
-          </a:blip>
+          <a:blip r:embed="rId3"/>
           <a:stretch>
             <a:fillRect/>
           </a:stretch>
         </p:blipFill>
         <p:spPr>
           <a:xfrm>
-            <a:off x="971600" y="1057300"/>
-            <a:ext cx="7377140" cy="4209152"/>
+            <a:off x="827584" y="1057300"/>
+            <a:ext cx="7244359" cy="4176464"/>
           </a:xfrm>
           <a:prstGeom prst="rect">
             <a:avLst/>
@@ -18816,27 +18933,25 @@
               <a:rPr lang="sv-SE" dirty="0" smtClean="0">
                 <a:latin typeface="Minya Nouvelle" charset="0"/>
               </a:rPr>
-              <a:t>IE7.0 </a:t>
-            </a:r>
-            <a:r>
-              <a:rPr lang="sv-SE" dirty="0">
-                <a:latin typeface="Minya Nouvelle" charset="0"/>
-              </a:rPr>
-              <a:t>	</a:t>
+              <a:t>IE8.0 </a:t>
             </a:r>
             <a:r>
               <a:rPr lang="sv-SE" dirty="0" smtClean="0">
                 <a:latin typeface="Minya Nouvelle" charset="0"/>
               </a:rPr>
-              <a:t>&lt; 1%</a:t>
-            </a:r>
-          </a:p>
-          <a:p>
+              <a:t>	~ </a:t>
+            </a:r>
             <a:r>
               <a:rPr lang="sv-SE" dirty="0" smtClean="0">
                 <a:latin typeface="Minya Nouvelle" charset="0"/>
               </a:rPr>
-              <a:t>IE8.0 	~ 9%</a:t>
+              <a:t>5%</a:t>
+            </a:r>
+            <a:r>
+              <a:rPr lang="sv-SE" dirty="0" smtClean="0">
+                <a:latin typeface="Minya Nouvelle" charset="0"/>
+              </a:rPr>
+              <a:t/>
             </a:r>
             <a:br>
               <a:rPr lang="sv-SE" dirty="0" smtClean="0">
@@ -18847,7 +18962,19 @@
               <a:rPr lang="sv-SE" dirty="0" smtClean="0">
                 <a:latin typeface="Minya Nouvelle" charset="0"/>
               </a:rPr>
-              <a:t>IE9.0	~ 13%</a:t>
+              <a:t>IE9.0	~ </a:t>
+            </a:r>
+            <a:r>
+              <a:rPr lang="sv-SE" dirty="0" smtClean="0">
+                <a:latin typeface="Minya Nouvelle" charset="0"/>
+              </a:rPr>
+              <a:t>3</a:t>
+            </a:r>
+            <a:r>
+              <a:rPr lang="sv-SE" dirty="0" smtClean="0">
+                <a:latin typeface="Minya Nouvelle" charset="0"/>
+              </a:rPr>
+              <a:t>%</a:t>
             </a:r>
             <a:br>
               <a:rPr lang="sv-SE" dirty="0" smtClean="0">
@@ -18858,7 +18985,27 @@
               <a:rPr lang="sv-SE" dirty="0" smtClean="0">
                 <a:latin typeface="Minya Nouvelle" charset="0"/>
               </a:rPr>
-              <a:t>IE10.0	~ 4%</a:t>
+              <a:t>IE10.0	~ </a:t>
+            </a:r>
+            <a:r>
+              <a:rPr lang="sv-SE" dirty="0" smtClean="0">
+                <a:latin typeface="Minya Nouvelle" charset="0"/>
+              </a:rPr>
+              <a:t>3%</a:t>
+            </a:r>
+          </a:p>
+          <a:p>
+            <a:r>
+              <a:rPr lang="sv-SE" dirty="0" smtClean="0">
+                <a:latin typeface="Minya Nouvelle" charset="0"/>
+              </a:rPr>
+              <a:t>IE11.0	</a:t>
+            </a:r>
+            <a:r>
+              <a:rPr lang="sv-SE" dirty="0" smtClean="0">
+                <a:latin typeface="Minya Nouvelle" charset="0"/>
+              </a:rPr>
+              <a:t>~ 9%</a:t>
             </a:r>
             <a:endParaRPr lang="sv-SE" dirty="0">
               <a:latin typeface="Minya Nouvelle" charset="0"/>
@@ -18892,8 +19039,17 @@
               <a:rPr lang="sv-SE" b="1" dirty="0" smtClean="0">
                 <a:latin typeface="Minya Nouvelle" pitchFamily="2" charset="0"/>
               </a:rPr>
-              <a:t>Trident, ~ 25%</a:t>
-            </a:r>
+              <a:t>Trident, ~ </a:t>
+            </a:r>
+            <a:r>
+              <a:rPr lang="sv-SE" b="1" dirty="0" smtClean="0">
+                <a:latin typeface="Minya Nouvelle" pitchFamily="2" charset="0"/>
+              </a:rPr>
+              <a:t>21%</a:t>
+            </a:r>
+            <a:endParaRPr lang="sv-SE" b="1" dirty="0" smtClean="0">
+              <a:latin typeface="Minya Nouvelle" pitchFamily="2" charset="0"/>
+            </a:endParaRPr>
           </a:p>
         </p:txBody>
       </p:sp>
@@ -18923,8 +19079,23 @@
               <a:rPr lang="sv-SE" b="1" dirty="0" smtClean="0">
                 <a:latin typeface="Minya Nouvelle" pitchFamily="2" charset="0"/>
               </a:rPr>
-              <a:t>Gecko, ~ 20%</a:t>
-            </a:r>
+              <a:t>Gecko, ~ </a:t>
+            </a:r>
+            <a:r>
+              <a:rPr lang="sv-SE" b="1" dirty="0" smtClean="0">
+                <a:latin typeface="Minya Nouvelle" pitchFamily="2" charset="0"/>
+              </a:rPr>
+              <a:t>17</a:t>
+            </a:r>
+            <a:r>
+              <a:rPr lang="sv-SE" b="1" dirty="0" smtClean="0">
+                <a:latin typeface="Minya Nouvelle" pitchFamily="2" charset="0"/>
+              </a:rPr>
+              <a:t>%</a:t>
+            </a:r>
+            <a:endParaRPr lang="sv-SE" b="1" dirty="0" smtClean="0">
+              <a:latin typeface="Minya Nouvelle" pitchFamily="2" charset="0"/>
+            </a:endParaRPr>
           </a:p>
         </p:txBody>
       </p:sp>
@@ -19170,8 +19341,17 @@
               <a:rPr lang="sv-SE" b="1" dirty="0" smtClean="0">
                 <a:latin typeface="Minya Nouvelle" pitchFamily="2" charset="0"/>
               </a:rPr>
-              <a:t>Blink, ~ 45%</a:t>
-            </a:r>
+              <a:t>Blink, ~ </a:t>
+            </a:r>
+            <a:r>
+              <a:rPr lang="sv-SE" b="1" dirty="0" smtClean="0">
+                <a:latin typeface="Minya Nouvelle" pitchFamily="2" charset="0"/>
+              </a:rPr>
+              <a:t>45%</a:t>
+            </a:r>
+            <a:endParaRPr lang="sv-SE" b="1" dirty="0" smtClean="0">
+              <a:latin typeface="Minya Nouvelle" pitchFamily="2" charset="0"/>
+            </a:endParaRPr>
           </a:p>
         </p:txBody>
       </p:sp>
@@ -19198,8 +19378,8 @@
         </p:blipFill>
         <p:spPr bwMode="auto">
           <a:xfrm>
-            <a:off x="4932040" y="2497460"/>
-            <a:ext cx="771135" cy="771135"/>
+            <a:off x="5108028" y="2776200"/>
+            <a:ext cx="432048" cy="432048"/>
           </a:xfrm>
           <a:prstGeom prst="rect">
             <a:avLst/>
@@ -19226,7 +19406,7 @@
         </p:nvSpPr>
         <p:spPr bwMode="auto">
           <a:xfrm>
-            <a:off x="5868144" y="2713484"/>
+            <a:off x="5540076" y="2848208"/>
             <a:ext cx="2632324" cy="369332"/>
           </a:xfrm>
           <a:prstGeom prst="rect">
@@ -19290,7 +19470,19 @@
               <a:rPr lang="sv-SE" b="1" dirty="0" smtClean="0">
                 <a:latin typeface="Minya Nouvelle" pitchFamily="2" charset="0"/>
               </a:rPr>
-              <a:t>, ~ 10%</a:t>
+              <a:t>, ~ </a:t>
+            </a:r>
+            <a:r>
+              <a:rPr lang="sv-SE" b="1" dirty="0" smtClean="0">
+                <a:latin typeface="Minya Nouvelle" pitchFamily="2" charset="0"/>
+              </a:rPr>
+              <a:t>20</a:t>
+            </a:r>
+            <a:r>
+              <a:rPr lang="sv-SE" b="1" dirty="0" smtClean="0">
+                <a:latin typeface="Minya Nouvelle" pitchFamily="2" charset="0"/>
+              </a:rPr>
+              <a:t>%</a:t>
             </a:r>
           </a:p>
         </p:txBody>
